--- a/Cours/01_Modelisation_Multiphysique/images/Figures.pptx
+++ b/Cours/01_Modelisation_Multiphysique/images/Figures.pptx
@@ -7,6 +7,10 @@
   <p:sldIdLst>
     <p:sldId id="256" r:id="rId2"/>
     <p:sldId id="257" r:id="rId3"/>
+    <p:sldId id="258" r:id="rId4"/>
+    <p:sldId id="259" r:id="rId5"/>
+    <p:sldId id="261" r:id="rId6"/>
+    <p:sldId id="260" r:id="rId7"/>
   </p:sldIdLst>
   <p:sldSz cx="9144000" cy="6858000" type="screen4x3"/>
   <p:notesSz cx="6858000" cy="9144000"/>
@@ -309,7 +313,7 @@
           <a:p>
             <a:fld id="{AA309A6D-C09C-4548-B29A-6CF363A7E532}" type="datetimeFigureOut">
               <a:rPr lang="fr-FR" smtClean="0"/>
-              <a:t>06/06/2017</a:t>
+              <a:t>07/06/2017</a:t>
             </a:fld>
             <a:endParaRPr lang="fr-BE"/>
           </a:p>
@@ -474,7 +478,7 @@
           <a:p>
             <a:fld id="{AA309A6D-C09C-4548-B29A-6CF363A7E532}" type="datetimeFigureOut">
               <a:rPr lang="fr-FR" smtClean="0"/>
-              <a:t>06/06/2017</a:t>
+              <a:t>07/06/2017</a:t>
             </a:fld>
             <a:endParaRPr lang="fr-BE"/>
           </a:p>
@@ -649,7 +653,7 @@
           <a:p>
             <a:fld id="{AA309A6D-C09C-4548-B29A-6CF363A7E532}" type="datetimeFigureOut">
               <a:rPr lang="fr-FR" smtClean="0"/>
-              <a:t>06/06/2017</a:t>
+              <a:t>07/06/2017</a:t>
             </a:fld>
             <a:endParaRPr lang="fr-BE"/>
           </a:p>
@@ -814,7 +818,7 @@
           <a:p>
             <a:fld id="{AA309A6D-C09C-4548-B29A-6CF363A7E532}" type="datetimeFigureOut">
               <a:rPr lang="fr-FR" smtClean="0"/>
-              <a:t>06/06/2017</a:t>
+              <a:t>07/06/2017</a:t>
             </a:fld>
             <a:endParaRPr lang="fr-BE"/>
           </a:p>
@@ -1055,7 +1059,7 @@
           <a:p>
             <a:fld id="{AA309A6D-C09C-4548-B29A-6CF363A7E532}" type="datetimeFigureOut">
               <a:rPr lang="fr-FR" smtClean="0"/>
-              <a:t>06/06/2017</a:t>
+              <a:t>07/06/2017</a:t>
             </a:fld>
             <a:endParaRPr lang="fr-BE"/>
           </a:p>
@@ -1338,7 +1342,7 @@
           <a:p>
             <a:fld id="{AA309A6D-C09C-4548-B29A-6CF363A7E532}" type="datetimeFigureOut">
               <a:rPr lang="fr-FR" smtClean="0"/>
-              <a:t>06/06/2017</a:t>
+              <a:t>07/06/2017</a:t>
             </a:fld>
             <a:endParaRPr lang="fr-BE"/>
           </a:p>
@@ -1755,7 +1759,7 @@
           <a:p>
             <a:fld id="{AA309A6D-C09C-4548-B29A-6CF363A7E532}" type="datetimeFigureOut">
               <a:rPr lang="fr-FR" smtClean="0"/>
-              <a:t>06/06/2017</a:t>
+              <a:t>07/06/2017</a:t>
             </a:fld>
             <a:endParaRPr lang="fr-BE"/>
           </a:p>
@@ -1868,7 +1872,7 @@
           <a:p>
             <a:fld id="{AA309A6D-C09C-4548-B29A-6CF363A7E532}" type="datetimeFigureOut">
               <a:rPr lang="fr-FR" smtClean="0"/>
-              <a:t>06/06/2017</a:t>
+              <a:t>07/06/2017</a:t>
             </a:fld>
             <a:endParaRPr lang="fr-BE"/>
           </a:p>
@@ -1958,7 +1962,7 @@
           <a:p>
             <a:fld id="{AA309A6D-C09C-4548-B29A-6CF363A7E532}" type="datetimeFigureOut">
               <a:rPr lang="fr-FR" smtClean="0"/>
-              <a:t>06/06/2017</a:t>
+              <a:t>07/06/2017</a:t>
             </a:fld>
             <a:endParaRPr lang="fr-BE"/>
           </a:p>
@@ -2230,7 +2234,7 @@
           <a:p>
             <a:fld id="{AA309A6D-C09C-4548-B29A-6CF363A7E532}" type="datetimeFigureOut">
               <a:rPr lang="fr-FR" smtClean="0"/>
-              <a:t>06/06/2017</a:t>
+              <a:t>07/06/2017</a:t>
             </a:fld>
             <a:endParaRPr lang="fr-BE"/>
           </a:p>
@@ -2478,7 +2482,7 @@
           <a:p>
             <a:fld id="{AA309A6D-C09C-4548-B29A-6CF363A7E532}" type="datetimeFigureOut">
               <a:rPr lang="fr-FR" smtClean="0"/>
-              <a:t>06/06/2017</a:t>
+              <a:t>07/06/2017</a:t>
             </a:fld>
             <a:endParaRPr lang="fr-BE"/>
           </a:p>
@@ -2686,7 +2690,7 @@
           <a:p>
             <a:fld id="{AA309A6D-C09C-4548-B29A-6CF363A7E532}" type="datetimeFigureOut">
               <a:rPr lang="fr-FR" smtClean="0"/>
-              <a:t>06/06/2017</a:t>
+              <a:t>07/06/2017</a:t>
             </a:fld>
             <a:endParaRPr lang="fr-BE"/>
           </a:p>
@@ -3755,10 +3759,2133 @@
           </a:p>
         </p:txBody>
       </p:sp>
+      <p:pic>
+        <p:nvPicPr>
+          <p:cNvPr id="3" name="Image 2"/>
+          <p:cNvPicPr>
+            <a:picLocks noChangeAspect="1"/>
+          </p:cNvPicPr>
+          <p:nvPr/>
+        </p:nvPicPr>
+        <p:blipFill>
+          <a:blip r:embed="rId2"/>
+          <a:stretch>
+            <a:fillRect/>
+          </a:stretch>
+        </p:blipFill>
+        <p:spPr>
+          <a:xfrm>
+            <a:off x="1828800" y="1738312"/>
+            <a:ext cx="5486400" cy="3381375"/>
+          </a:xfrm>
+          <a:prstGeom prst="rect">
+            <a:avLst/>
+          </a:prstGeom>
+        </p:spPr>
+      </p:pic>
+      <p:sp>
+        <p:nvSpPr>
+          <p:cNvPr id="6" name="Rectangle 5"/>
+          <p:cNvSpPr/>
+          <p:nvPr/>
+        </p:nvSpPr>
+        <p:spPr>
+          <a:xfrm>
+            <a:off x="6732240" y="1844824"/>
+            <a:ext cx="510487" cy="432049"/>
+          </a:xfrm>
+          <a:prstGeom prst="rect">
+            <a:avLst/>
+          </a:prstGeom>
+          <a:noFill/>
+          <a:ln w="28575">
+            <a:solidFill>
+              <a:schemeClr val="accent4"/>
+            </a:solidFill>
+            <a:prstDash val="sysDash"/>
+          </a:ln>
+        </p:spPr>
+        <p:style>
+          <a:lnRef idx="2">
+            <a:schemeClr val="accent1">
+              <a:shade val="50000"/>
+            </a:schemeClr>
+          </a:lnRef>
+          <a:fillRef idx="1">
+            <a:schemeClr val="accent1"/>
+          </a:fillRef>
+          <a:effectRef idx="0">
+            <a:schemeClr val="accent1"/>
+          </a:effectRef>
+          <a:fontRef idx="minor">
+            <a:schemeClr val="lt1"/>
+          </a:fontRef>
+        </p:style>
+        <p:txBody>
+          <a:bodyPr rtlCol="0" anchor="ctr"/>
+          <a:lstStyle/>
+          <a:p>
+            <a:pPr algn="ctr"/>
+            <a:endParaRPr lang="fr-FR"/>
+          </a:p>
+        </p:txBody>
+      </p:sp>
+      <p:sp>
+        <p:nvSpPr>
+          <p:cNvPr id="9" name="Rectangle 8"/>
+          <p:cNvSpPr/>
+          <p:nvPr/>
+        </p:nvSpPr>
+        <p:spPr>
+          <a:xfrm>
+            <a:off x="6729436" y="3356992"/>
+            <a:ext cx="510487" cy="432049"/>
+          </a:xfrm>
+          <a:prstGeom prst="rect">
+            <a:avLst/>
+          </a:prstGeom>
+          <a:noFill/>
+          <a:ln w="28575">
+            <a:solidFill>
+              <a:schemeClr val="accent4"/>
+            </a:solidFill>
+            <a:prstDash val="sysDash"/>
+          </a:ln>
+        </p:spPr>
+        <p:style>
+          <a:lnRef idx="2">
+            <a:schemeClr val="accent1">
+              <a:shade val="50000"/>
+            </a:schemeClr>
+          </a:lnRef>
+          <a:fillRef idx="1">
+            <a:schemeClr val="accent1"/>
+          </a:fillRef>
+          <a:effectRef idx="0">
+            <a:schemeClr val="accent1"/>
+          </a:effectRef>
+          <a:fontRef idx="minor">
+            <a:schemeClr val="lt1"/>
+          </a:fontRef>
+        </p:style>
+        <p:txBody>
+          <a:bodyPr rtlCol="0" anchor="ctr"/>
+          <a:lstStyle/>
+          <a:p>
+            <a:pPr algn="ctr"/>
+            <a:endParaRPr lang="fr-FR"/>
+          </a:p>
+        </p:txBody>
+      </p:sp>
+      <p:sp>
+        <p:nvSpPr>
+          <p:cNvPr id="10" name="Rectangle 9"/>
+          <p:cNvSpPr/>
+          <p:nvPr/>
+        </p:nvSpPr>
+        <p:spPr>
+          <a:xfrm>
+            <a:off x="2715603" y="3599143"/>
+            <a:ext cx="632261" cy="518841"/>
+          </a:xfrm>
+          <a:prstGeom prst="rect">
+            <a:avLst/>
+          </a:prstGeom>
+          <a:noFill/>
+          <a:ln w="28575">
+            <a:solidFill>
+              <a:schemeClr val="accent4"/>
+            </a:solidFill>
+            <a:prstDash val="sysDash"/>
+          </a:ln>
+        </p:spPr>
+        <p:style>
+          <a:lnRef idx="2">
+            <a:schemeClr val="accent1">
+              <a:shade val="50000"/>
+            </a:schemeClr>
+          </a:lnRef>
+          <a:fillRef idx="1">
+            <a:schemeClr val="accent1"/>
+          </a:fillRef>
+          <a:effectRef idx="0">
+            <a:schemeClr val="accent1"/>
+          </a:effectRef>
+          <a:fontRef idx="minor">
+            <a:schemeClr val="lt1"/>
+          </a:fontRef>
+        </p:style>
+        <p:txBody>
+          <a:bodyPr rtlCol="0" anchor="ctr"/>
+          <a:lstStyle/>
+          <a:p>
+            <a:pPr algn="ctr"/>
+            <a:endParaRPr lang="fr-FR"/>
+          </a:p>
+        </p:txBody>
+      </p:sp>
+      <p:sp>
+        <p:nvSpPr>
+          <p:cNvPr id="11" name="Rectangle 10"/>
+          <p:cNvSpPr/>
+          <p:nvPr/>
+        </p:nvSpPr>
+        <p:spPr>
+          <a:xfrm>
+            <a:off x="2715603" y="1921801"/>
+            <a:ext cx="632261" cy="518841"/>
+          </a:xfrm>
+          <a:prstGeom prst="rect">
+            <a:avLst/>
+          </a:prstGeom>
+          <a:noFill/>
+          <a:ln w="28575">
+            <a:solidFill>
+              <a:schemeClr val="accent4"/>
+            </a:solidFill>
+            <a:prstDash val="sysDash"/>
+          </a:ln>
+        </p:spPr>
+        <p:style>
+          <a:lnRef idx="2">
+            <a:schemeClr val="accent1">
+              <a:shade val="50000"/>
+            </a:schemeClr>
+          </a:lnRef>
+          <a:fillRef idx="1">
+            <a:schemeClr val="accent1"/>
+          </a:fillRef>
+          <a:effectRef idx="0">
+            <a:schemeClr val="accent1"/>
+          </a:effectRef>
+          <a:fontRef idx="minor">
+            <a:schemeClr val="lt1"/>
+          </a:fontRef>
+        </p:style>
+        <p:txBody>
+          <a:bodyPr rtlCol="0" anchor="ctr"/>
+          <a:lstStyle/>
+          <a:p>
+            <a:pPr algn="ctr"/>
+            <a:endParaRPr lang="fr-FR"/>
+          </a:p>
+        </p:txBody>
+      </p:sp>
+      <p:grpSp>
+        <p:nvGrpSpPr>
+          <p:cNvPr id="26" name="Groupe 25"/>
+          <p:cNvGrpSpPr/>
+          <p:nvPr/>
+        </p:nvGrpSpPr>
+        <p:grpSpPr>
+          <a:xfrm>
+            <a:off x="7524328" y="3004210"/>
+            <a:ext cx="1099600" cy="784830"/>
+            <a:chOff x="7524328" y="2522798"/>
+            <a:chExt cx="1099600" cy="784830"/>
+          </a:xfrm>
+        </p:grpSpPr>
+        <p:sp>
+          <p:nvSpPr>
+            <p:cNvPr id="8" name="ZoneTexte 7"/>
+            <p:cNvSpPr txBox="1"/>
+            <p:nvPr/>
+          </p:nvSpPr>
+          <p:spPr>
+            <a:xfrm>
+              <a:off x="7740353" y="2522798"/>
+              <a:ext cx="551754" cy="261610"/>
+            </a:xfrm>
+            <a:prstGeom prst="rect">
+              <a:avLst/>
+            </a:prstGeom>
+            <a:noFill/>
+          </p:spPr>
+          <p:txBody>
+            <a:bodyPr wrap="none" rtlCol="0">
+              <a:spAutoFit/>
+            </a:bodyPr>
+            <a:lstStyle/>
+            <a:p>
+              <a:r>
+                <a:rPr lang="fr-FR" sz="1100" dirty="0"/>
+                <a:t>Masse</a:t>
+              </a:r>
+            </a:p>
+          </p:txBody>
+        </p:sp>
+        <p:sp>
+          <p:nvSpPr>
+            <p:cNvPr id="12" name="Rectangle 11"/>
+            <p:cNvSpPr/>
+            <p:nvPr/>
+          </p:nvSpPr>
+          <p:spPr>
+            <a:xfrm>
+              <a:off x="7524328" y="2567231"/>
+              <a:ext cx="216025" cy="141689"/>
+            </a:xfrm>
+            <a:prstGeom prst="rect">
+              <a:avLst/>
+            </a:prstGeom>
+            <a:noFill/>
+            <a:ln w="28575">
+              <a:solidFill>
+                <a:schemeClr val="accent4"/>
+              </a:solidFill>
+              <a:prstDash val="sysDash"/>
+            </a:ln>
+          </p:spPr>
+          <p:style>
+            <a:lnRef idx="2">
+              <a:schemeClr val="accent1">
+                <a:shade val="50000"/>
+              </a:schemeClr>
+            </a:lnRef>
+            <a:fillRef idx="1">
+              <a:schemeClr val="accent1"/>
+            </a:fillRef>
+            <a:effectRef idx="0">
+              <a:schemeClr val="accent1"/>
+            </a:effectRef>
+            <a:fontRef idx="minor">
+              <a:schemeClr val="lt1"/>
+            </a:fontRef>
+          </p:style>
+          <p:txBody>
+            <a:bodyPr rtlCol="0" anchor="ctr"/>
+            <a:lstStyle/>
+            <a:p>
+              <a:pPr algn="ctr"/>
+              <a:endParaRPr lang="fr-FR"/>
+            </a:p>
+          </p:txBody>
+        </p:sp>
+        <p:sp>
+          <p:nvSpPr>
+            <p:cNvPr id="13" name="ZoneTexte 12"/>
+            <p:cNvSpPr txBox="1"/>
+            <p:nvPr/>
+          </p:nvSpPr>
+          <p:spPr>
+            <a:xfrm>
+              <a:off x="7740353" y="2784408"/>
+              <a:ext cx="611065" cy="261610"/>
+            </a:xfrm>
+            <a:prstGeom prst="rect">
+              <a:avLst/>
+            </a:prstGeom>
+            <a:noFill/>
+          </p:spPr>
+          <p:txBody>
+            <a:bodyPr wrap="none" rtlCol="0">
+              <a:spAutoFit/>
+            </a:bodyPr>
+            <a:lstStyle/>
+            <a:p>
+              <a:r>
+                <a:rPr lang="fr-FR" sz="1100" dirty="0"/>
+                <a:t>Ressort</a:t>
+              </a:r>
+            </a:p>
+          </p:txBody>
+        </p:sp>
+        <p:sp>
+          <p:nvSpPr>
+            <p:cNvPr id="14" name="Rectangle 13"/>
+            <p:cNvSpPr/>
+            <p:nvPr/>
+          </p:nvSpPr>
+          <p:spPr>
+            <a:xfrm>
+              <a:off x="7524328" y="2828841"/>
+              <a:ext cx="216025" cy="141689"/>
+            </a:xfrm>
+            <a:prstGeom prst="rect">
+              <a:avLst/>
+            </a:prstGeom>
+            <a:noFill/>
+            <a:ln w="28575">
+              <a:solidFill>
+                <a:srgbClr val="00B050"/>
+              </a:solidFill>
+              <a:prstDash val="sysDash"/>
+            </a:ln>
+          </p:spPr>
+          <p:style>
+            <a:lnRef idx="2">
+              <a:schemeClr val="accent1">
+                <a:shade val="50000"/>
+              </a:schemeClr>
+            </a:lnRef>
+            <a:fillRef idx="1">
+              <a:schemeClr val="accent1"/>
+            </a:fillRef>
+            <a:effectRef idx="0">
+              <a:schemeClr val="accent1"/>
+            </a:effectRef>
+            <a:fontRef idx="minor">
+              <a:schemeClr val="lt1"/>
+            </a:fontRef>
+          </p:style>
+          <p:txBody>
+            <a:bodyPr rtlCol="0" anchor="ctr"/>
+            <a:lstStyle/>
+            <a:p>
+              <a:pPr algn="ctr"/>
+              <a:endParaRPr lang="fr-FR"/>
+            </a:p>
+          </p:txBody>
+        </p:sp>
+        <p:sp>
+          <p:nvSpPr>
+            <p:cNvPr id="15" name="ZoneTexte 14"/>
+            <p:cNvSpPr txBox="1"/>
+            <p:nvPr/>
+          </p:nvSpPr>
+          <p:spPr>
+            <a:xfrm>
+              <a:off x="7740353" y="3046018"/>
+              <a:ext cx="883575" cy="261610"/>
+            </a:xfrm>
+            <a:prstGeom prst="rect">
+              <a:avLst/>
+            </a:prstGeom>
+            <a:noFill/>
+          </p:spPr>
+          <p:txBody>
+            <a:bodyPr wrap="none" rtlCol="0">
+              <a:spAutoFit/>
+            </a:bodyPr>
+            <a:lstStyle/>
+            <a:p>
+              <a:r>
+                <a:rPr lang="fr-FR" sz="1100" dirty="0"/>
+                <a:t>Amortisseur</a:t>
+              </a:r>
+            </a:p>
+          </p:txBody>
+        </p:sp>
+        <p:sp>
+          <p:nvSpPr>
+            <p:cNvPr id="16" name="Rectangle 15"/>
+            <p:cNvSpPr/>
+            <p:nvPr/>
+          </p:nvSpPr>
+          <p:spPr>
+            <a:xfrm>
+              <a:off x="7524328" y="3090451"/>
+              <a:ext cx="216025" cy="141689"/>
+            </a:xfrm>
+            <a:prstGeom prst="rect">
+              <a:avLst/>
+            </a:prstGeom>
+            <a:noFill/>
+            <a:ln w="28575">
+              <a:solidFill>
+                <a:srgbClr val="FF0000"/>
+              </a:solidFill>
+              <a:prstDash val="sysDash"/>
+            </a:ln>
+          </p:spPr>
+          <p:style>
+            <a:lnRef idx="2">
+              <a:schemeClr val="accent1">
+                <a:shade val="50000"/>
+              </a:schemeClr>
+            </a:lnRef>
+            <a:fillRef idx="1">
+              <a:schemeClr val="accent1"/>
+            </a:fillRef>
+            <a:effectRef idx="0">
+              <a:schemeClr val="accent1"/>
+            </a:effectRef>
+            <a:fontRef idx="minor">
+              <a:schemeClr val="lt1"/>
+            </a:fontRef>
+          </p:style>
+          <p:txBody>
+            <a:bodyPr rtlCol="0" anchor="ctr"/>
+            <a:lstStyle/>
+            <a:p>
+              <a:pPr algn="ctr"/>
+              <a:endParaRPr lang="fr-FR"/>
+            </a:p>
+          </p:txBody>
+        </p:sp>
+      </p:grpSp>
+      <p:sp>
+        <p:nvSpPr>
+          <p:cNvPr id="17" name="Rectangle 16"/>
+          <p:cNvSpPr/>
+          <p:nvPr/>
+        </p:nvSpPr>
+        <p:spPr>
+          <a:xfrm>
+            <a:off x="6444208" y="2522797"/>
+            <a:ext cx="285228" cy="567653"/>
+          </a:xfrm>
+          <a:prstGeom prst="rect">
+            <a:avLst/>
+          </a:prstGeom>
+          <a:noFill/>
+          <a:ln w="28575">
+            <a:solidFill>
+              <a:srgbClr val="00B050"/>
+            </a:solidFill>
+            <a:prstDash val="sysDash"/>
+          </a:ln>
+        </p:spPr>
+        <p:style>
+          <a:lnRef idx="2">
+            <a:schemeClr val="accent1">
+              <a:shade val="50000"/>
+            </a:schemeClr>
+          </a:lnRef>
+          <a:fillRef idx="1">
+            <a:schemeClr val="accent1"/>
+          </a:fillRef>
+          <a:effectRef idx="0">
+            <a:schemeClr val="accent1"/>
+          </a:effectRef>
+          <a:fontRef idx="minor">
+            <a:schemeClr val="lt1"/>
+          </a:fontRef>
+        </p:style>
+        <p:txBody>
+          <a:bodyPr rtlCol="0" anchor="ctr"/>
+          <a:lstStyle/>
+          <a:p>
+            <a:pPr algn="ctr"/>
+            <a:endParaRPr lang="fr-FR"/>
+          </a:p>
+        </p:txBody>
+      </p:sp>
+      <p:sp>
+        <p:nvSpPr>
+          <p:cNvPr id="18" name="Rectangle 17"/>
+          <p:cNvSpPr/>
+          <p:nvPr/>
+        </p:nvSpPr>
+        <p:spPr>
+          <a:xfrm>
+            <a:off x="6444208" y="4015184"/>
+            <a:ext cx="285228" cy="567653"/>
+          </a:xfrm>
+          <a:prstGeom prst="rect">
+            <a:avLst/>
+          </a:prstGeom>
+          <a:noFill/>
+          <a:ln w="28575">
+            <a:solidFill>
+              <a:srgbClr val="00B050"/>
+            </a:solidFill>
+            <a:prstDash val="sysDash"/>
+          </a:ln>
+        </p:spPr>
+        <p:style>
+          <a:lnRef idx="2">
+            <a:schemeClr val="accent1">
+              <a:shade val="50000"/>
+            </a:schemeClr>
+          </a:lnRef>
+          <a:fillRef idx="1">
+            <a:schemeClr val="accent1"/>
+          </a:fillRef>
+          <a:effectRef idx="0">
+            <a:schemeClr val="accent1"/>
+          </a:effectRef>
+          <a:fontRef idx="minor">
+            <a:schemeClr val="lt1"/>
+          </a:fontRef>
+        </p:style>
+        <p:txBody>
+          <a:bodyPr rtlCol="0" anchor="ctr"/>
+          <a:lstStyle/>
+          <a:p>
+            <a:pPr algn="ctr"/>
+            <a:endParaRPr lang="fr-FR"/>
+          </a:p>
+        </p:txBody>
+      </p:sp>
+      <p:sp>
+        <p:nvSpPr>
+          <p:cNvPr id="19" name="Rectangle 18"/>
+          <p:cNvSpPr/>
+          <p:nvPr/>
+        </p:nvSpPr>
+        <p:spPr>
+          <a:xfrm>
+            <a:off x="6092466" y="4015184"/>
+            <a:ext cx="285228" cy="567653"/>
+          </a:xfrm>
+          <a:prstGeom prst="rect">
+            <a:avLst/>
+          </a:prstGeom>
+          <a:noFill/>
+          <a:ln w="28575">
+            <a:solidFill>
+              <a:srgbClr val="FF0000"/>
+            </a:solidFill>
+            <a:prstDash val="sysDash"/>
+          </a:ln>
+        </p:spPr>
+        <p:style>
+          <a:lnRef idx="2">
+            <a:schemeClr val="accent1">
+              <a:shade val="50000"/>
+            </a:schemeClr>
+          </a:lnRef>
+          <a:fillRef idx="1">
+            <a:schemeClr val="accent1"/>
+          </a:fillRef>
+          <a:effectRef idx="0">
+            <a:schemeClr val="accent1"/>
+          </a:effectRef>
+          <a:fontRef idx="minor">
+            <a:schemeClr val="lt1"/>
+          </a:fontRef>
+        </p:style>
+        <p:txBody>
+          <a:bodyPr rtlCol="0" anchor="ctr"/>
+          <a:lstStyle/>
+          <a:p>
+            <a:pPr algn="ctr"/>
+            <a:endParaRPr lang="fr-FR"/>
+          </a:p>
+        </p:txBody>
+      </p:sp>
+      <p:sp>
+        <p:nvSpPr>
+          <p:cNvPr id="20" name="Rectangle 19"/>
+          <p:cNvSpPr/>
+          <p:nvPr/>
+        </p:nvSpPr>
+        <p:spPr>
+          <a:xfrm>
+            <a:off x="6089018" y="2522797"/>
+            <a:ext cx="285228" cy="567653"/>
+          </a:xfrm>
+          <a:prstGeom prst="rect">
+            <a:avLst/>
+          </a:prstGeom>
+          <a:noFill/>
+          <a:ln w="28575">
+            <a:solidFill>
+              <a:srgbClr val="FF0000"/>
+            </a:solidFill>
+            <a:prstDash val="sysDash"/>
+          </a:ln>
+        </p:spPr>
+        <p:style>
+          <a:lnRef idx="2">
+            <a:schemeClr val="accent1">
+              <a:shade val="50000"/>
+            </a:schemeClr>
+          </a:lnRef>
+          <a:fillRef idx="1">
+            <a:schemeClr val="accent1"/>
+          </a:fillRef>
+          <a:effectRef idx="0">
+            <a:schemeClr val="accent1"/>
+          </a:effectRef>
+          <a:fontRef idx="minor">
+            <a:schemeClr val="lt1"/>
+          </a:fontRef>
+        </p:style>
+        <p:txBody>
+          <a:bodyPr rtlCol="0" anchor="ctr"/>
+          <a:lstStyle/>
+          <a:p>
+            <a:pPr algn="ctr"/>
+            <a:endParaRPr lang="fr-FR"/>
+          </a:p>
+        </p:txBody>
+      </p:sp>
+      <p:sp>
+        <p:nvSpPr>
+          <p:cNvPr id="22" name="Rectangle 21"/>
+          <p:cNvSpPr/>
+          <p:nvPr/>
+        </p:nvSpPr>
+        <p:spPr>
+          <a:xfrm>
+            <a:off x="2216074" y="2440642"/>
+            <a:ext cx="440217" cy="388199"/>
+          </a:xfrm>
+          <a:prstGeom prst="rect">
+            <a:avLst/>
+          </a:prstGeom>
+          <a:noFill/>
+          <a:ln w="28575">
+            <a:solidFill>
+              <a:srgbClr val="FF0000"/>
+            </a:solidFill>
+            <a:prstDash val="sysDash"/>
+          </a:ln>
+        </p:spPr>
+        <p:style>
+          <a:lnRef idx="2">
+            <a:schemeClr val="accent1">
+              <a:shade val="50000"/>
+            </a:schemeClr>
+          </a:lnRef>
+          <a:fillRef idx="1">
+            <a:schemeClr val="accent1"/>
+          </a:fillRef>
+          <a:effectRef idx="0">
+            <a:schemeClr val="accent1"/>
+          </a:effectRef>
+          <a:fontRef idx="minor">
+            <a:schemeClr val="lt1"/>
+          </a:fontRef>
+        </p:style>
+        <p:txBody>
+          <a:bodyPr rtlCol="0" anchor="ctr"/>
+          <a:lstStyle/>
+          <a:p>
+            <a:pPr algn="ctr"/>
+            <a:endParaRPr lang="fr-FR"/>
+          </a:p>
+        </p:txBody>
+      </p:sp>
+      <p:sp>
+        <p:nvSpPr>
+          <p:cNvPr id="23" name="Rectangle 22"/>
+          <p:cNvSpPr/>
+          <p:nvPr/>
+        </p:nvSpPr>
+        <p:spPr>
+          <a:xfrm>
+            <a:off x="2273915" y="4194638"/>
+            <a:ext cx="440217" cy="388199"/>
+          </a:xfrm>
+          <a:prstGeom prst="rect">
+            <a:avLst/>
+          </a:prstGeom>
+          <a:noFill/>
+          <a:ln w="28575">
+            <a:solidFill>
+              <a:srgbClr val="FF0000"/>
+            </a:solidFill>
+            <a:prstDash val="sysDash"/>
+          </a:ln>
+        </p:spPr>
+        <p:style>
+          <a:lnRef idx="2">
+            <a:schemeClr val="accent1">
+              <a:shade val="50000"/>
+            </a:schemeClr>
+          </a:lnRef>
+          <a:fillRef idx="1">
+            <a:schemeClr val="accent1"/>
+          </a:fillRef>
+          <a:effectRef idx="0">
+            <a:schemeClr val="accent1"/>
+          </a:effectRef>
+          <a:fontRef idx="minor">
+            <a:schemeClr val="lt1"/>
+          </a:fontRef>
+        </p:style>
+        <p:txBody>
+          <a:bodyPr rtlCol="0" anchor="ctr"/>
+          <a:lstStyle/>
+          <a:p>
+            <a:pPr algn="ctr"/>
+            <a:endParaRPr lang="fr-FR"/>
+          </a:p>
+        </p:txBody>
+      </p:sp>
+      <p:sp>
+        <p:nvSpPr>
+          <p:cNvPr id="24" name="Rectangle 23"/>
+          <p:cNvSpPr/>
+          <p:nvPr/>
+        </p:nvSpPr>
+        <p:spPr>
+          <a:xfrm>
+            <a:off x="2740434" y="4592225"/>
+            <a:ext cx="440217" cy="388199"/>
+          </a:xfrm>
+          <a:prstGeom prst="rect">
+            <a:avLst/>
+          </a:prstGeom>
+          <a:noFill/>
+          <a:ln w="28575">
+            <a:solidFill>
+              <a:srgbClr val="00B050"/>
+            </a:solidFill>
+            <a:prstDash val="sysDash"/>
+          </a:ln>
+        </p:spPr>
+        <p:style>
+          <a:lnRef idx="2">
+            <a:schemeClr val="accent1">
+              <a:shade val="50000"/>
+            </a:schemeClr>
+          </a:lnRef>
+          <a:fillRef idx="1">
+            <a:schemeClr val="accent1"/>
+          </a:fillRef>
+          <a:effectRef idx="0">
+            <a:schemeClr val="accent1"/>
+          </a:effectRef>
+          <a:fontRef idx="minor">
+            <a:schemeClr val="lt1"/>
+          </a:fontRef>
+        </p:style>
+        <p:txBody>
+          <a:bodyPr rtlCol="0" anchor="ctr"/>
+          <a:lstStyle/>
+          <a:p>
+            <a:pPr algn="ctr"/>
+            <a:endParaRPr lang="fr-FR"/>
+          </a:p>
+        </p:txBody>
+      </p:sp>
+      <p:sp>
+        <p:nvSpPr>
+          <p:cNvPr id="25" name="Rectangle 24"/>
+          <p:cNvSpPr/>
+          <p:nvPr/>
+        </p:nvSpPr>
+        <p:spPr>
+          <a:xfrm>
+            <a:off x="2714132" y="2896350"/>
+            <a:ext cx="440217" cy="388199"/>
+          </a:xfrm>
+          <a:prstGeom prst="rect">
+            <a:avLst/>
+          </a:prstGeom>
+          <a:noFill/>
+          <a:ln w="28575">
+            <a:solidFill>
+              <a:srgbClr val="00B050"/>
+            </a:solidFill>
+            <a:prstDash val="sysDash"/>
+          </a:ln>
+        </p:spPr>
+        <p:style>
+          <a:lnRef idx="2">
+            <a:schemeClr val="accent1">
+              <a:shade val="50000"/>
+            </a:schemeClr>
+          </a:lnRef>
+          <a:fillRef idx="1">
+            <a:schemeClr val="accent1"/>
+          </a:fillRef>
+          <a:effectRef idx="0">
+            <a:schemeClr val="accent1"/>
+          </a:effectRef>
+          <a:fontRef idx="minor">
+            <a:schemeClr val="lt1"/>
+          </a:fontRef>
+        </p:style>
+        <p:txBody>
+          <a:bodyPr rtlCol="0" anchor="ctr"/>
+          <a:lstStyle/>
+          <a:p>
+            <a:pPr algn="ctr"/>
+            <a:endParaRPr lang="fr-FR"/>
+          </a:p>
+        </p:txBody>
+      </p:sp>
+      <p:sp>
+        <p:nvSpPr>
+          <p:cNvPr id="27" name="ZoneTexte 26"/>
+          <p:cNvSpPr txBox="1"/>
+          <p:nvPr/>
+        </p:nvSpPr>
+        <p:spPr>
+          <a:xfrm>
+            <a:off x="1828800" y="5157192"/>
+            <a:ext cx="3391272" cy="261610"/>
+          </a:xfrm>
+          <a:prstGeom prst="rect">
+            <a:avLst/>
+          </a:prstGeom>
+          <a:noFill/>
+        </p:spPr>
+        <p:txBody>
+          <a:bodyPr wrap="square" rtlCol="0">
+            <a:spAutoFit/>
+          </a:bodyPr>
+          <a:lstStyle/>
+          <a:p>
+            <a:pPr algn="ctr"/>
+            <a:r>
+              <a:rPr lang="fr-FR" sz="1100" dirty="0"/>
+              <a:t>Modèle causal</a:t>
+            </a:r>
+          </a:p>
+        </p:txBody>
+      </p:sp>
+      <p:sp>
+        <p:nvSpPr>
+          <p:cNvPr id="28" name="ZoneTexte 27"/>
+          <p:cNvSpPr txBox="1"/>
+          <p:nvPr/>
+        </p:nvSpPr>
+        <p:spPr>
+          <a:xfrm>
+            <a:off x="5724128" y="5152629"/>
+            <a:ext cx="1591072" cy="261610"/>
+          </a:xfrm>
+          <a:prstGeom prst="rect">
+            <a:avLst/>
+          </a:prstGeom>
+          <a:noFill/>
+        </p:spPr>
+        <p:txBody>
+          <a:bodyPr wrap="square" rtlCol="0">
+            <a:spAutoFit/>
+          </a:bodyPr>
+          <a:lstStyle/>
+          <a:p>
+            <a:pPr algn="ctr"/>
+            <a:r>
+              <a:rPr lang="fr-FR" sz="1100" dirty="0"/>
+              <a:t>Modèle acausal</a:t>
+            </a:r>
+          </a:p>
+        </p:txBody>
+      </p:sp>
     </p:spTree>
     <p:extLst>
       <p:ext uri="{BB962C8B-B14F-4D97-AF65-F5344CB8AC3E}">
         <p14:creationId xmlns:p14="http://schemas.microsoft.com/office/powerpoint/2010/main" val="3275085785"/>
+      </p:ext>
+    </p:extLst>
+  </p:cSld>
+  <p:clrMapOvr>
+    <a:masterClrMapping/>
+  </p:clrMapOvr>
+</p:sld>
+</file>
+
+<file path=ppt/slides/slide3.xml><?xml version="1.0" encoding="utf-8"?>
+<p:sld xmlns:a="http://schemas.openxmlformats.org/drawingml/2006/main" xmlns:r="http://schemas.openxmlformats.org/officeDocument/2006/relationships" xmlns:p="http://schemas.openxmlformats.org/presentationml/2006/main">
+  <p:cSld>
+    <p:spTree>
+      <p:nvGrpSpPr>
+        <p:cNvPr id="1" name=""/>
+        <p:cNvGrpSpPr/>
+        <p:nvPr/>
+      </p:nvGrpSpPr>
+      <p:grpSpPr>
+        <a:xfrm>
+          <a:off x="0" y="0"/>
+          <a:ext cx="0" cy="0"/>
+          <a:chOff x="0" y="0"/>
+          <a:chExt cx="0" cy="0"/>
+        </a:xfrm>
+      </p:grpSpPr>
+      <p:pic>
+        <p:nvPicPr>
+          <p:cNvPr id="4" name="Image 3"/>
+          <p:cNvPicPr>
+            <a:picLocks noChangeAspect="1"/>
+          </p:cNvPicPr>
+          <p:nvPr/>
+        </p:nvPicPr>
+        <p:blipFill>
+          <a:blip r:embed="rId2"/>
+          <a:stretch>
+            <a:fillRect/>
+          </a:stretch>
+        </p:blipFill>
+        <p:spPr>
+          <a:xfrm>
+            <a:off x="371475" y="1500187"/>
+            <a:ext cx="8401050" cy="3857625"/>
+          </a:xfrm>
+          <a:prstGeom prst="rect">
+            <a:avLst/>
+          </a:prstGeom>
+        </p:spPr>
+      </p:pic>
+      <p:sp>
+        <p:nvSpPr>
+          <p:cNvPr id="5" name="Rectangle 1"/>
+          <p:cNvSpPr>
+            <a:spLocks noChangeArrowheads="1"/>
+          </p:cNvSpPr>
+          <p:nvPr/>
+        </p:nvSpPr>
+        <p:spPr bwMode="auto">
+          <a:xfrm>
+            <a:off x="-591875" y="2659327"/>
+            <a:ext cx="9144000" cy="0"/>
+          </a:xfrm>
+          <a:prstGeom prst="rect">
+            <a:avLst/>
+          </a:prstGeom>
+          <a:noFill/>
+          <a:ln>
+            <a:noFill/>
+          </a:ln>
+          <a:effectLst/>
+          <a:extLst>
+            <a:ext uri="{909E8E84-426E-40DD-AFC4-6F175D3DCCD1}">
+              <a14:hiddenFill xmlns:a14="http://schemas.microsoft.com/office/drawing/2010/main">
+                <a:solidFill>
+                  <a:schemeClr val="accent1"/>
+                </a:solidFill>
+              </a14:hiddenFill>
+            </a:ext>
+            <a:ext uri="{91240B29-F687-4F45-9708-019B960494DF}">
+              <a14:hiddenLine xmlns:a14="http://schemas.microsoft.com/office/drawing/2010/main" w="9525">
+                <a:solidFill>
+                  <a:schemeClr val="tx1"/>
+                </a:solidFill>
+                <a:miter lim="800000"/>
+                <a:headEnd/>
+                <a:tailEnd/>
+              </a14:hiddenLine>
+            </a:ext>
+            <a:ext uri="{AF507438-7753-43E0-B8FC-AC1667EBCBE1}">
+              <a14:hiddenEffects xmlns:a14="http://schemas.microsoft.com/office/drawing/2010/main">
+                <a:effectLst>
+                  <a:outerShdw dist="35921" dir="2700000" algn="ctr" rotWithShape="0">
+                    <a:schemeClr val="bg2"/>
+                  </a:outerShdw>
+                </a:effectLst>
+              </a14:hiddenEffects>
+            </a:ext>
+          </a:extLst>
+        </p:spPr>
+        <p:txBody>
+          <a:bodyPr vert="horz" wrap="none" lIns="91440" tIns="45720" rIns="91440" bIns="45720" numCol="1" anchor="ctr" anchorCtr="0" compatLnSpc="1">
+            <a:prstTxWarp prst="textNoShape">
+              <a:avLst/>
+            </a:prstTxWarp>
+            <a:spAutoFit/>
+          </a:bodyPr>
+          <a:lstStyle/>
+          <a:p>
+            <a:endParaRPr lang="fr-FR"/>
+          </a:p>
+        </p:txBody>
+      </p:sp>
+      <p:sp>
+        <p:nvSpPr>
+          <p:cNvPr id="20" name="Rectangle 19"/>
+          <p:cNvSpPr/>
+          <p:nvPr/>
+        </p:nvSpPr>
+        <p:spPr>
+          <a:xfrm>
+            <a:off x="5852333" y="2564904"/>
+            <a:ext cx="1080120" cy="700715"/>
+          </a:xfrm>
+          <a:prstGeom prst="rect">
+            <a:avLst/>
+          </a:prstGeom>
+          <a:noFill/>
+          <a:ln w="28575">
+            <a:solidFill>
+              <a:srgbClr val="00B0F0"/>
+            </a:solidFill>
+            <a:prstDash val="sysDash"/>
+          </a:ln>
+        </p:spPr>
+        <p:style>
+          <a:lnRef idx="2">
+            <a:schemeClr val="accent1">
+              <a:shade val="50000"/>
+            </a:schemeClr>
+          </a:lnRef>
+          <a:fillRef idx="1">
+            <a:schemeClr val="accent1"/>
+          </a:fillRef>
+          <a:effectRef idx="0">
+            <a:schemeClr val="accent1"/>
+          </a:effectRef>
+          <a:fontRef idx="minor">
+            <a:schemeClr val="lt1"/>
+          </a:fontRef>
+        </p:style>
+        <p:txBody>
+          <a:bodyPr rtlCol="0" anchor="ctr"/>
+          <a:lstStyle/>
+          <a:p>
+            <a:pPr algn="ctr"/>
+            <a:endParaRPr lang="fr-FR"/>
+          </a:p>
+        </p:txBody>
+      </p:sp>
+      <p:sp>
+        <p:nvSpPr>
+          <p:cNvPr id="21" name="Rectangle 20"/>
+          <p:cNvSpPr/>
+          <p:nvPr/>
+        </p:nvSpPr>
+        <p:spPr>
+          <a:xfrm>
+            <a:off x="1835696" y="2465227"/>
+            <a:ext cx="920293" cy="747749"/>
+          </a:xfrm>
+          <a:prstGeom prst="rect">
+            <a:avLst/>
+          </a:prstGeom>
+          <a:noFill/>
+          <a:ln w="28575">
+            <a:solidFill>
+              <a:srgbClr val="FF0000"/>
+            </a:solidFill>
+            <a:prstDash val="sysDash"/>
+          </a:ln>
+        </p:spPr>
+        <p:style>
+          <a:lnRef idx="2">
+            <a:schemeClr val="accent1">
+              <a:shade val="50000"/>
+            </a:schemeClr>
+          </a:lnRef>
+          <a:fillRef idx="1">
+            <a:schemeClr val="accent1"/>
+          </a:fillRef>
+          <a:effectRef idx="0">
+            <a:schemeClr val="accent1"/>
+          </a:effectRef>
+          <a:fontRef idx="minor">
+            <a:schemeClr val="lt1"/>
+          </a:fontRef>
+        </p:style>
+        <p:txBody>
+          <a:bodyPr rtlCol="0" anchor="ctr"/>
+          <a:lstStyle/>
+          <a:p>
+            <a:pPr algn="ctr"/>
+            <a:endParaRPr lang="fr-FR"/>
+          </a:p>
+        </p:txBody>
+      </p:sp>
+      <p:sp>
+        <p:nvSpPr>
+          <p:cNvPr id="24" name="Rectangle 23"/>
+          <p:cNvSpPr/>
+          <p:nvPr/>
+        </p:nvSpPr>
+        <p:spPr>
+          <a:xfrm>
+            <a:off x="3533353" y="2512261"/>
+            <a:ext cx="1094844" cy="916739"/>
+          </a:xfrm>
+          <a:prstGeom prst="rect">
+            <a:avLst/>
+          </a:prstGeom>
+          <a:noFill/>
+          <a:ln w="28575">
+            <a:solidFill>
+              <a:srgbClr val="00B050"/>
+            </a:solidFill>
+            <a:prstDash val="sysDash"/>
+          </a:ln>
+        </p:spPr>
+        <p:style>
+          <a:lnRef idx="2">
+            <a:schemeClr val="accent1">
+              <a:shade val="50000"/>
+            </a:schemeClr>
+          </a:lnRef>
+          <a:fillRef idx="1">
+            <a:schemeClr val="accent1"/>
+          </a:fillRef>
+          <a:effectRef idx="0">
+            <a:schemeClr val="accent1"/>
+          </a:effectRef>
+          <a:fontRef idx="minor">
+            <a:schemeClr val="lt1"/>
+          </a:fontRef>
+        </p:style>
+        <p:txBody>
+          <a:bodyPr rtlCol="0" anchor="ctr"/>
+          <a:lstStyle/>
+          <a:p>
+            <a:pPr algn="ctr"/>
+            <a:endParaRPr lang="fr-FR"/>
+          </a:p>
+        </p:txBody>
+      </p:sp>
+      <p:sp>
+        <p:nvSpPr>
+          <p:cNvPr id="27" name="ZoneTexte 26"/>
+          <p:cNvSpPr txBox="1"/>
+          <p:nvPr/>
+        </p:nvSpPr>
+        <p:spPr>
+          <a:xfrm>
+            <a:off x="323528" y="4263445"/>
+            <a:ext cx="1358512" cy="261610"/>
+          </a:xfrm>
+          <a:prstGeom prst="rect">
+            <a:avLst/>
+          </a:prstGeom>
+          <a:noFill/>
+        </p:spPr>
+        <p:txBody>
+          <a:bodyPr wrap="square" rtlCol="0">
+            <a:spAutoFit/>
+          </a:bodyPr>
+          <a:lstStyle/>
+          <a:p>
+            <a:pPr algn="ctr"/>
+            <a:r>
+              <a:rPr lang="fr-FR" sz="1100" b="1" dirty="0"/>
+              <a:t>Source de tension</a:t>
+            </a:r>
+          </a:p>
+        </p:txBody>
+      </p:sp>
+      <p:sp>
+        <p:nvSpPr>
+          <p:cNvPr id="28" name="ZoneTexte 27"/>
+          <p:cNvSpPr txBox="1"/>
+          <p:nvPr/>
+        </p:nvSpPr>
+        <p:spPr>
+          <a:xfrm>
+            <a:off x="1614852" y="3276271"/>
+            <a:ext cx="1358512" cy="600164"/>
+          </a:xfrm>
+          <a:prstGeom prst="rect">
+            <a:avLst/>
+          </a:prstGeom>
+          <a:solidFill>
+            <a:schemeClr val="bg1"/>
+          </a:solidFill>
+        </p:spPr>
+        <p:txBody>
+          <a:bodyPr wrap="square" rtlCol="0">
+            <a:spAutoFit/>
+          </a:bodyPr>
+          <a:lstStyle/>
+          <a:p>
+            <a:pPr algn="ctr"/>
+            <a:r>
+              <a:rPr lang="fr-FR" sz="1100" b="1" dirty="0"/>
+              <a:t>Génération du signal « PWM » ou « MLI »</a:t>
+            </a:r>
+          </a:p>
+        </p:txBody>
+      </p:sp>
+      <p:sp>
+        <p:nvSpPr>
+          <p:cNvPr id="29" name="ZoneTexte 28"/>
+          <p:cNvSpPr txBox="1"/>
+          <p:nvPr/>
+        </p:nvSpPr>
+        <p:spPr>
+          <a:xfrm>
+            <a:off x="3275856" y="3472962"/>
+            <a:ext cx="1512168" cy="430887"/>
+          </a:xfrm>
+          <a:prstGeom prst="rect">
+            <a:avLst/>
+          </a:prstGeom>
+          <a:solidFill>
+            <a:schemeClr val="bg1"/>
+          </a:solidFill>
+        </p:spPr>
+        <p:txBody>
+          <a:bodyPr wrap="square" rtlCol="0">
+            <a:spAutoFit/>
+          </a:bodyPr>
+          <a:lstStyle/>
+          <a:p>
+            <a:pPr algn="ctr"/>
+            <a:r>
+              <a:rPr lang="fr-FR" sz="1100" b="1" dirty="0"/>
+              <a:t>Pont en H</a:t>
+            </a:r>
+          </a:p>
+          <a:p>
+            <a:pPr algn="ctr"/>
+            <a:r>
+              <a:rPr lang="fr-FR" sz="1100" b="1" dirty="0"/>
+              <a:t>Interface de puissance</a:t>
+            </a:r>
+          </a:p>
+        </p:txBody>
+      </p:sp>
+      <p:sp>
+        <p:nvSpPr>
+          <p:cNvPr id="30" name="ZoneTexte 29"/>
+          <p:cNvSpPr txBox="1"/>
+          <p:nvPr/>
+        </p:nvSpPr>
+        <p:spPr>
+          <a:xfrm>
+            <a:off x="5587474" y="3301200"/>
+            <a:ext cx="1720830" cy="261610"/>
+          </a:xfrm>
+          <a:prstGeom prst="rect">
+            <a:avLst/>
+          </a:prstGeom>
+          <a:solidFill>
+            <a:schemeClr val="bg1"/>
+          </a:solidFill>
+        </p:spPr>
+        <p:txBody>
+          <a:bodyPr wrap="square" rtlCol="0">
+            <a:spAutoFit/>
+          </a:bodyPr>
+          <a:lstStyle/>
+          <a:p>
+            <a:pPr algn="ctr"/>
+            <a:r>
+              <a:rPr lang="fr-FR" sz="1100" b="1" dirty="0"/>
+              <a:t>Moteur à courant continu</a:t>
+            </a:r>
+          </a:p>
+        </p:txBody>
+      </p:sp>
+      <p:sp>
+        <p:nvSpPr>
+          <p:cNvPr id="9" name="Rectangle 8"/>
+          <p:cNvSpPr/>
+          <p:nvPr/>
+        </p:nvSpPr>
+        <p:spPr>
+          <a:xfrm>
+            <a:off x="323528" y="2564904"/>
+            <a:ext cx="1358512" cy="1706120"/>
+          </a:xfrm>
+          <a:prstGeom prst="rect">
+            <a:avLst/>
+          </a:prstGeom>
+          <a:noFill/>
+          <a:ln w="28575">
+            <a:solidFill>
+              <a:schemeClr val="accent4"/>
+            </a:solidFill>
+            <a:prstDash val="sysDash"/>
+          </a:ln>
+        </p:spPr>
+        <p:style>
+          <a:lnRef idx="2">
+            <a:schemeClr val="accent1">
+              <a:shade val="50000"/>
+            </a:schemeClr>
+          </a:lnRef>
+          <a:fillRef idx="1">
+            <a:schemeClr val="accent1"/>
+          </a:fillRef>
+          <a:effectRef idx="0">
+            <a:schemeClr val="accent1"/>
+          </a:effectRef>
+          <a:fontRef idx="minor">
+            <a:schemeClr val="lt1"/>
+          </a:fontRef>
+        </p:style>
+        <p:txBody>
+          <a:bodyPr rtlCol="0" anchor="ctr"/>
+          <a:lstStyle/>
+          <a:p>
+            <a:pPr algn="ctr"/>
+            <a:endParaRPr lang="fr-FR"/>
+          </a:p>
+        </p:txBody>
+      </p:sp>
+    </p:spTree>
+    <p:extLst>
+      <p:ext uri="{BB962C8B-B14F-4D97-AF65-F5344CB8AC3E}">
+        <p14:creationId xmlns:p14="http://schemas.microsoft.com/office/powerpoint/2010/main" val="1564645014"/>
+      </p:ext>
+    </p:extLst>
+  </p:cSld>
+  <p:clrMapOvr>
+    <a:masterClrMapping/>
+  </p:clrMapOvr>
+</p:sld>
+</file>
+
+<file path=ppt/slides/slide4.xml><?xml version="1.0" encoding="utf-8"?>
+<p:sld xmlns:a="http://schemas.openxmlformats.org/drawingml/2006/main" xmlns:r="http://schemas.openxmlformats.org/officeDocument/2006/relationships" xmlns:p="http://schemas.openxmlformats.org/presentationml/2006/main">
+  <p:cSld>
+    <p:spTree>
+      <p:nvGrpSpPr>
+        <p:cNvPr id="1" name=""/>
+        <p:cNvGrpSpPr/>
+        <p:nvPr/>
+      </p:nvGrpSpPr>
+      <p:grpSpPr>
+        <a:xfrm>
+          <a:off x="0" y="0"/>
+          <a:ext cx="0" cy="0"/>
+          <a:chOff x="0" y="0"/>
+          <a:chExt cx="0" cy="0"/>
+        </a:xfrm>
+      </p:grpSpPr>
+      <p:cxnSp>
+        <p:nvCxnSpPr>
+          <p:cNvPr id="13" name="Connecteur droit 12"/>
+          <p:cNvCxnSpPr>
+            <a:cxnSpLocks/>
+          </p:cNvCxnSpPr>
+          <p:nvPr/>
+        </p:nvCxnSpPr>
+        <p:spPr>
+          <a:xfrm>
+            <a:off x="2872373" y="3956683"/>
+            <a:ext cx="5804083" cy="840469"/>
+          </a:xfrm>
+          <a:prstGeom prst="line">
+            <a:avLst/>
+          </a:prstGeom>
+          <a:noFill/>
+          <a:ln w="28575">
+            <a:solidFill>
+              <a:srgbClr val="FF0000"/>
+            </a:solidFill>
+            <a:prstDash val="sysDash"/>
+          </a:ln>
+        </p:spPr>
+        <p:style>
+          <a:lnRef idx="2">
+            <a:schemeClr val="accent1">
+              <a:shade val="50000"/>
+            </a:schemeClr>
+          </a:lnRef>
+          <a:fillRef idx="1">
+            <a:schemeClr val="accent1"/>
+          </a:fillRef>
+          <a:effectRef idx="0">
+            <a:schemeClr val="accent1"/>
+          </a:effectRef>
+          <a:fontRef idx="minor">
+            <a:schemeClr val="lt1"/>
+          </a:fontRef>
+        </p:style>
+      </p:cxnSp>
+      <p:pic>
+        <p:nvPicPr>
+          <p:cNvPr id="4" name="Image 3"/>
+          <p:cNvPicPr>
+            <a:picLocks noChangeAspect="1"/>
+          </p:cNvPicPr>
+          <p:nvPr/>
+        </p:nvPicPr>
+        <p:blipFill>
+          <a:blip r:embed="rId2"/>
+          <a:stretch>
+            <a:fillRect/>
+          </a:stretch>
+        </p:blipFill>
+        <p:spPr>
+          <a:xfrm>
+            <a:off x="179512" y="2564904"/>
+            <a:ext cx="2692861" cy="1380778"/>
+          </a:xfrm>
+          <a:prstGeom prst="rect">
+            <a:avLst/>
+          </a:prstGeom>
+        </p:spPr>
+      </p:pic>
+      <p:sp>
+        <p:nvSpPr>
+          <p:cNvPr id="5" name="Rectangle 4"/>
+          <p:cNvSpPr/>
+          <p:nvPr/>
+        </p:nvSpPr>
+        <p:spPr>
+          <a:xfrm>
+            <a:off x="827584" y="2564904"/>
+            <a:ext cx="2044789" cy="1380778"/>
+          </a:xfrm>
+          <a:prstGeom prst="rect">
+            <a:avLst/>
+          </a:prstGeom>
+          <a:noFill/>
+          <a:ln w="28575">
+            <a:solidFill>
+              <a:srgbClr val="FF0000"/>
+            </a:solidFill>
+            <a:prstDash val="sysDash"/>
+          </a:ln>
+        </p:spPr>
+        <p:style>
+          <a:lnRef idx="2">
+            <a:schemeClr val="accent1">
+              <a:shade val="50000"/>
+            </a:schemeClr>
+          </a:lnRef>
+          <a:fillRef idx="1">
+            <a:schemeClr val="accent1"/>
+          </a:fillRef>
+          <a:effectRef idx="0">
+            <a:schemeClr val="accent1"/>
+          </a:effectRef>
+          <a:fontRef idx="minor">
+            <a:schemeClr val="lt1"/>
+          </a:fontRef>
+        </p:style>
+        <p:txBody>
+          <a:bodyPr rtlCol="0" anchor="ctr"/>
+          <a:lstStyle/>
+          <a:p>
+            <a:pPr algn="ctr"/>
+            <a:endParaRPr lang="fr-FR"/>
+          </a:p>
+        </p:txBody>
+      </p:sp>
+      <p:pic>
+        <p:nvPicPr>
+          <p:cNvPr id="6" name="Image 5"/>
+          <p:cNvPicPr>
+            <a:picLocks noChangeAspect="1"/>
+          </p:cNvPicPr>
+          <p:nvPr/>
+        </p:nvPicPr>
+        <p:blipFill>
+          <a:blip r:embed="rId3"/>
+          <a:stretch>
+            <a:fillRect/>
+          </a:stretch>
+        </p:blipFill>
+        <p:spPr>
+          <a:xfrm>
+            <a:off x="3520445" y="2420888"/>
+            <a:ext cx="5090609" cy="2304256"/>
+          </a:xfrm>
+          <a:prstGeom prst="rect">
+            <a:avLst/>
+          </a:prstGeom>
+        </p:spPr>
+      </p:pic>
+      <p:sp>
+        <p:nvSpPr>
+          <p:cNvPr id="7" name="Rectangle 6"/>
+          <p:cNvSpPr/>
+          <p:nvPr/>
+        </p:nvSpPr>
+        <p:spPr>
+          <a:xfrm>
+            <a:off x="3419872" y="2348880"/>
+            <a:ext cx="5256584" cy="2448272"/>
+          </a:xfrm>
+          <a:prstGeom prst="rect">
+            <a:avLst/>
+          </a:prstGeom>
+          <a:noFill/>
+          <a:ln w="28575">
+            <a:solidFill>
+              <a:srgbClr val="FF0000"/>
+            </a:solidFill>
+            <a:prstDash val="sysDash"/>
+          </a:ln>
+        </p:spPr>
+        <p:style>
+          <a:lnRef idx="2">
+            <a:schemeClr val="accent1">
+              <a:shade val="50000"/>
+            </a:schemeClr>
+          </a:lnRef>
+          <a:fillRef idx="1">
+            <a:schemeClr val="accent1"/>
+          </a:fillRef>
+          <a:effectRef idx="0">
+            <a:schemeClr val="accent1"/>
+          </a:effectRef>
+          <a:fontRef idx="minor">
+            <a:schemeClr val="lt1"/>
+          </a:fontRef>
+        </p:style>
+        <p:txBody>
+          <a:bodyPr rtlCol="0" anchor="ctr"/>
+          <a:lstStyle/>
+          <a:p>
+            <a:pPr algn="ctr"/>
+            <a:endParaRPr lang="fr-FR"/>
+          </a:p>
+        </p:txBody>
+      </p:sp>
+      <p:cxnSp>
+        <p:nvCxnSpPr>
+          <p:cNvPr id="9" name="Connecteur droit 8"/>
+          <p:cNvCxnSpPr/>
+          <p:nvPr/>
+        </p:nvCxnSpPr>
+        <p:spPr>
+          <a:xfrm flipV="1">
+            <a:off x="827584" y="2348880"/>
+            <a:ext cx="2592288" cy="216024"/>
+          </a:xfrm>
+          <a:prstGeom prst="line">
+            <a:avLst/>
+          </a:prstGeom>
+          <a:noFill/>
+          <a:ln w="28575">
+            <a:solidFill>
+              <a:srgbClr val="FF0000"/>
+            </a:solidFill>
+            <a:prstDash val="sysDash"/>
+          </a:ln>
+        </p:spPr>
+        <p:style>
+          <a:lnRef idx="2">
+            <a:schemeClr val="accent1">
+              <a:shade val="50000"/>
+            </a:schemeClr>
+          </a:lnRef>
+          <a:fillRef idx="1">
+            <a:schemeClr val="accent1"/>
+          </a:fillRef>
+          <a:effectRef idx="0">
+            <a:schemeClr val="accent1"/>
+          </a:effectRef>
+          <a:fontRef idx="minor">
+            <a:schemeClr val="lt1"/>
+          </a:fontRef>
+        </p:style>
+      </p:cxnSp>
+      <p:cxnSp>
+        <p:nvCxnSpPr>
+          <p:cNvPr id="10" name="Connecteur droit 9"/>
+          <p:cNvCxnSpPr>
+            <a:cxnSpLocks/>
+          </p:cNvCxnSpPr>
+          <p:nvPr/>
+        </p:nvCxnSpPr>
+        <p:spPr>
+          <a:xfrm>
+            <a:off x="827584" y="3945682"/>
+            <a:ext cx="2592288" cy="876473"/>
+          </a:xfrm>
+          <a:prstGeom prst="line">
+            <a:avLst/>
+          </a:prstGeom>
+          <a:noFill/>
+          <a:ln w="28575">
+            <a:solidFill>
+              <a:srgbClr val="FF0000"/>
+            </a:solidFill>
+            <a:prstDash val="sysDash"/>
+          </a:ln>
+        </p:spPr>
+        <p:style>
+          <a:lnRef idx="2">
+            <a:schemeClr val="accent1">
+              <a:shade val="50000"/>
+            </a:schemeClr>
+          </a:lnRef>
+          <a:fillRef idx="1">
+            <a:schemeClr val="accent1"/>
+          </a:fillRef>
+          <a:effectRef idx="0">
+            <a:schemeClr val="accent1"/>
+          </a:effectRef>
+          <a:fontRef idx="minor">
+            <a:schemeClr val="lt1"/>
+          </a:fontRef>
+        </p:style>
+      </p:cxnSp>
+      <p:cxnSp>
+        <p:nvCxnSpPr>
+          <p:cNvPr id="15" name="Connecteur droit 14"/>
+          <p:cNvCxnSpPr>
+            <a:cxnSpLocks/>
+          </p:cNvCxnSpPr>
+          <p:nvPr/>
+        </p:nvCxnSpPr>
+        <p:spPr>
+          <a:xfrm flipV="1">
+            <a:off x="2872373" y="2348880"/>
+            <a:ext cx="5804083" cy="216024"/>
+          </a:xfrm>
+          <a:prstGeom prst="line">
+            <a:avLst/>
+          </a:prstGeom>
+          <a:noFill/>
+          <a:ln w="28575">
+            <a:solidFill>
+              <a:srgbClr val="FF0000"/>
+            </a:solidFill>
+            <a:prstDash val="sysDash"/>
+          </a:ln>
+        </p:spPr>
+        <p:style>
+          <a:lnRef idx="2">
+            <a:schemeClr val="accent1">
+              <a:shade val="50000"/>
+            </a:schemeClr>
+          </a:lnRef>
+          <a:fillRef idx="1">
+            <a:schemeClr val="accent1"/>
+          </a:fillRef>
+          <a:effectRef idx="0">
+            <a:schemeClr val="accent1"/>
+          </a:effectRef>
+          <a:fontRef idx="minor">
+            <a:schemeClr val="lt1"/>
+          </a:fontRef>
+        </p:style>
+      </p:cxnSp>
+      <p:sp>
+        <p:nvSpPr>
+          <p:cNvPr id="19" name="ZoneTexte 18"/>
+          <p:cNvSpPr txBox="1"/>
+          <p:nvPr/>
+        </p:nvSpPr>
+        <p:spPr>
+          <a:xfrm>
+            <a:off x="7196989" y="4027110"/>
+            <a:ext cx="1008112" cy="430887"/>
+          </a:xfrm>
+          <a:prstGeom prst="rect">
+            <a:avLst/>
+          </a:prstGeom>
+          <a:solidFill>
+            <a:schemeClr val="bg1"/>
+          </a:solidFill>
+        </p:spPr>
+        <p:txBody>
+          <a:bodyPr wrap="square" rtlCol="0">
+            <a:spAutoFit/>
+          </a:bodyPr>
+          <a:lstStyle/>
+          <a:p>
+            <a:pPr algn="ctr"/>
+            <a:r>
+              <a:rPr lang="fr-FR" sz="1100" b="1" dirty="0"/>
+              <a:t>Modèle de liaison pivot</a:t>
+            </a:r>
+          </a:p>
+        </p:txBody>
+      </p:sp>
+      <p:cxnSp>
+        <p:nvCxnSpPr>
+          <p:cNvPr id="20" name="Connecteur droit 19"/>
+          <p:cNvCxnSpPr>
+            <a:cxnSpLocks/>
+            <a:stCxn id="19" idx="0"/>
+            <a:endCxn id="23" idx="3"/>
+          </p:cNvCxnSpPr>
+          <p:nvPr/>
+        </p:nvCxnSpPr>
+        <p:spPr>
+          <a:xfrm flipH="1" flipV="1">
+            <a:off x="4211960" y="3239925"/>
+            <a:ext cx="3489085" cy="787185"/>
+          </a:xfrm>
+          <a:prstGeom prst="line">
+            <a:avLst/>
+          </a:prstGeom>
+          <a:noFill/>
+          <a:ln w="19050">
+            <a:solidFill>
+              <a:srgbClr val="00B050"/>
+            </a:solidFill>
+            <a:prstDash val="solid"/>
+            <a:headEnd w="med" len="lg"/>
+            <a:tailEnd type="stealth" w="med" len="lg"/>
+          </a:ln>
+        </p:spPr>
+        <p:style>
+          <a:lnRef idx="2">
+            <a:schemeClr val="accent1">
+              <a:shade val="50000"/>
+            </a:schemeClr>
+          </a:lnRef>
+          <a:fillRef idx="1">
+            <a:schemeClr val="accent1"/>
+          </a:fillRef>
+          <a:effectRef idx="0">
+            <a:schemeClr val="accent1"/>
+          </a:effectRef>
+          <a:fontRef idx="minor">
+            <a:schemeClr val="lt1"/>
+          </a:fontRef>
+        </p:style>
+      </p:cxnSp>
+      <p:sp>
+        <p:nvSpPr>
+          <p:cNvPr id="23" name="Rectangle 22"/>
+          <p:cNvSpPr/>
+          <p:nvPr/>
+        </p:nvSpPr>
+        <p:spPr>
+          <a:xfrm>
+            <a:off x="3780001" y="3050850"/>
+            <a:ext cx="431959" cy="378150"/>
+          </a:xfrm>
+          <a:prstGeom prst="rect">
+            <a:avLst/>
+          </a:prstGeom>
+          <a:noFill/>
+          <a:ln w="28575">
+            <a:solidFill>
+              <a:srgbClr val="00B050"/>
+            </a:solidFill>
+            <a:prstDash val="sysDash"/>
+          </a:ln>
+        </p:spPr>
+        <p:style>
+          <a:lnRef idx="2">
+            <a:schemeClr val="accent1">
+              <a:shade val="50000"/>
+            </a:schemeClr>
+          </a:lnRef>
+          <a:fillRef idx="1">
+            <a:schemeClr val="accent1"/>
+          </a:fillRef>
+          <a:effectRef idx="0">
+            <a:schemeClr val="accent1"/>
+          </a:effectRef>
+          <a:fontRef idx="minor">
+            <a:schemeClr val="lt1"/>
+          </a:fontRef>
+        </p:style>
+        <p:txBody>
+          <a:bodyPr rtlCol="0" anchor="ctr"/>
+          <a:lstStyle/>
+          <a:p>
+            <a:pPr algn="ctr"/>
+            <a:endParaRPr lang="fr-FR"/>
+          </a:p>
+        </p:txBody>
+      </p:sp>
+      <p:sp>
+        <p:nvSpPr>
+          <p:cNvPr id="25" name="Rectangle 24"/>
+          <p:cNvSpPr/>
+          <p:nvPr/>
+        </p:nvSpPr>
+        <p:spPr>
+          <a:xfrm>
+            <a:off x="4796733" y="2583018"/>
+            <a:ext cx="431959" cy="378150"/>
+          </a:xfrm>
+          <a:prstGeom prst="rect">
+            <a:avLst/>
+          </a:prstGeom>
+          <a:noFill/>
+          <a:ln w="28575">
+            <a:solidFill>
+              <a:srgbClr val="00B050"/>
+            </a:solidFill>
+            <a:prstDash val="sysDash"/>
+          </a:ln>
+        </p:spPr>
+        <p:style>
+          <a:lnRef idx="2">
+            <a:schemeClr val="accent1">
+              <a:shade val="50000"/>
+            </a:schemeClr>
+          </a:lnRef>
+          <a:fillRef idx="1">
+            <a:schemeClr val="accent1"/>
+          </a:fillRef>
+          <a:effectRef idx="0">
+            <a:schemeClr val="accent1"/>
+          </a:effectRef>
+          <a:fontRef idx="minor">
+            <a:schemeClr val="lt1"/>
+          </a:fontRef>
+        </p:style>
+        <p:txBody>
+          <a:bodyPr rtlCol="0" anchor="ctr"/>
+          <a:lstStyle/>
+          <a:p>
+            <a:pPr algn="ctr"/>
+            <a:endParaRPr lang="fr-FR"/>
+          </a:p>
+        </p:txBody>
+      </p:sp>
+      <p:sp>
+        <p:nvSpPr>
+          <p:cNvPr id="26" name="Rectangle 25"/>
+          <p:cNvSpPr/>
+          <p:nvPr/>
+        </p:nvSpPr>
+        <p:spPr>
+          <a:xfrm>
+            <a:off x="5940152" y="2652338"/>
+            <a:ext cx="431959" cy="378150"/>
+          </a:xfrm>
+          <a:prstGeom prst="rect">
+            <a:avLst/>
+          </a:prstGeom>
+          <a:noFill/>
+          <a:ln w="28575">
+            <a:solidFill>
+              <a:srgbClr val="00B050"/>
+            </a:solidFill>
+            <a:prstDash val="sysDash"/>
+          </a:ln>
+        </p:spPr>
+        <p:style>
+          <a:lnRef idx="2">
+            <a:schemeClr val="accent1">
+              <a:shade val="50000"/>
+            </a:schemeClr>
+          </a:lnRef>
+          <a:fillRef idx="1">
+            <a:schemeClr val="accent1"/>
+          </a:fillRef>
+          <a:effectRef idx="0">
+            <a:schemeClr val="accent1"/>
+          </a:effectRef>
+          <a:fontRef idx="minor">
+            <a:schemeClr val="lt1"/>
+          </a:fontRef>
+        </p:style>
+        <p:txBody>
+          <a:bodyPr rtlCol="0" anchor="ctr"/>
+          <a:lstStyle/>
+          <a:p>
+            <a:pPr algn="ctr"/>
+            <a:endParaRPr lang="fr-FR"/>
+          </a:p>
+        </p:txBody>
+      </p:sp>
+      <p:sp>
+        <p:nvSpPr>
+          <p:cNvPr id="27" name="Rectangle 26"/>
+          <p:cNvSpPr/>
+          <p:nvPr/>
+        </p:nvSpPr>
+        <p:spPr>
+          <a:xfrm>
+            <a:off x="7083571" y="2688068"/>
+            <a:ext cx="431959" cy="378150"/>
+          </a:xfrm>
+          <a:prstGeom prst="rect">
+            <a:avLst/>
+          </a:prstGeom>
+          <a:noFill/>
+          <a:ln w="28575">
+            <a:solidFill>
+              <a:srgbClr val="00B050"/>
+            </a:solidFill>
+            <a:prstDash val="sysDash"/>
+          </a:ln>
+        </p:spPr>
+        <p:style>
+          <a:lnRef idx="2">
+            <a:schemeClr val="accent1">
+              <a:shade val="50000"/>
+            </a:schemeClr>
+          </a:lnRef>
+          <a:fillRef idx="1">
+            <a:schemeClr val="accent1"/>
+          </a:fillRef>
+          <a:effectRef idx="0">
+            <a:schemeClr val="accent1"/>
+          </a:effectRef>
+          <a:fontRef idx="minor">
+            <a:schemeClr val="lt1"/>
+          </a:fontRef>
+        </p:style>
+        <p:txBody>
+          <a:bodyPr rtlCol="0" anchor="ctr"/>
+          <a:lstStyle/>
+          <a:p>
+            <a:pPr algn="ctr"/>
+            <a:endParaRPr lang="fr-FR"/>
+          </a:p>
+        </p:txBody>
+      </p:sp>
+      <p:cxnSp>
+        <p:nvCxnSpPr>
+          <p:cNvPr id="28" name="Connecteur droit 27"/>
+          <p:cNvCxnSpPr>
+            <a:cxnSpLocks/>
+            <a:stCxn id="19" idx="0"/>
+            <a:endCxn id="25" idx="2"/>
+          </p:cNvCxnSpPr>
+          <p:nvPr/>
+        </p:nvCxnSpPr>
+        <p:spPr>
+          <a:xfrm flipH="1" flipV="1">
+            <a:off x="5012713" y="2961168"/>
+            <a:ext cx="2688332" cy="1065942"/>
+          </a:xfrm>
+          <a:prstGeom prst="line">
+            <a:avLst/>
+          </a:prstGeom>
+          <a:noFill/>
+          <a:ln w="19050">
+            <a:solidFill>
+              <a:srgbClr val="00B050"/>
+            </a:solidFill>
+            <a:prstDash val="solid"/>
+            <a:headEnd w="med" len="lg"/>
+            <a:tailEnd type="stealth" w="med" len="lg"/>
+          </a:ln>
+        </p:spPr>
+        <p:style>
+          <a:lnRef idx="2">
+            <a:schemeClr val="accent1">
+              <a:shade val="50000"/>
+            </a:schemeClr>
+          </a:lnRef>
+          <a:fillRef idx="1">
+            <a:schemeClr val="accent1"/>
+          </a:fillRef>
+          <a:effectRef idx="0">
+            <a:schemeClr val="accent1"/>
+          </a:effectRef>
+          <a:fontRef idx="minor">
+            <a:schemeClr val="lt1"/>
+          </a:fontRef>
+        </p:style>
+      </p:cxnSp>
+      <p:cxnSp>
+        <p:nvCxnSpPr>
+          <p:cNvPr id="31" name="Connecteur droit 30"/>
+          <p:cNvCxnSpPr>
+            <a:cxnSpLocks/>
+            <a:stCxn id="19" idx="0"/>
+            <a:endCxn id="26" idx="2"/>
+          </p:cNvCxnSpPr>
+          <p:nvPr/>
+        </p:nvCxnSpPr>
+        <p:spPr>
+          <a:xfrm flipH="1" flipV="1">
+            <a:off x="6156132" y="3030488"/>
+            <a:ext cx="1544913" cy="996622"/>
+          </a:xfrm>
+          <a:prstGeom prst="line">
+            <a:avLst/>
+          </a:prstGeom>
+          <a:noFill/>
+          <a:ln w="19050">
+            <a:solidFill>
+              <a:srgbClr val="00B050"/>
+            </a:solidFill>
+            <a:prstDash val="solid"/>
+            <a:headEnd w="med" len="lg"/>
+            <a:tailEnd type="stealth" w="med" len="lg"/>
+          </a:ln>
+        </p:spPr>
+        <p:style>
+          <a:lnRef idx="2">
+            <a:schemeClr val="accent1">
+              <a:shade val="50000"/>
+            </a:schemeClr>
+          </a:lnRef>
+          <a:fillRef idx="1">
+            <a:schemeClr val="accent1"/>
+          </a:fillRef>
+          <a:effectRef idx="0">
+            <a:schemeClr val="accent1"/>
+          </a:effectRef>
+          <a:fontRef idx="minor">
+            <a:schemeClr val="lt1"/>
+          </a:fontRef>
+        </p:style>
+      </p:cxnSp>
+      <p:cxnSp>
+        <p:nvCxnSpPr>
+          <p:cNvPr id="34" name="Connecteur droit 33"/>
+          <p:cNvCxnSpPr>
+            <a:cxnSpLocks/>
+            <a:stCxn id="19" idx="0"/>
+            <a:endCxn id="27" idx="2"/>
+          </p:cNvCxnSpPr>
+          <p:nvPr/>
+        </p:nvCxnSpPr>
+        <p:spPr>
+          <a:xfrm flipH="1" flipV="1">
+            <a:off x="7299551" y="3066218"/>
+            <a:ext cx="401494" cy="960892"/>
+          </a:xfrm>
+          <a:prstGeom prst="line">
+            <a:avLst/>
+          </a:prstGeom>
+          <a:noFill/>
+          <a:ln w="19050">
+            <a:solidFill>
+              <a:srgbClr val="00B050"/>
+            </a:solidFill>
+            <a:prstDash val="solid"/>
+            <a:headEnd w="med" len="lg"/>
+            <a:tailEnd type="stealth" w="med" len="lg"/>
+          </a:ln>
+        </p:spPr>
+        <p:style>
+          <a:lnRef idx="2">
+            <a:schemeClr val="accent1">
+              <a:shade val="50000"/>
+            </a:schemeClr>
+          </a:lnRef>
+          <a:fillRef idx="1">
+            <a:schemeClr val="accent1"/>
+          </a:fillRef>
+          <a:effectRef idx="0">
+            <a:schemeClr val="accent1"/>
+          </a:effectRef>
+          <a:fontRef idx="minor">
+            <a:schemeClr val="lt1"/>
+          </a:fontRef>
+        </p:style>
+      </p:cxnSp>
+    </p:spTree>
+    <p:extLst>
+      <p:ext uri="{BB962C8B-B14F-4D97-AF65-F5344CB8AC3E}">
+        <p14:creationId xmlns:p14="http://schemas.microsoft.com/office/powerpoint/2010/main" val="3305074751"/>
+      </p:ext>
+    </p:extLst>
+  </p:cSld>
+  <p:clrMapOvr>
+    <a:masterClrMapping/>
+  </p:clrMapOvr>
+</p:sld>
+</file>
+
+<file path=ppt/slides/slide5.xml><?xml version="1.0" encoding="utf-8"?>
+<p:sld xmlns:a="http://schemas.openxmlformats.org/drawingml/2006/main" xmlns:r="http://schemas.openxmlformats.org/officeDocument/2006/relationships" xmlns:p="http://schemas.openxmlformats.org/presentationml/2006/main">
+  <p:cSld>
+    <p:spTree>
+      <p:nvGrpSpPr>
+        <p:cNvPr id="1" name=""/>
+        <p:cNvGrpSpPr/>
+        <p:nvPr/>
+      </p:nvGrpSpPr>
+      <p:grpSpPr>
+        <a:xfrm>
+          <a:off x="0" y="0"/>
+          <a:ext cx="0" cy="0"/>
+          <a:chOff x="0" y="0"/>
+          <a:chExt cx="0" cy="0"/>
+        </a:xfrm>
+      </p:grpSpPr>
+    </p:spTree>
+    <p:extLst>
+      <p:ext uri="{BB962C8B-B14F-4D97-AF65-F5344CB8AC3E}">
+        <p14:creationId xmlns:p14="http://schemas.microsoft.com/office/powerpoint/2010/main" val="485639388"/>
+      </p:ext>
+    </p:extLst>
+  </p:cSld>
+  <p:clrMapOvr>
+    <a:masterClrMapping/>
+  </p:clrMapOvr>
+</p:sld>
+</file>
+
+<file path=ppt/slides/slide6.xml><?xml version="1.0" encoding="utf-8"?>
+<p:sld xmlns:a="http://schemas.openxmlformats.org/drawingml/2006/main" xmlns:r="http://schemas.openxmlformats.org/officeDocument/2006/relationships" xmlns:p="http://schemas.openxmlformats.org/presentationml/2006/main">
+  <p:cSld>
+    <p:spTree>
+      <p:nvGrpSpPr>
+        <p:cNvPr id="1" name=""/>
+        <p:cNvGrpSpPr/>
+        <p:nvPr/>
+      </p:nvGrpSpPr>
+      <p:grpSpPr>
+        <a:xfrm>
+          <a:off x="0" y="0"/>
+          <a:ext cx="0" cy="0"/>
+          <a:chOff x="0" y="0"/>
+          <a:chExt cx="0" cy="0"/>
+        </a:xfrm>
+      </p:grpSpPr>
+    </p:spTree>
+    <p:extLst>
+      <p:ext uri="{BB962C8B-B14F-4D97-AF65-F5344CB8AC3E}">
+        <p14:creationId xmlns:p14="http://schemas.microsoft.com/office/powerpoint/2010/main" val="463819712"/>
       </p:ext>
     </p:extLst>
   </p:cSld>

--- a/Cours/01_Modelisation_Multiphysique/images/Figures.pptx
+++ b/Cours/01_Modelisation_Multiphysique/images/Figures.pptx
@@ -10,7 +10,9 @@
     <p:sldId id="258" r:id="rId4"/>
     <p:sldId id="259" r:id="rId5"/>
     <p:sldId id="261" r:id="rId6"/>
-    <p:sldId id="260" r:id="rId7"/>
+    <p:sldId id="263" r:id="rId7"/>
+    <p:sldId id="262" r:id="rId8"/>
+    <p:sldId id="260" r:id="rId9"/>
   </p:sldIdLst>
   <p:sldSz cx="9144000" cy="6858000" type="screen4x3"/>
   <p:notesSz cx="6858000" cy="9144000"/>
@@ -313,7 +315,7 @@
           <a:p>
             <a:fld id="{AA309A6D-C09C-4548-B29A-6CF363A7E532}" type="datetimeFigureOut">
               <a:rPr lang="fr-FR" smtClean="0"/>
-              <a:t>07/06/2017</a:t>
+              <a:t>15/06/2017</a:t>
             </a:fld>
             <a:endParaRPr lang="fr-BE"/>
           </a:p>
@@ -478,7 +480,7 @@
           <a:p>
             <a:fld id="{AA309A6D-C09C-4548-B29A-6CF363A7E532}" type="datetimeFigureOut">
               <a:rPr lang="fr-FR" smtClean="0"/>
-              <a:t>07/06/2017</a:t>
+              <a:t>15/06/2017</a:t>
             </a:fld>
             <a:endParaRPr lang="fr-BE"/>
           </a:p>
@@ -653,7 +655,7 @@
           <a:p>
             <a:fld id="{AA309A6D-C09C-4548-B29A-6CF363A7E532}" type="datetimeFigureOut">
               <a:rPr lang="fr-FR" smtClean="0"/>
-              <a:t>07/06/2017</a:t>
+              <a:t>15/06/2017</a:t>
             </a:fld>
             <a:endParaRPr lang="fr-BE"/>
           </a:p>
@@ -818,7 +820,7 @@
           <a:p>
             <a:fld id="{AA309A6D-C09C-4548-B29A-6CF363A7E532}" type="datetimeFigureOut">
               <a:rPr lang="fr-FR" smtClean="0"/>
-              <a:t>07/06/2017</a:t>
+              <a:t>15/06/2017</a:t>
             </a:fld>
             <a:endParaRPr lang="fr-BE"/>
           </a:p>
@@ -1059,7 +1061,7 @@
           <a:p>
             <a:fld id="{AA309A6D-C09C-4548-B29A-6CF363A7E532}" type="datetimeFigureOut">
               <a:rPr lang="fr-FR" smtClean="0"/>
-              <a:t>07/06/2017</a:t>
+              <a:t>15/06/2017</a:t>
             </a:fld>
             <a:endParaRPr lang="fr-BE"/>
           </a:p>
@@ -1342,7 +1344,7 @@
           <a:p>
             <a:fld id="{AA309A6D-C09C-4548-B29A-6CF363A7E532}" type="datetimeFigureOut">
               <a:rPr lang="fr-FR" smtClean="0"/>
-              <a:t>07/06/2017</a:t>
+              <a:t>15/06/2017</a:t>
             </a:fld>
             <a:endParaRPr lang="fr-BE"/>
           </a:p>
@@ -1759,7 +1761,7 @@
           <a:p>
             <a:fld id="{AA309A6D-C09C-4548-B29A-6CF363A7E532}" type="datetimeFigureOut">
               <a:rPr lang="fr-FR" smtClean="0"/>
-              <a:t>07/06/2017</a:t>
+              <a:t>15/06/2017</a:t>
             </a:fld>
             <a:endParaRPr lang="fr-BE"/>
           </a:p>
@@ -1872,7 +1874,7 @@
           <a:p>
             <a:fld id="{AA309A6D-C09C-4548-B29A-6CF363A7E532}" type="datetimeFigureOut">
               <a:rPr lang="fr-FR" smtClean="0"/>
-              <a:t>07/06/2017</a:t>
+              <a:t>15/06/2017</a:t>
             </a:fld>
             <a:endParaRPr lang="fr-BE"/>
           </a:p>
@@ -1962,7 +1964,7 @@
           <a:p>
             <a:fld id="{AA309A6D-C09C-4548-B29A-6CF363A7E532}" type="datetimeFigureOut">
               <a:rPr lang="fr-FR" smtClean="0"/>
-              <a:t>07/06/2017</a:t>
+              <a:t>15/06/2017</a:t>
             </a:fld>
             <a:endParaRPr lang="fr-BE"/>
           </a:p>
@@ -2234,7 +2236,7 @@
           <a:p>
             <a:fld id="{AA309A6D-C09C-4548-B29A-6CF363A7E532}" type="datetimeFigureOut">
               <a:rPr lang="fr-FR" smtClean="0"/>
-              <a:t>07/06/2017</a:t>
+              <a:t>15/06/2017</a:t>
             </a:fld>
             <a:endParaRPr lang="fr-BE"/>
           </a:p>
@@ -2482,7 +2484,7 @@
           <a:p>
             <a:fld id="{AA309A6D-C09C-4548-B29A-6CF363A7E532}" type="datetimeFigureOut">
               <a:rPr lang="fr-FR" smtClean="0"/>
-              <a:t>07/06/2017</a:t>
+              <a:t>15/06/2017</a:t>
             </a:fld>
             <a:endParaRPr lang="fr-BE"/>
           </a:p>
@@ -2690,7 +2692,7 @@
           <a:p>
             <a:fld id="{AA309A6D-C09C-4548-B29A-6CF363A7E532}" type="datetimeFigureOut">
               <a:rPr lang="fr-FR" smtClean="0"/>
-              <a:t>07/06/2017</a:t>
+              <a:t>15/06/2017</a:t>
             </a:fld>
             <a:endParaRPr lang="fr-BE"/>
           </a:p>
@@ -5882,6 +5884,499 @@
           <a:chExt cx="0" cy="0"/>
         </a:xfrm>
       </p:grpSpPr>
+    </p:spTree>
+    <p:extLst>
+      <p:ext uri="{BB962C8B-B14F-4D97-AF65-F5344CB8AC3E}">
+        <p14:creationId xmlns:p14="http://schemas.microsoft.com/office/powerpoint/2010/main" val="519818362"/>
+      </p:ext>
+    </p:extLst>
+  </p:cSld>
+  <p:clrMapOvr>
+    <a:masterClrMapping/>
+  </p:clrMapOvr>
+</p:sld>
+</file>
+
+<file path=ppt/slides/slide7.xml><?xml version="1.0" encoding="utf-8"?>
+<p:sld xmlns:a="http://schemas.openxmlformats.org/drawingml/2006/main" xmlns:r="http://schemas.openxmlformats.org/officeDocument/2006/relationships" xmlns:p="http://schemas.openxmlformats.org/presentationml/2006/main">
+  <p:cSld>
+    <p:spTree>
+      <p:nvGrpSpPr>
+        <p:cNvPr id="1" name=""/>
+        <p:cNvGrpSpPr/>
+        <p:nvPr/>
+      </p:nvGrpSpPr>
+      <p:grpSpPr>
+        <a:xfrm>
+          <a:off x="0" y="0"/>
+          <a:ext cx="0" cy="0"/>
+          <a:chOff x="0" y="0"/>
+          <a:chExt cx="0" cy="0"/>
+        </a:xfrm>
+      </p:grpSpPr>
+      <p:pic>
+        <p:nvPicPr>
+          <p:cNvPr id="2" name="Image 1"/>
+          <p:cNvPicPr>
+            <a:picLocks noChangeAspect="1"/>
+          </p:cNvPicPr>
+          <p:nvPr/>
+        </p:nvPicPr>
+        <p:blipFill rotWithShape="1">
+          <a:blip r:embed="rId2"/>
+          <a:srcRect l="4553" t="24565" r="1057" b="6195"/>
+          <a:stretch/>
+        </p:blipFill>
+        <p:spPr>
+          <a:xfrm>
+            <a:off x="179512" y="2072848"/>
+            <a:ext cx="6480720" cy="2940327"/>
+          </a:xfrm>
+          <a:prstGeom prst="rect">
+            <a:avLst/>
+          </a:prstGeom>
+        </p:spPr>
+      </p:pic>
+      <p:pic>
+        <p:nvPicPr>
+          <p:cNvPr id="4" name="Image 3"/>
+          <p:cNvPicPr>
+            <a:picLocks noChangeAspect="1"/>
+          </p:cNvPicPr>
+          <p:nvPr/>
+        </p:nvPicPr>
+        <p:blipFill>
+          <a:blip r:embed="rId3">
+            <a:extLst>
+              <a:ext uri="{28A0092B-C50C-407E-A947-70E740481C1C}">
+                <a14:useLocalDpi xmlns:a14="http://schemas.microsoft.com/office/drawing/2010/main" val="0"/>
+              </a:ext>
+            </a:extLst>
+          </a:blip>
+          <a:stretch>
+            <a:fillRect/>
+          </a:stretch>
+        </p:blipFill>
+        <p:spPr>
+          <a:xfrm>
+            <a:off x="5973790" y="836712"/>
+            <a:ext cx="2880000" cy="2036571"/>
+          </a:xfrm>
+          <a:prstGeom prst="rect">
+            <a:avLst/>
+          </a:prstGeom>
+        </p:spPr>
+      </p:pic>
+      <p:pic>
+        <p:nvPicPr>
+          <p:cNvPr id="6" name="Image 5"/>
+          <p:cNvPicPr>
+            <a:picLocks noChangeAspect="1"/>
+          </p:cNvPicPr>
+          <p:nvPr/>
+        </p:nvPicPr>
+        <p:blipFill>
+          <a:blip r:embed="rId4">
+            <a:extLst>
+              <a:ext uri="{28A0092B-C50C-407E-A947-70E740481C1C}">
+                <a14:useLocalDpi xmlns:a14="http://schemas.microsoft.com/office/drawing/2010/main" val="0"/>
+              </a:ext>
+            </a:extLst>
+          </a:blip>
+          <a:stretch>
+            <a:fillRect/>
+          </a:stretch>
+        </p:blipFill>
+        <p:spPr>
+          <a:xfrm>
+            <a:off x="5973790" y="2924943"/>
+            <a:ext cx="2880000" cy="2036572"/>
+          </a:xfrm>
+          <a:prstGeom prst="rect">
+            <a:avLst/>
+          </a:prstGeom>
+        </p:spPr>
+      </p:pic>
+      <p:sp>
+        <p:nvSpPr>
+          <p:cNvPr id="7" name="ZoneTexte 6"/>
+          <p:cNvSpPr txBox="1"/>
+          <p:nvPr/>
+        </p:nvSpPr>
+        <p:spPr>
+          <a:xfrm>
+            <a:off x="7197606" y="836712"/>
+            <a:ext cx="1656184" cy="369332"/>
+          </a:xfrm>
+          <a:prstGeom prst="rect">
+            <a:avLst/>
+          </a:prstGeom>
+          <a:noFill/>
+        </p:spPr>
+        <p:txBody>
+          <a:bodyPr wrap="square" rtlCol="0">
+            <a:spAutoFit/>
+          </a:bodyPr>
+          <a:lstStyle/>
+          <a:p>
+            <a:pPr algn="ctr"/>
+            <a:r>
+              <a:rPr lang="fr-FR" b="1" dirty="0"/>
+              <a:t>Courant (A)</a:t>
+            </a:r>
+          </a:p>
+        </p:txBody>
+      </p:sp>
+      <p:sp>
+        <p:nvSpPr>
+          <p:cNvPr id="8" name="ZoneTexte 7"/>
+          <p:cNvSpPr txBox="1"/>
+          <p:nvPr/>
+        </p:nvSpPr>
+        <p:spPr>
+          <a:xfrm>
+            <a:off x="7084862" y="4031027"/>
+            <a:ext cx="1768928" cy="646331"/>
+          </a:xfrm>
+          <a:prstGeom prst="rect">
+            <a:avLst/>
+          </a:prstGeom>
+          <a:noFill/>
+        </p:spPr>
+        <p:txBody>
+          <a:bodyPr wrap="square" rtlCol="0">
+            <a:spAutoFit/>
+          </a:bodyPr>
+          <a:lstStyle/>
+          <a:p>
+            <a:pPr algn="ctr"/>
+            <a:r>
+              <a:rPr lang="fr-FR" b="1" dirty="0"/>
+              <a:t>Fréquence de rotation (rad s</a:t>
+            </a:r>
+            <a:r>
+              <a:rPr lang="fr-FR" b="1" baseline="30000" dirty="0"/>
+              <a:t>-1</a:t>
+            </a:r>
+            <a:r>
+              <a:rPr lang="fr-FR" b="1" dirty="0"/>
+              <a:t>)</a:t>
+            </a:r>
+          </a:p>
+        </p:txBody>
+      </p:sp>
+    </p:spTree>
+    <p:extLst>
+      <p:ext uri="{BB962C8B-B14F-4D97-AF65-F5344CB8AC3E}">
+        <p14:creationId xmlns:p14="http://schemas.microsoft.com/office/powerpoint/2010/main" val="3183704375"/>
+      </p:ext>
+    </p:extLst>
+  </p:cSld>
+  <p:clrMapOvr>
+    <a:masterClrMapping/>
+  </p:clrMapOvr>
+</p:sld>
+</file>
+
+<file path=ppt/slides/slide8.xml><?xml version="1.0" encoding="utf-8"?>
+<p:sld xmlns:a="http://schemas.openxmlformats.org/drawingml/2006/main" xmlns:r="http://schemas.openxmlformats.org/officeDocument/2006/relationships" xmlns:p="http://schemas.openxmlformats.org/presentationml/2006/main">
+  <p:cSld>
+    <p:spTree>
+      <p:nvGrpSpPr>
+        <p:cNvPr id="1" name=""/>
+        <p:cNvGrpSpPr/>
+        <p:nvPr/>
+      </p:nvGrpSpPr>
+      <p:grpSpPr>
+        <a:xfrm>
+          <a:off x="0" y="0"/>
+          <a:ext cx="0" cy="0"/>
+          <a:chOff x="0" y="0"/>
+          <a:chExt cx="0" cy="0"/>
+        </a:xfrm>
+      </p:grpSpPr>
+      <p:pic>
+        <p:nvPicPr>
+          <p:cNvPr id="2" name="Image 1"/>
+          <p:cNvPicPr>
+            <a:picLocks noChangeAspect="1"/>
+          </p:cNvPicPr>
+          <p:nvPr/>
+        </p:nvPicPr>
+        <p:blipFill>
+          <a:blip r:embed="rId2"/>
+          <a:stretch>
+            <a:fillRect/>
+          </a:stretch>
+        </p:blipFill>
+        <p:spPr>
+          <a:xfrm>
+            <a:off x="251520" y="1724026"/>
+            <a:ext cx="6480000" cy="2892569"/>
+          </a:xfrm>
+          <a:prstGeom prst="rect">
+            <a:avLst/>
+          </a:prstGeom>
+        </p:spPr>
+      </p:pic>
+      <p:pic>
+        <p:nvPicPr>
+          <p:cNvPr id="4" name="Image 3"/>
+          <p:cNvPicPr>
+            <a:picLocks noChangeAspect="1"/>
+          </p:cNvPicPr>
+          <p:nvPr/>
+        </p:nvPicPr>
+        <p:blipFill>
+          <a:blip r:embed="rId3">
+            <a:extLst>
+              <a:ext uri="{28A0092B-C50C-407E-A947-70E740481C1C}">
+                <a14:useLocalDpi xmlns:a14="http://schemas.microsoft.com/office/drawing/2010/main" val="0"/>
+              </a:ext>
+            </a:extLst>
+          </a:blip>
+          <a:stretch>
+            <a:fillRect/>
+          </a:stretch>
+        </p:blipFill>
+        <p:spPr>
+          <a:xfrm>
+            <a:off x="6084168" y="648801"/>
+            <a:ext cx="2880000" cy="2036572"/>
+          </a:xfrm>
+          <a:prstGeom prst="rect">
+            <a:avLst/>
+          </a:prstGeom>
+        </p:spPr>
+      </p:pic>
+      <p:pic>
+        <p:nvPicPr>
+          <p:cNvPr id="6" name="Image 5"/>
+          <p:cNvPicPr>
+            <a:picLocks noChangeAspect="1"/>
+          </p:cNvPicPr>
+          <p:nvPr/>
+        </p:nvPicPr>
+        <p:blipFill>
+          <a:blip r:embed="rId4">
+            <a:extLst>
+              <a:ext uri="{28A0092B-C50C-407E-A947-70E740481C1C}">
+                <a14:useLocalDpi xmlns:a14="http://schemas.microsoft.com/office/drawing/2010/main" val="0"/>
+              </a:ext>
+            </a:extLst>
+          </a:blip>
+          <a:stretch>
+            <a:fillRect/>
+          </a:stretch>
+        </p:blipFill>
+        <p:spPr>
+          <a:xfrm>
+            <a:off x="6104667" y="2632698"/>
+            <a:ext cx="2880000" cy="2036572"/>
+          </a:xfrm>
+          <a:prstGeom prst="rect">
+            <a:avLst/>
+          </a:prstGeom>
+        </p:spPr>
+      </p:pic>
+      <p:sp>
+        <p:nvSpPr>
+          <p:cNvPr id="7" name="Rectangle 6"/>
+          <p:cNvSpPr/>
+          <p:nvPr/>
+        </p:nvSpPr>
+        <p:spPr>
+          <a:xfrm>
+            <a:off x="6063668" y="726906"/>
+            <a:ext cx="956603" cy="1261933"/>
+          </a:xfrm>
+          <a:prstGeom prst="rect">
+            <a:avLst/>
+          </a:prstGeom>
+          <a:noFill/>
+          <a:ln w="28575">
+            <a:solidFill>
+              <a:srgbClr val="FF0000"/>
+            </a:solidFill>
+            <a:prstDash val="sysDash"/>
+          </a:ln>
+        </p:spPr>
+        <p:style>
+          <a:lnRef idx="2">
+            <a:schemeClr val="accent1">
+              <a:shade val="50000"/>
+            </a:schemeClr>
+          </a:lnRef>
+          <a:fillRef idx="1">
+            <a:schemeClr val="accent1"/>
+          </a:fillRef>
+          <a:effectRef idx="0">
+            <a:schemeClr val="accent1"/>
+          </a:effectRef>
+          <a:fontRef idx="minor">
+            <a:schemeClr val="lt1"/>
+          </a:fontRef>
+        </p:style>
+        <p:txBody>
+          <a:bodyPr rtlCol="0" anchor="ctr"/>
+          <a:lstStyle/>
+          <a:p>
+            <a:pPr algn="ctr"/>
+            <a:endParaRPr lang="fr-FR"/>
+          </a:p>
+        </p:txBody>
+      </p:sp>
+      <p:sp>
+        <p:nvSpPr>
+          <p:cNvPr id="8" name="Rectangle 7"/>
+          <p:cNvSpPr/>
+          <p:nvPr/>
+        </p:nvSpPr>
+        <p:spPr>
+          <a:xfrm>
+            <a:off x="6084168" y="3051526"/>
+            <a:ext cx="936103" cy="1261933"/>
+          </a:xfrm>
+          <a:prstGeom prst="rect">
+            <a:avLst/>
+          </a:prstGeom>
+          <a:noFill/>
+          <a:ln w="28575">
+            <a:solidFill>
+              <a:srgbClr val="FF0000"/>
+            </a:solidFill>
+            <a:prstDash val="sysDash"/>
+          </a:ln>
+        </p:spPr>
+        <p:style>
+          <a:lnRef idx="2">
+            <a:schemeClr val="accent1">
+              <a:shade val="50000"/>
+            </a:schemeClr>
+          </a:lnRef>
+          <a:fillRef idx="1">
+            <a:schemeClr val="accent1"/>
+          </a:fillRef>
+          <a:effectRef idx="0">
+            <a:schemeClr val="accent1"/>
+          </a:effectRef>
+          <a:fontRef idx="minor">
+            <a:schemeClr val="lt1"/>
+          </a:fontRef>
+        </p:style>
+        <p:txBody>
+          <a:bodyPr rtlCol="0" anchor="ctr"/>
+          <a:lstStyle/>
+          <a:p>
+            <a:pPr algn="ctr"/>
+            <a:endParaRPr lang="fr-FR"/>
+          </a:p>
+        </p:txBody>
+      </p:sp>
+      <p:sp>
+        <p:nvSpPr>
+          <p:cNvPr id="9" name="Flèche : bas 8"/>
+          <p:cNvSpPr/>
+          <p:nvPr/>
+        </p:nvSpPr>
+        <p:spPr>
+          <a:xfrm>
+            <a:off x="6372200" y="2148999"/>
+            <a:ext cx="359320" cy="643859"/>
+          </a:xfrm>
+          <a:prstGeom prst="downArrow">
+            <a:avLst/>
+          </a:prstGeom>
+          <a:noFill/>
+          <a:ln>
+            <a:solidFill>
+              <a:srgbClr val="FF0000"/>
+            </a:solidFill>
+          </a:ln>
+        </p:spPr>
+        <p:style>
+          <a:lnRef idx="2">
+            <a:schemeClr val="accent1">
+              <a:shade val="50000"/>
+            </a:schemeClr>
+          </a:lnRef>
+          <a:fillRef idx="1">
+            <a:schemeClr val="accent1"/>
+          </a:fillRef>
+          <a:effectRef idx="0">
+            <a:schemeClr val="accent1"/>
+          </a:effectRef>
+          <a:fontRef idx="minor">
+            <a:schemeClr val="lt1"/>
+          </a:fontRef>
+        </p:style>
+        <p:txBody>
+          <a:bodyPr rtlCol="0" anchor="ctr"/>
+          <a:lstStyle/>
+          <a:p>
+            <a:pPr algn="ctr"/>
+            <a:endParaRPr lang="fr-FR"/>
+          </a:p>
+        </p:txBody>
+      </p:sp>
+      <p:sp>
+        <p:nvSpPr>
+          <p:cNvPr id="10" name="ZoneTexte 9"/>
+          <p:cNvSpPr txBox="1"/>
+          <p:nvPr/>
+        </p:nvSpPr>
+        <p:spPr>
+          <a:xfrm>
+            <a:off x="7040771" y="1123969"/>
+            <a:ext cx="1923397" cy="646331"/>
+          </a:xfrm>
+          <a:prstGeom prst="rect">
+            <a:avLst/>
+          </a:prstGeom>
+          <a:noFill/>
+        </p:spPr>
+        <p:txBody>
+          <a:bodyPr wrap="square" rtlCol="0">
+            <a:spAutoFit/>
+          </a:bodyPr>
+          <a:lstStyle/>
+          <a:p>
+            <a:r>
+              <a:rPr lang="fr-FR" dirty="0"/>
+              <a:t>Saturation en courant</a:t>
+            </a:r>
+          </a:p>
+        </p:txBody>
+      </p:sp>
+      <p:sp>
+        <p:nvSpPr>
+          <p:cNvPr id="11" name="ZoneTexte 10"/>
+          <p:cNvSpPr txBox="1"/>
+          <p:nvPr/>
+        </p:nvSpPr>
+        <p:spPr>
+          <a:xfrm>
+            <a:off x="7053436" y="2245468"/>
+            <a:ext cx="1882719" cy="1200329"/>
+          </a:xfrm>
+          <a:prstGeom prst="rect">
+            <a:avLst/>
+          </a:prstGeom>
+          <a:noFill/>
+        </p:spPr>
+        <p:txBody>
+          <a:bodyPr wrap="square" rtlCol="0">
+            <a:spAutoFit/>
+          </a:bodyPr>
+          <a:lstStyle/>
+          <a:p>
+            <a:r>
+              <a:rPr lang="fr-FR" dirty="0"/>
+              <a:t>Influence sur la vitesse du moteur (accélération moins forte)</a:t>
+            </a:r>
+          </a:p>
+        </p:txBody>
+      </p:sp>
     </p:spTree>
     <p:extLst>
       <p:ext uri="{BB962C8B-B14F-4D97-AF65-F5344CB8AC3E}">

--- a/Cours/01_Modelisation_Multiphysique/images/Figures.pptx
+++ b/Cours/01_Modelisation_Multiphysique/images/Figures.pptx
@@ -9,10 +9,11 @@
     <p:sldId id="257" r:id="rId3"/>
     <p:sldId id="258" r:id="rId4"/>
     <p:sldId id="259" r:id="rId5"/>
-    <p:sldId id="261" r:id="rId6"/>
-    <p:sldId id="263" r:id="rId7"/>
-    <p:sldId id="262" r:id="rId8"/>
-    <p:sldId id="260" r:id="rId9"/>
+    <p:sldId id="262" r:id="rId6"/>
+    <p:sldId id="260" r:id="rId7"/>
+    <p:sldId id="261" r:id="rId8"/>
+    <p:sldId id="264" r:id="rId9"/>
+    <p:sldId id="263" r:id="rId10"/>
   </p:sldIdLst>
   <p:sldSz cx="9144000" cy="6858000" type="screen4x3"/>
   <p:notesSz cx="6858000" cy="9144000"/>
@@ -315,7 +316,7 @@
           <a:p>
             <a:fld id="{AA309A6D-C09C-4548-B29A-6CF363A7E532}" type="datetimeFigureOut">
               <a:rPr lang="fr-FR" smtClean="0"/>
-              <a:t>15/06/2017</a:t>
+              <a:t>16/06/2017</a:t>
             </a:fld>
             <a:endParaRPr lang="fr-BE"/>
           </a:p>
@@ -480,7 +481,7 @@
           <a:p>
             <a:fld id="{AA309A6D-C09C-4548-B29A-6CF363A7E532}" type="datetimeFigureOut">
               <a:rPr lang="fr-FR" smtClean="0"/>
-              <a:t>15/06/2017</a:t>
+              <a:t>16/06/2017</a:t>
             </a:fld>
             <a:endParaRPr lang="fr-BE"/>
           </a:p>
@@ -655,7 +656,7 @@
           <a:p>
             <a:fld id="{AA309A6D-C09C-4548-B29A-6CF363A7E532}" type="datetimeFigureOut">
               <a:rPr lang="fr-FR" smtClean="0"/>
-              <a:t>15/06/2017</a:t>
+              <a:t>16/06/2017</a:t>
             </a:fld>
             <a:endParaRPr lang="fr-BE"/>
           </a:p>
@@ -820,7 +821,7 @@
           <a:p>
             <a:fld id="{AA309A6D-C09C-4548-B29A-6CF363A7E532}" type="datetimeFigureOut">
               <a:rPr lang="fr-FR" smtClean="0"/>
-              <a:t>15/06/2017</a:t>
+              <a:t>16/06/2017</a:t>
             </a:fld>
             <a:endParaRPr lang="fr-BE"/>
           </a:p>
@@ -1061,7 +1062,7 @@
           <a:p>
             <a:fld id="{AA309A6D-C09C-4548-B29A-6CF363A7E532}" type="datetimeFigureOut">
               <a:rPr lang="fr-FR" smtClean="0"/>
-              <a:t>15/06/2017</a:t>
+              <a:t>16/06/2017</a:t>
             </a:fld>
             <a:endParaRPr lang="fr-BE"/>
           </a:p>
@@ -1344,7 +1345,7 @@
           <a:p>
             <a:fld id="{AA309A6D-C09C-4548-B29A-6CF363A7E532}" type="datetimeFigureOut">
               <a:rPr lang="fr-FR" smtClean="0"/>
-              <a:t>15/06/2017</a:t>
+              <a:t>16/06/2017</a:t>
             </a:fld>
             <a:endParaRPr lang="fr-BE"/>
           </a:p>
@@ -1761,7 +1762,7 @@
           <a:p>
             <a:fld id="{AA309A6D-C09C-4548-B29A-6CF363A7E532}" type="datetimeFigureOut">
               <a:rPr lang="fr-FR" smtClean="0"/>
-              <a:t>15/06/2017</a:t>
+              <a:t>16/06/2017</a:t>
             </a:fld>
             <a:endParaRPr lang="fr-BE"/>
           </a:p>
@@ -1874,7 +1875,7 @@
           <a:p>
             <a:fld id="{AA309A6D-C09C-4548-B29A-6CF363A7E532}" type="datetimeFigureOut">
               <a:rPr lang="fr-FR" smtClean="0"/>
-              <a:t>15/06/2017</a:t>
+              <a:t>16/06/2017</a:t>
             </a:fld>
             <a:endParaRPr lang="fr-BE"/>
           </a:p>
@@ -1964,7 +1965,7 @@
           <a:p>
             <a:fld id="{AA309A6D-C09C-4548-B29A-6CF363A7E532}" type="datetimeFigureOut">
               <a:rPr lang="fr-FR" smtClean="0"/>
-              <a:t>15/06/2017</a:t>
+              <a:t>16/06/2017</a:t>
             </a:fld>
             <a:endParaRPr lang="fr-BE"/>
           </a:p>
@@ -2236,7 +2237,7 @@
           <a:p>
             <a:fld id="{AA309A6D-C09C-4548-B29A-6CF363A7E532}" type="datetimeFigureOut">
               <a:rPr lang="fr-FR" smtClean="0"/>
-              <a:t>15/06/2017</a:t>
+              <a:t>16/06/2017</a:t>
             </a:fld>
             <a:endParaRPr lang="fr-BE"/>
           </a:p>
@@ -2484,7 +2485,7 @@
           <a:p>
             <a:fld id="{AA309A6D-C09C-4548-B29A-6CF363A7E532}" type="datetimeFigureOut">
               <a:rPr lang="fr-FR" smtClean="0"/>
-              <a:t>15/06/2017</a:t>
+              <a:t>16/06/2017</a:t>
             </a:fld>
             <a:endParaRPr lang="fr-BE"/>
           </a:p>
@@ -2692,7 +2693,7 @@
           <a:p>
             <a:fld id="{AA309A6D-C09C-4548-B29A-6CF363A7E532}" type="datetimeFigureOut">
               <a:rPr lang="fr-FR" smtClean="0"/>
-              <a:t>15/06/2017</a:t>
+              <a:t>16/06/2017</a:t>
             </a:fld>
             <a:endParaRPr lang="fr-BE"/>
           </a:p>
@@ -5854,10 +5855,161 @@
           <a:chExt cx="0" cy="0"/>
         </a:xfrm>
       </p:grpSpPr>
+      <p:pic>
+        <p:nvPicPr>
+          <p:cNvPr id="2" name="Image 1"/>
+          <p:cNvPicPr>
+            <a:picLocks noChangeAspect="1"/>
+          </p:cNvPicPr>
+          <p:nvPr/>
+        </p:nvPicPr>
+        <p:blipFill rotWithShape="1">
+          <a:blip r:embed="rId2"/>
+          <a:srcRect l="4553" t="24565" r="1057" b="6195"/>
+          <a:stretch/>
+        </p:blipFill>
+        <p:spPr>
+          <a:xfrm>
+            <a:off x="179512" y="2072848"/>
+            <a:ext cx="6480720" cy="2940327"/>
+          </a:xfrm>
+          <a:prstGeom prst="rect">
+            <a:avLst/>
+          </a:prstGeom>
+        </p:spPr>
+      </p:pic>
+      <p:pic>
+        <p:nvPicPr>
+          <p:cNvPr id="4" name="Image 3"/>
+          <p:cNvPicPr>
+            <a:picLocks noChangeAspect="1"/>
+          </p:cNvPicPr>
+          <p:nvPr/>
+        </p:nvPicPr>
+        <p:blipFill>
+          <a:blip r:embed="rId3">
+            <a:extLst>
+              <a:ext uri="{28A0092B-C50C-407E-A947-70E740481C1C}">
+                <a14:useLocalDpi xmlns:a14="http://schemas.microsoft.com/office/drawing/2010/main" val="0"/>
+              </a:ext>
+            </a:extLst>
+          </a:blip>
+          <a:stretch>
+            <a:fillRect/>
+          </a:stretch>
+        </p:blipFill>
+        <p:spPr>
+          <a:xfrm>
+            <a:off x="5973790" y="836712"/>
+            <a:ext cx="2880000" cy="2036571"/>
+          </a:xfrm>
+          <a:prstGeom prst="rect">
+            <a:avLst/>
+          </a:prstGeom>
+        </p:spPr>
+      </p:pic>
+      <p:pic>
+        <p:nvPicPr>
+          <p:cNvPr id="6" name="Image 5"/>
+          <p:cNvPicPr>
+            <a:picLocks noChangeAspect="1"/>
+          </p:cNvPicPr>
+          <p:nvPr/>
+        </p:nvPicPr>
+        <p:blipFill>
+          <a:blip r:embed="rId4">
+            <a:extLst>
+              <a:ext uri="{28A0092B-C50C-407E-A947-70E740481C1C}">
+                <a14:useLocalDpi xmlns:a14="http://schemas.microsoft.com/office/drawing/2010/main" val="0"/>
+              </a:ext>
+            </a:extLst>
+          </a:blip>
+          <a:stretch>
+            <a:fillRect/>
+          </a:stretch>
+        </p:blipFill>
+        <p:spPr>
+          <a:xfrm>
+            <a:off x="5973790" y="2924943"/>
+            <a:ext cx="2880000" cy="2036572"/>
+          </a:xfrm>
+          <a:prstGeom prst="rect">
+            <a:avLst/>
+          </a:prstGeom>
+        </p:spPr>
+      </p:pic>
+      <p:sp>
+        <p:nvSpPr>
+          <p:cNvPr id="7" name="ZoneTexte 6"/>
+          <p:cNvSpPr txBox="1"/>
+          <p:nvPr/>
+        </p:nvSpPr>
+        <p:spPr>
+          <a:xfrm>
+            <a:off x="7197606" y="836712"/>
+            <a:ext cx="1656184" cy="369332"/>
+          </a:xfrm>
+          <a:prstGeom prst="rect">
+            <a:avLst/>
+          </a:prstGeom>
+          <a:noFill/>
+        </p:spPr>
+        <p:txBody>
+          <a:bodyPr wrap="square" rtlCol="0">
+            <a:spAutoFit/>
+          </a:bodyPr>
+          <a:lstStyle/>
+          <a:p>
+            <a:pPr algn="ctr"/>
+            <a:r>
+              <a:rPr lang="fr-FR" b="1" dirty="0"/>
+              <a:t>Courant (A)</a:t>
+            </a:r>
+          </a:p>
+        </p:txBody>
+      </p:sp>
+      <p:sp>
+        <p:nvSpPr>
+          <p:cNvPr id="8" name="ZoneTexte 7"/>
+          <p:cNvSpPr txBox="1"/>
+          <p:nvPr/>
+        </p:nvSpPr>
+        <p:spPr>
+          <a:xfrm>
+            <a:off x="7084862" y="4031027"/>
+            <a:ext cx="1768928" cy="646331"/>
+          </a:xfrm>
+          <a:prstGeom prst="rect">
+            <a:avLst/>
+          </a:prstGeom>
+          <a:noFill/>
+        </p:spPr>
+        <p:txBody>
+          <a:bodyPr wrap="square" rtlCol="0">
+            <a:spAutoFit/>
+          </a:bodyPr>
+          <a:lstStyle/>
+          <a:p>
+            <a:pPr algn="ctr"/>
+            <a:r>
+              <a:rPr lang="fr-FR" b="1" dirty="0"/>
+              <a:t>Fréquence de rotation (rad s</a:t>
+            </a:r>
+            <a:r>
+              <a:rPr lang="fr-FR" b="1" baseline="30000" dirty="0"/>
+              <a:t>-1</a:t>
+            </a:r>
+            <a:r>
+              <a:rPr lang="fr-FR" b="1" dirty="0"/>
+              <a:t>)</a:t>
+            </a:r>
+          </a:p>
+        </p:txBody>
+      </p:sp>
     </p:spTree>
     <p:extLst>
       <p:ext uri="{BB962C8B-B14F-4D97-AF65-F5344CB8AC3E}">
-        <p14:creationId xmlns:p14="http://schemas.microsoft.com/office/powerpoint/2010/main" val="485639388"/>
+        <p14:creationId xmlns:p14="http://schemas.microsoft.com/office/powerpoint/2010/main" val="3183704375"/>
       </p:ext>
     </p:extLst>
   </p:cSld>
@@ -5884,10 +6036,292 @@
           <a:chExt cx="0" cy="0"/>
         </a:xfrm>
       </p:grpSpPr>
+      <p:pic>
+        <p:nvPicPr>
+          <p:cNvPr id="2" name="Image 1"/>
+          <p:cNvPicPr>
+            <a:picLocks noChangeAspect="1"/>
+          </p:cNvPicPr>
+          <p:nvPr/>
+        </p:nvPicPr>
+        <p:blipFill>
+          <a:blip r:embed="rId2"/>
+          <a:stretch>
+            <a:fillRect/>
+          </a:stretch>
+        </p:blipFill>
+        <p:spPr>
+          <a:xfrm>
+            <a:off x="251520" y="1724026"/>
+            <a:ext cx="6480000" cy="2892569"/>
+          </a:xfrm>
+          <a:prstGeom prst="rect">
+            <a:avLst/>
+          </a:prstGeom>
+        </p:spPr>
+      </p:pic>
+      <p:pic>
+        <p:nvPicPr>
+          <p:cNvPr id="4" name="Image 3"/>
+          <p:cNvPicPr>
+            <a:picLocks noChangeAspect="1"/>
+          </p:cNvPicPr>
+          <p:nvPr/>
+        </p:nvPicPr>
+        <p:blipFill>
+          <a:blip r:embed="rId3">
+            <a:extLst>
+              <a:ext uri="{28A0092B-C50C-407E-A947-70E740481C1C}">
+                <a14:useLocalDpi xmlns:a14="http://schemas.microsoft.com/office/drawing/2010/main" val="0"/>
+              </a:ext>
+            </a:extLst>
+          </a:blip>
+          <a:stretch>
+            <a:fillRect/>
+          </a:stretch>
+        </p:blipFill>
+        <p:spPr>
+          <a:xfrm>
+            <a:off x="6084168" y="648801"/>
+            <a:ext cx="2880000" cy="2036572"/>
+          </a:xfrm>
+          <a:prstGeom prst="rect">
+            <a:avLst/>
+          </a:prstGeom>
+        </p:spPr>
+      </p:pic>
+      <p:pic>
+        <p:nvPicPr>
+          <p:cNvPr id="6" name="Image 5"/>
+          <p:cNvPicPr>
+            <a:picLocks noChangeAspect="1"/>
+          </p:cNvPicPr>
+          <p:nvPr/>
+        </p:nvPicPr>
+        <p:blipFill>
+          <a:blip r:embed="rId4">
+            <a:extLst>
+              <a:ext uri="{28A0092B-C50C-407E-A947-70E740481C1C}">
+                <a14:useLocalDpi xmlns:a14="http://schemas.microsoft.com/office/drawing/2010/main" val="0"/>
+              </a:ext>
+            </a:extLst>
+          </a:blip>
+          <a:stretch>
+            <a:fillRect/>
+          </a:stretch>
+        </p:blipFill>
+        <p:spPr>
+          <a:xfrm>
+            <a:off x="6104667" y="2632698"/>
+            <a:ext cx="2880000" cy="2036572"/>
+          </a:xfrm>
+          <a:prstGeom prst="rect">
+            <a:avLst/>
+          </a:prstGeom>
+        </p:spPr>
+      </p:pic>
+      <p:sp>
+        <p:nvSpPr>
+          <p:cNvPr id="7" name="Rectangle 6"/>
+          <p:cNvSpPr/>
+          <p:nvPr/>
+        </p:nvSpPr>
+        <p:spPr>
+          <a:xfrm>
+            <a:off x="6063668" y="726906"/>
+            <a:ext cx="956603" cy="1261933"/>
+          </a:xfrm>
+          <a:prstGeom prst="rect">
+            <a:avLst/>
+          </a:prstGeom>
+          <a:noFill/>
+          <a:ln w="28575">
+            <a:solidFill>
+              <a:srgbClr val="FF0000"/>
+            </a:solidFill>
+            <a:prstDash val="sysDash"/>
+          </a:ln>
+        </p:spPr>
+        <p:style>
+          <a:lnRef idx="2">
+            <a:schemeClr val="accent1">
+              <a:shade val="50000"/>
+            </a:schemeClr>
+          </a:lnRef>
+          <a:fillRef idx="1">
+            <a:schemeClr val="accent1"/>
+          </a:fillRef>
+          <a:effectRef idx="0">
+            <a:schemeClr val="accent1"/>
+          </a:effectRef>
+          <a:fontRef idx="minor">
+            <a:schemeClr val="lt1"/>
+          </a:fontRef>
+        </p:style>
+        <p:txBody>
+          <a:bodyPr rtlCol="0" anchor="ctr"/>
+          <a:lstStyle/>
+          <a:p>
+            <a:pPr algn="ctr"/>
+            <a:endParaRPr lang="fr-FR"/>
+          </a:p>
+        </p:txBody>
+      </p:sp>
+      <p:sp>
+        <p:nvSpPr>
+          <p:cNvPr id="8" name="Rectangle 7"/>
+          <p:cNvSpPr/>
+          <p:nvPr/>
+        </p:nvSpPr>
+        <p:spPr>
+          <a:xfrm>
+            <a:off x="6084168" y="3051526"/>
+            <a:ext cx="936103" cy="1261933"/>
+          </a:xfrm>
+          <a:prstGeom prst="rect">
+            <a:avLst/>
+          </a:prstGeom>
+          <a:noFill/>
+          <a:ln w="28575">
+            <a:solidFill>
+              <a:srgbClr val="FF0000"/>
+            </a:solidFill>
+            <a:prstDash val="sysDash"/>
+          </a:ln>
+        </p:spPr>
+        <p:style>
+          <a:lnRef idx="2">
+            <a:schemeClr val="accent1">
+              <a:shade val="50000"/>
+            </a:schemeClr>
+          </a:lnRef>
+          <a:fillRef idx="1">
+            <a:schemeClr val="accent1"/>
+          </a:fillRef>
+          <a:effectRef idx="0">
+            <a:schemeClr val="accent1"/>
+          </a:effectRef>
+          <a:fontRef idx="minor">
+            <a:schemeClr val="lt1"/>
+          </a:fontRef>
+        </p:style>
+        <p:txBody>
+          <a:bodyPr rtlCol="0" anchor="ctr"/>
+          <a:lstStyle/>
+          <a:p>
+            <a:pPr algn="ctr"/>
+            <a:endParaRPr lang="fr-FR"/>
+          </a:p>
+        </p:txBody>
+      </p:sp>
+      <p:sp>
+        <p:nvSpPr>
+          <p:cNvPr id="9" name="Flèche : bas 8"/>
+          <p:cNvSpPr/>
+          <p:nvPr/>
+        </p:nvSpPr>
+        <p:spPr>
+          <a:xfrm>
+            <a:off x="6372200" y="2148999"/>
+            <a:ext cx="359320" cy="643859"/>
+          </a:xfrm>
+          <a:prstGeom prst="downArrow">
+            <a:avLst/>
+          </a:prstGeom>
+          <a:noFill/>
+          <a:ln>
+            <a:solidFill>
+              <a:srgbClr val="FF0000"/>
+            </a:solidFill>
+          </a:ln>
+        </p:spPr>
+        <p:style>
+          <a:lnRef idx="2">
+            <a:schemeClr val="accent1">
+              <a:shade val="50000"/>
+            </a:schemeClr>
+          </a:lnRef>
+          <a:fillRef idx="1">
+            <a:schemeClr val="accent1"/>
+          </a:fillRef>
+          <a:effectRef idx="0">
+            <a:schemeClr val="accent1"/>
+          </a:effectRef>
+          <a:fontRef idx="minor">
+            <a:schemeClr val="lt1"/>
+          </a:fontRef>
+        </p:style>
+        <p:txBody>
+          <a:bodyPr rtlCol="0" anchor="ctr"/>
+          <a:lstStyle/>
+          <a:p>
+            <a:pPr algn="ctr"/>
+            <a:endParaRPr lang="fr-FR"/>
+          </a:p>
+        </p:txBody>
+      </p:sp>
+      <p:sp>
+        <p:nvSpPr>
+          <p:cNvPr id="10" name="ZoneTexte 9"/>
+          <p:cNvSpPr txBox="1"/>
+          <p:nvPr/>
+        </p:nvSpPr>
+        <p:spPr>
+          <a:xfrm>
+            <a:off x="7040771" y="1123969"/>
+            <a:ext cx="1923397" cy="646331"/>
+          </a:xfrm>
+          <a:prstGeom prst="rect">
+            <a:avLst/>
+          </a:prstGeom>
+          <a:noFill/>
+        </p:spPr>
+        <p:txBody>
+          <a:bodyPr wrap="square" rtlCol="0">
+            <a:spAutoFit/>
+          </a:bodyPr>
+          <a:lstStyle/>
+          <a:p>
+            <a:r>
+              <a:rPr lang="fr-FR" dirty="0"/>
+              <a:t>Saturation en courant</a:t>
+            </a:r>
+          </a:p>
+        </p:txBody>
+      </p:sp>
+      <p:sp>
+        <p:nvSpPr>
+          <p:cNvPr id="11" name="ZoneTexte 10"/>
+          <p:cNvSpPr txBox="1"/>
+          <p:nvPr/>
+        </p:nvSpPr>
+        <p:spPr>
+          <a:xfrm>
+            <a:off x="7053436" y="2245468"/>
+            <a:ext cx="1882719" cy="1200329"/>
+          </a:xfrm>
+          <a:prstGeom prst="rect">
+            <a:avLst/>
+          </a:prstGeom>
+          <a:noFill/>
+        </p:spPr>
+        <p:txBody>
+          <a:bodyPr wrap="square" rtlCol="0">
+            <a:spAutoFit/>
+          </a:bodyPr>
+          <a:lstStyle/>
+          <a:p>
+            <a:r>
+              <a:rPr lang="fr-FR" dirty="0"/>
+              <a:t>Influence sur la vitesse du moteur (accélération moins forte)</a:t>
+            </a:r>
+          </a:p>
+        </p:txBody>
+      </p:sp>
     </p:spTree>
     <p:extLst>
       <p:ext uri="{BB962C8B-B14F-4D97-AF65-F5344CB8AC3E}">
-        <p14:creationId xmlns:p14="http://schemas.microsoft.com/office/powerpoint/2010/main" val="519818362"/>
+        <p14:creationId xmlns:p14="http://schemas.microsoft.com/office/powerpoint/2010/main" val="463819712"/>
       </p:ext>
     </p:extLst>
   </p:cSld>
@@ -5916,37 +6350,14 @@
       </p:grpSpPr>
       <p:pic>
         <p:nvPicPr>
-          <p:cNvPr id="2" name="Image 1"/>
+          <p:cNvPr id="3" name="Image 2"/>
           <p:cNvPicPr>
             <a:picLocks noChangeAspect="1"/>
           </p:cNvPicPr>
           <p:nvPr/>
         </p:nvPicPr>
-        <p:blipFill rotWithShape="1">
-          <a:blip r:embed="rId2"/>
-          <a:srcRect l="4553" t="24565" r="1057" b="6195"/>
-          <a:stretch/>
-        </p:blipFill>
-        <p:spPr>
-          <a:xfrm>
-            <a:off x="179512" y="2072848"/>
-            <a:ext cx="6480720" cy="2940327"/>
-          </a:xfrm>
-          <a:prstGeom prst="rect">
-            <a:avLst/>
-          </a:prstGeom>
-        </p:spPr>
-      </p:pic>
-      <p:pic>
-        <p:nvPicPr>
-          <p:cNvPr id="4" name="Image 3"/>
-          <p:cNvPicPr>
-            <a:picLocks noChangeAspect="1"/>
-          </p:cNvPicPr>
-          <p:nvPr/>
-        </p:nvPicPr>
         <p:blipFill>
-          <a:blip r:embed="rId3">
+          <a:blip r:embed="rId2" cstate="print">
             <a:extLst>
               <a:ext uri="{28A0092B-C50C-407E-A947-70E740481C1C}">
                 <a14:useLocalDpi xmlns:a14="http://schemas.microsoft.com/office/drawing/2010/main" val="0"/>
@@ -5959,8 +6370,8 @@
         </p:blipFill>
         <p:spPr>
           <a:xfrm>
-            <a:off x="5973790" y="836712"/>
-            <a:ext cx="2880000" cy="2036571"/>
+            <a:off x="0" y="3429001"/>
+            <a:ext cx="4320000" cy="2105727"/>
           </a:xfrm>
           <a:prstGeom prst="rect">
             <a:avLst/>
@@ -5969,14 +6380,14 @@
       </p:pic>
       <p:pic>
         <p:nvPicPr>
-          <p:cNvPr id="6" name="Image 5"/>
+          <p:cNvPr id="5" name="Image 4"/>
           <p:cNvPicPr>
             <a:picLocks noChangeAspect="1"/>
           </p:cNvPicPr>
           <p:nvPr/>
         </p:nvPicPr>
         <p:blipFill>
-          <a:blip r:embed="rId4">
+          <a:blip r:embed="rId3" cstate="print">
             <a:extLst>
               <a:ext uri="{28A0092B-C50C-407E-A947-70E740481C1C}">
                 <a14:useLocalDpi xmlns:a14="http://schemas.microsoft.com/office/drawing/2010/main" val="0"/>
@@ -5989,24 +6400,250 @@
         </p:blipFill>
         <p:spPr>
           <a:xfrm>
-            <a:off x="5973790" y="2924943"/>
-            <a:ext cx="2880000" cy="2036572"/>
+            <a:off x="4320000" y="3429000"/>
+            <a:ext cx="4320000" cy="2105727"/>
           </a:xfrm>
           <a:prstGeom prst="rect">
             <a:avLst/>
           </a:prstGeom>
         </p:spPr>
       </p:pic>
-      <p:sp>
-        <p:nvSpPr>
-          <p:cNvPr id="7" name="ZoneTexte 6"/>
+      <p:cxnSp>
+        <p:nvCxnSpPr>
+          <p:cNvPr id="7" name="Connecteur droit 6"/>
+          <p:cNvCxnSpPr>
+            <a:cxnSpLocks/>
+          </p:cNvCxnSpPr>
+          <p:nvPr/>
+        </p:nvCxnSpPr>
+        <p:spPr>
+          <a:xfrm>
+            <a:off x="5652120" y="4005064"/>
+            <a:ext cx="0" cy="216024"/>
+          </a:xfrm>
+          <a:prstGeom prst="line">
+            <a:avLst/>
+          </a:prstGeom>
+          <a:ln>
+            <a:solidFill>
+              <a:srgbClr val="7030A0"/>
+            </a:solidFill>
+          </a:ln>
+        </p:spPr>
+        <p:style>
+          <a:lnRef idx="1">
+            <a:schemeClr val="accent1"/>
+          </a:lnRef>
+          <a:fillRef idx="0">
+            <a:schemeClr val="accent1"/>
+          </a:fillRef>
+          <a:effectRef idx="0">
+            <a:schemeClr val="accent1"/>
+          </a:effectRef>
+          <a:fontRef idx="minor">
+            <a:schemeClr val="tx1"/>
+          </a:fontRef>
+        </p:style>
+      </p:cxnSp>
+      <p:cxnSp>
+        <p:nvCxnSpPr>
+          <p:cNvPr id="8" name="Connecteur droit 7"/>
+          <p:cNvCxnSpPr>
+            <a:cxnSpLocks/>
+          </p:cNvCxnSpPr>
+          <p:nvPr/>
+        </p:nvCxnSpPr>
+        <p:spPr>
+          <a:xfrm>
+            <a:off x="6876256" y="4005064"/>
+            <a:ext cx="0" cy="792088"/>
+          </a:xfrm>
+          <a:prstGeom prst="line">
+            <a:avLst/>
+          </a:prstGeom>
+          <a:ln>
+            <a:solidFill>
+              <a:srgbClr val="7030A0"/>
+            </a:solidFill>
+          </a:ln>
+        </p:spPr>
+        <p:style>
+          <a:lnRef idx="1">
+            <a:schemeClr val="accent1"/>
+          </a:lnRef>
+          <a:fillRef idx="0">
+            <a:schemeClr val="accent1"/>
+          </a:fillRef>
+          <a:effectRef idx="0">
+            <a:schemeClr val="accent1"/>
+          </a:effectRef>
+          <a:fontRef idx="minor">
+            <a:schemeClr val="tx1"/>
+          </a:fontRef>
+        </p:style>
+      </p:cxnSp>
+      <p:cxnSp>
+        <p:nvCxnSpPr>
+          <p:cNvPr id="9" name="Connecteur droit 8"/>
+          <p:cNvCxnSpPr>
+            <a:cxnSpLocks/>
+          </p:cNvCxnSpPr>
+          <p:nvPr/>
+        </p:nvCxnSpPr>
+        <p:spPr>
+          <a:xfrm>
+            <a:off x="4644008" y="4149080"/>
+            <a:ext cx="0" cy="504056"/>
+          </a:xfrm>
+          <a:prstGeom prst="line">
+            <a:avLst/>
+          </a:prstGeom>
+          <a:ln>
+            <a:solidFill>
+              <a:srgbClr val="7030A0"/>
+            </a:solidFill>
+            <a:headEnd type="stealth" w="sm" len="med"/>
+            <a:tailEnd type="stealth" w="sm" len="med"/>
+          </a:ln>
+        </p:spPr>
+        <p:style>
+          <a:lnRef idx="1">
+            <a:schemeClr val="accent1"/>
+          </a:lnRef>
+          <a:fillRef idx="0">
+            <a:schemeClr val="accent1"/>
+          </a:fillRef>
+          <a:effectRef idx="0">
+            <a:schemeClr val="accent1"/>
+          </a:effectRef>
+          <a:fontRef idx="minor">
+            <a:schemeClr val="tx1"/>
+          </a:fontRef>
+        </p:style>
+      </p:cxnSp>
+      <p:cxnSp>
+        <p:nvCxnSpPr>
+          <p:cNvPr id="13" name="Connecteur droit 12"/>
+          <p:cNvCxnSpPr>
+            <a:cxnSpLocks/>
+          </p:cNvCxnSpPr>
+          <p:nvPr/>
+        </p:nvCxnSpPr>
+        <p:spPr>
+          <a:xfrm flipH="1">
+            <a:off x="4427985" y="4149080"/>
+            <a:ext cx="1224135" cy="0"/>
+          </a:xfrm>
+          <a:prstGeom prst="line">
+            <a:avLst/>
+          </a:prstGeom>
+          <a:ln>
+            <a:solidFill>
+              <a:srgbClr val="7030A0"/>
+            </a:solidFill>
+          </a:ln>
+        </p:spPr>
+        <p:style>
+          <a:lnRef idx="1">
+            <a:schemeClr val="accent1"/>
+          </a:lnRef>
+          <a:fillRef idx="0">
+            <a:schemeClr val="accent1"/>
+          </a:fillRef>
+          <a:effectRef idx="0">
+            <a:schemeClr val="accent1"/>
+          </a:effectRef>
+          <a:fontRef idx="minor">
+            <a:schemeClr val="tx1"/>
+          </a:fontRef>
+        </p:style>
+      </p:cxnSp>
+      <p:cxnSp>
+        <p:nvCxnSpPr>
+          <p:cNvPr id="16" name="Connecteur droit 15"/>
+          <p:cNvCxnSpPr>
+            <a:cxnSpLocks/>
+          </p:cNvCxnSpPr>
+          <p:nvPr/>
+        </p:nvCxnSpPr>
+        <p:spPr>
+          <a:xfrm flipH="1">
+            <a:off x="4427985" y="4653136"/>
+            <a:ext cx="2448271" cy="0"/>
+          </a:xfrm>
+          <a:prstGeom prst="line">
+            <a:avLst/>
+          </a:prstGeom>
+          <a:ln>
+            <a:solidFill>
+              <a:srgbClr val="7030A0"/>
+            </a:solidFill>
+          </a:ln>
+        </p:spPr>
+        <p:style>
+          <a:lnRef idx="1">
+            <a:schemeClr val="accent1"/>
+          </a:lnRef>
+          <a:fillRef idx="0">
+            <a:schemeClr val="accent1"/>
+          </a:fillRef>
+          <a:effectRef idx="0">
+            <a:schemeClr val="accent1"/>
+          </a:effectRef>
+          <a:fontRef idx="minor">
+            <a:schemeClr val="tx1"/>
+          </a:fontRef>
+        </p:style>
+      </p:cxnSp>
+      <p:cxnSp>
+        <p:nvCxnSpPr>
+          <p:cNvPr id="21" name="Connecteur droit 20"/>
+          <p:cNvCxnSpPr>
+            <a:cxnSpLocks/>
+          </p:cNvCxnSpPr>
+          <p:nvPr/>
+        </p:nvCxnSpPr>
+        <p:spPr>
+          <a:xfrm>
+            <a:off x="5652120" y="4068489"/>
+            <a:ext cx="1224136" cy="0"/>
+          </a:xfrm>
+          <a:prstGeom prst="line">
+            <a:avLst/>
+          </a:prstGeom>
+          <a:ln>
+            <a:solidFill>
+              <a:srgbClr val="7030A0"/>
+            </a:solidFill>
+            <a:headEnd type="stealth" w="sm" len="med"/>
+            <a:tailEnd type="stealth" w="sm" len="med"/>
+          </a:ln>
+        </p:spPr>
+        <p:style>
+          <a:lnRef idx="1">
+            <a:schemeClr val="accent1"/>
+          </a:lnRef>
+          <a:fillRef idx="0">
+            <a:schemeClr val="accent1"/>
+          </a:fillRef>
+          <a:effectRef idx="0">
+            <a:schemeClr val="accent1"/>
+          </a:effectRef>
+          <a:fontRef idx="minor">
+            <a:schemeClr val="tx1"/>
+          </a:fontRef>
+        </p:style>
+      </p:cxnSp>
+      <p:sp>
+        <p:nvSpPr>
+          <p:cNvPr id="24" name="ZoneTexte 23"/>
           <p:cNvSpPr txBox="1"/>
           <p:nvPr/>
         </p:nvSpPr>
         <p:spPr>
           <a:xfrm>
-            <a:off x="7197606" y="836712"/>
-            <a:ext cx="1656184" cy="369332"/>
+            <a:off x="4512755" y="4683169"/>
+            <a:ext cx="2196244" cy="276999"/>
           </a:xfrm>
           <a:prstGeom prst="rect">
             <a:avLst/>
@@ -6019,48 +6656,13 @@
           </a:bodyPr>
           <a:lstStyle/>
           <a:p>
-            <a:pPr algn="ctr"/>
-            <a:r>
-              <a:rPr lang="fr-FR" b="1" dirty="0"/>
-              <a:t>Courant (A)</a:t>
-            </a:r>
-          </a:p>
-        </p:txBody>
-      </p:sp>
-      <p:sp>
-        <p:nvSpPr>
-          <p:cNvPr id="8" name="ZoneTexte 7"/>
-          <p:cNvSpPr txBox="1"/>
-          <p:nvPr/>
-        </p:nvSpPr>
-        <p:spPr>
-          <a:xfrm>
-            <a:off x="7084862" y="4031027"/>
-            <a:ext cx="1768928" cy="646331"/>
-          </a:xfrm>
-          <a:prstGeom prst="rect">
-            <a:avLst/>
-          </a:prstGeom>
-          <a:noFill/>
-        </p:spPr>
-        <p:txBody>
-          <a:bodyPr wrap="square" rtlCol="0">
-            <a:spAutoFit/>
-          </a:bodyPr>
-          <a:lstStyle/>
-          <a:p>
-            <a:pPr algn="ctr"/>
-            <a:r>
-              <a:rPr lang="fr-FR" b="1" dirty="0"/>
-              <a:t>Fréquence de rotation (rad s</a:t>
-            </a:r>
-            <a:r>
-              <a:rPr lang="fr-FR" b="1" baseline="30000" dirty="0"/>
-              <a:t>-1</a:t>
-            </a:r>
-            <a:r>
-              <a:rPr lang="fr-FR" b="1" dirty="0"/>
-              <a:t>)</a:t>
+            <a:r>
+              <a:rPr lang="fr-FR" sz="1200" b="1" dirty="0">
+                <a:solidFill>
+                  <a:srgbClr val="FF0000"/>
+                </a:solidFill>
+              </a:rPr>
+              <a:t>Linéarisation entre -35° et -60°.</a:t>
             </a:r>
           </a:p>
         </p:txBody>
@@ -6068,7 +6670,7 @@
     </p:spTree>
     <p:extLst>
       <p:ext uri="{BB962C8B-B14F-4D97-AF65-F5344CB8AC3E}">
-        <p14:creationId xmlns:p14="http://schemas.microsoft.com/office/powerpoint/2010/main" val="3183704375"/>
+        <p14:creationId xmlns:p14="http://schemas.microsoft.com/office/powerpoint/2010/main" val="485639388"/>
       </p:ext>
     </p:extLst>
   </p:cSld>
@@ -6095,292 +6697,40 @@
           <a:chExt cx="0" cy="0"/>
         </a:xfrm>
       </p:grpSpPr>
-      <p:pic>
-        <p:nvPicPr>
-          <p:cNvPr id="2" name="Image 1"/>
-          <p:cNvPicPr>
-            <a:picLocks noChangeAspect="1"/>
-          </p:cNvPicPr>
-          <p:nvPr/>
-        </p:nvPicPr>
-        <p:blipFill>
-          <a:blip r:embed="rId2"/>
-          <a:stretch>
-            <a:fillRect/>
-          </a:stretch>
-        </p:blipFill>
-        <p:spPr>
-          <a:xfrm>
-            <a:off x="251520" y="1724026"/>
-            <a:ext cx="6480000" cy="2892569"/>
-          </a:xfrm>
-          <a:prstGeom prst="rect">
-            <a:avLst/>
-          </a:prstGeom>
-        </p:spPr>
-      </p:pic>
-      <p:pic>
-        <p:nvPicPr>
-          <p:cNvPr id="4" name="Image 3"/>
-          <p:cNvPicPr>
-            <a:picLocks noChangeAspect="1"/>
-          </p:cNvPicPr>
-          <p:nvPr/>
-        </p:nvPicPr>
-        <p:blipFill>
-          <a:blip r:embed="rId3">
-            <a:extLst>
-              <a:ext uri="{28A0092B-C50C-407E-A947-70E740481C1C}">
-                <a14:useLocalDpi xmlns:a14="http://schemas.microsoft.com/office/drawing/2010/main" val="0"/>
-              </a:ext>
-            </a:extLst>
-          </a:blip>
-          <a:stretch>
-            <a:fillRect/>
-          </a:stretch>
-        </p:blipFill>
-        <p:spPr>
-          <a:xfrm>
-            <a:off x="6084168" y="648801"/>
-            <a:ext cx="2880000" cy="2036572"/>
-          </a:xfrm>
-          <a:prstGeom prst="rect">
-            <a:avLst/>
-          </a:prstGeom>
-        </p:spPr>
-      </p:pic>
-      <p:pic>
-        <p:nvPicPr>
-          <p:cNvPr id="6" name="Image 5"/>
-          <p:cNvPicPr>
-            <a:picLocks noChangeAspect="1"/>
-          </p:cNvPicPr>
-          <p:nvPr/>
-        </p:nvPicPr>
-        <p:blipFill>
-          <a:blip r:embed="rId4">
-            <a:extLst>
-              <a:ext uri="{28A0092B-C50C-407E-A947-70E740481C1C}">
-                <a14:useLocalDpi xmlns:a14="http://schemas.microsoft.com/office/drawing/2010/main" val="0"/>
-              </a:ext>
-            </a:extLst>
-          </a:blip>
-          <a:stretch>
-            <a:fillRect/>
-          </a:stretch>
-        </p:blipFill>
-        <p:spPr>
-          <a:xfrm>
-            <a:off x="6104667" y="2632698"/>
-            <a:ext cx="2880000" cy="2036572"/>
-          </a:xfrm>
-          <a:prstGeom prst="rect">
-            <a:avLst/>
-          </a:prstGeom>
-        </p:spPr>
-      </p:pic>
-      <p:sp>
-        <p:nvSpPr>
-          <p:cNvPr id="7" name="Rectangle 6"/>
-          <p:cNvSpPr/>
-          <p:nvPr/>
-        </p:nvSpPr>
-        <p:spPr>
-          <a:xfrm>
-            <a:off x="6063668" y="726906"/>
-            <a:ext cx="956603" cy="1261933"/>
-          </a:xfrm>
-          <a:prstGeom prst="rect">
-            <a:avLst/>
-          </a:prstGeom>
-          <a:noFill/>
-          <a:ln w="28575">
-            <a:solidFill>
-              <a:srgbClr val="FF0000"/>
-            </a:solidFill>
-            <a:prstDash val="sysDash"/>
-          </a:ln>
-        </p:spPr>
-        <p:style>
-          <a:lnRef idx="2">
-            <a:schemeClr val="accent1">
-              <a:shade val="50000"/>
-            </a:schemeClr>
-          </a:lnRef>
-          <a:fillRef idx="1">
-            <a:schemeClr val="accent1"/>
-          </a:fillRef>
-          <a:effectRef idx="0">
-            <a:schemeClr val="accent1"/>
-          </a:effectRef>
-          <a:fontRef idx="minor">
-            <a:schemeClr val="lt1"/>
-          </a:fontRef>
-        </p:style>
-        <p:txBody>
-          <a:bodyPr rtlCol="0" anchor="ctr"/>
-          <a:lstStyle/>
-          <a:p>
-            <a:pPr algn="ctr"/>
-            <a:endParaRPr lang="fr-FR"/>
-          </a:p>
-        </p:txBody>
-      </p:sp>
-      <p:sp>
-        <p:nvSpPr>
-          <p:cNvPr id="8" name="Rectangle 7"/>
-          <p:cNvSpPr/>
-          <p:nvPr/>
-        </p:nvSpPr>
-        <p:spPr>
-          <a:xfrm>
-            <a:off x="6084168" y="3051526"/>
-            <a:ext cx="936103" cy="1261933"/>
-          </a:xfrm>
-          <a:prstGeom prst="rect">
-            <a:avLst/>
-          </a:prstGeom>
-          <a:noFill/>
-          <a:ln w="28575">
-            <a:solidFill>
-              <a:srgbClr val="FF0000"/>
-            </a:solidFill>
-            <a:prstDash val="sysDash"/>
-          </a:ln>
-        </p:spPr>
-        <p:style>
-          <a:lnRef idx="2">
-            <a:schemeClr val="accent1">
-              <a:shade val="50000"/>
-            </a:schemeClr>
-          </a:lnRef>
-          <a:fillRef idx="1">
-            <a:schemeClr val="accent1"/>
-          </a:fillRef>
-          <a:effectRef idx="0">
-            <a:schemeClr val="accent1"/>
-          </a:effectRef>
-          <a:fontRef idx="minor">
-            <a:schemeClr val="lt1"/>
-          </a:fontRef>
-        </p:style>
-        <p:txBody>
-          <a:bodyPr rtlCol="0" anchor="ctr"/>
-          <a:lstStyle/>
-          <a:p>
-            <a:pPr algn="ctr"/>
-            <a:endParaRPr lang="fr-FR"/>
-          </a:p>
-        </p:txBody>
-      </p:sp>
-      <p:sp>
-        <p:nvSpPr>
-          <p:cNvPr id="9" name="Flèche : bas 8"/>
-          <p:cNvSpPr/>
-          <p:nvPr/>
-        </p:nvSpPr>
-        <p:spPr>
-          <a:xfrm>
-            <a:off x="6372200" y="2148999"/>
-            <a:ext cx="359320" cy="643859"/>
-          </a:xfrm>
-          <a:prstGeom prst="downArrow">
-            <a:avLst/>
-          </a:prstGeom>
-          <a:noFill/>
-          <a:ln>
-            <a:solidFill>
-              <a:srgbClr val="FF0000"/>
-            </a:solidFill>
-          </a:ln>
-        </p:spPr>
-        <p:style>
-          <a:lnRef idx="2">
-            <a:schemeClr val="accent1">
-              <a:shade val="50000"/>
-            </a:schemeClr>
-          </a:lnRef>
-          <a:fillRef idx="1">
-            <a:schemeClr val="accent1"/>
-          </a:fillRef>
-          <a:effectRef idx="0">
-            <a:schemeClr val="accent1"/>
-          </a:effectRef>
-          <a:fontRef idx="minor">
-            <a:schemeClr val="lt1"/>
-          </a:fontRef>
-        </p:style>
-        <p:txBody>
-          <a:bodyPr rtlCol="0" anchor="ctr"/>
-          <a:lstStyle/>
-          <a:p>
-            <a:pPr algn="ctr"/>
-            <a:endParaRPr lang="fr-FR"/>
-          </a:p>
-        </p:txBody>
-      </p:sp>
-      <p:sp>
-        <p:nvSpPr>
-          <p:cNvPr id="10" name="ZoneTexte 9"/>
-          <p:cNvSpPr txBox="1"/>
-          <p:nvPr/>
-        </p:nvSpPr>
-        <p:spPr>
-          <a:xfrm>
-            <a:off x="7040771" y="1123969"/>
-            <a:ext cx="1923397" cy="646331"/>
-          </a:xfrm>
-          <a:prstGeom prst="rect">
-            <a:avLst/>
-          </a:prstGeom>
-          <a:noFill/>
-        </p:spPr>
-        <p:txBody>
-          <a:bodyPr wrap="square" rtlCol="0">
-            <a:spAutoFit/>
-          </a:bodyPr>
-          <a:lstStyle/>
-          <a:p>
-            <a:r>
-              <a:rPr lang="fr-FR" dirty="0"/>
-              <a:t>Saturation en courant</a:t>
-            </a:r>
-          </a:p>
-        </p:txBody>
-      </p:sp>
-      <p:sp>
-        <p:nvSpPr>
-          <p:cNvPr id="11" name="ZoneTexte 10"/>
-          <p:cNvSpPr txBox="1"/>
-          <p:nvPr/>
-        </p:nvSpPr>
-        <p:spPr>
-          <a:xfrm>
-            <a:off x="7053436" y="2245468"/>
-            <a:ext cx="1882719" cy="1200329"/>
-          </a:xfrm>
-          <a:prstGeom prst="rect">
-            <a:avLst/>
-          </a:prstGeom>
-          <a:noFill/>
-        </p:spPr>
-        <p:txBody>
-          <a:bodyPr wrap="square" rtlCol="0">
-            <a:spAutoFit/>
-          </a:bodyPr>
-          <a:lstStyle/>
-          <a:p>
-            <a:r>
-              <a:rPr lang="fr-FR" dirty="0"/>
-              <a:t>Influence sur la vitesse du moteur (accélération moins forte)</a:t>
-            </a:r>
-          </a:p>
-        </p:txBody>
-      </p:sp>
     </p:spTree>
     <p:extLst>
       <p:ext uri="{BB962C8B-B14F-4D97-AF65-F5344CB8AC3E}">
-        <p14:creationId xmlns:p14="http://schemas.microsoft.com/office/powerpoint/2010/main" val="463819712"/>
+        <p14:creationId xmlns:p14="http://schemas.microsoft.com/office/powerpoint/2010/main" val="963655669"/>
+      </p:ext>
+    </p:extLst>
+  </p:cSld>
+  <p:clrMapOvr>
+    <a:masterClrMapping/>
+  </p:clrMapOvr>
+</p:sld>
+</file>
+
+<file path=ppt/slides/slide9.xml><?xml version="1.0" encoding="utf-8"?>
+<p:sld xmlns:a="http://schemas.openxmlformats.org/drawingml/2006/main" xmlns:r="http://schemas.openxmlformats.org/officeDocument/2006/relationships" xmlns:p="http://schemas.openxmlformats.org/presentationml/2006/main">
+  <p:cSld>
+    <p:spTree>
+      <p:nvGrpSpPr>
+        <p:cNvPr id="1" name=""/>
+        <p:cNvGrpSpPr/>
+        <p:nvPr/>
+      </p:nvGrpSpPr>
+      <p:grpSpPr>
+        <a:xfrm>
+          <a:off x="0" y="0"/>
+          <a:ext cx="0" cy="0"/>
+          <a:chOff x="0" y="0"/>
+          <a:chExt cx="0" cy="0"/>
+        </a:xfrm>
+      </p:grpSpPr>
+    </p:spTree>
+    <p:extLst>
+      <p:ext uri="{BB962C8B-B14F-4D97-AF65-F5344CB8AC3E}">
+        <p14:creationId xmlns:p14="http://schemas.microsoft.com/office/powerpoint/2010/main" val="519818362"/>
       </p:ext>
     </p:extLst>
   </p:cSld>

--- a/Cours/01_Modelisation_Multiphysique/images/Figures.pptx
+++ b/Cours/01_Modelisation_Multiphysique/images/Figures.pptx
@@ -6,14 +6,15 @@
   </p:sldMasterIdLst>
   <p:sldIdLst>
     <p:sldId id="256" r:id="rId2"/>
-    <p:sldId id="257" r:id="rId3"/>
-    <p:sldId id="258" r:id="rId4"/>
-    <p:sldId id="259" r:id="rId5"/>
-    <p:sldId id="262" r:id="rId6"/>
-    <p:sldId id="260" r:id="rId7"/>
-    <p:sldId id="261" r:id="rId8"/>
-    <p:sldId id="264" r:id="rId9"/>
-    <p:sldId id="263" r:id="rId10"/>
+    <p:sldId id="265" r:id="rId3"/>
+    <p:sldId id="257" r:id="rId4"/>
+    <p:sldId id="258" r:id="rId5"/>
+    <p:sldId id="259" r:id="rId6"/>
+    <p:sldId id="262" r:id="rId7"/>
+    <p:sldId id="260" r:id="rId8"/>
+    <p:sldId id="261" r:id="rId9"/>
+    <p:sldId id="264" r:id="rId10"/>
+    <p:sldId id="263" r:id="rId11"/>
   </p:sldIdLst>
   <p:sldSz cx="9144000" cy="6858000" type="screen4x3"/>
   <p:notesSz cx="6858000" cy="9144000"/>
@@ -316,7 +317,7 @@
           <a:p>
             <a:fld id="{AA309A6D-C09C-4548-B29A-6CF363A7E532}" type="datetimeFigureOut">
               <a:rPr lang="fr-FR" smtClean="0"/>
-              <a:t>16/06/2017</a:t>
+              <a:t>26/06/2017</a:t>
             </a:fld>
             <a:endParaRPr lang="fr-BE"/>
           </a:p>
@@ -481,7 +482,7 @@
           <a:p>
             <a:fld id="{AA309A6D-C09C-4548-B29A-6CF363A7E532}" type="datetimeFigureOut">
               <a:rPr lang="fr-FR" smtClean="0"/>
-              <a:t>16/06/2017</a:t>
+              <a:t>26/06/2017</a:t>
             </a:fld>
             <a:endParaRPr lang="fr-BE"/>
           </a:p>
@@ -656,7 +657,7 @@
           <a:p>
             <a:fld id="{AA309A6D-C09C-4548-B29A-6CF363A7E532}" type="datetimeFigureOut">
               <a:rPr lang="fr-FR" smtClean="0"/>
-              <a:t>16/06/2017</a:t>
+              <a:t>26/06/2017</a:t>
             </a:fld>
             <a:endParaRPr lang="fr-BE"/>
           </a:p>
@@ -821,7 +822,7 @@
           <a:p>
             <a:fld id="{AA309A6D-C09C-4548-B29A-6CF363A7E532}" type="datetimeFigureOut">
               <a:rPr lang="fr-FR" smtClean="0"/>
-              <a:t>16/06/2017</a:t>
+              <a:t>26/06/2017</a:t>
             </a:fld>
             <a:endParaRPr lang="fr-BE"/>
           </a:p>
@@ -1062,7 +1063,7 @@
           <a:p>
             <a:fld id="{AA309A6D-C09C-4548-B29A-6CF363A7E532}" type="datetimeFigureOut">
               <a:rPr lang="fr-FR" smtClean="0"/>
-              <a:t>16/06/2017</a:t>
+              <a:t>26/06/2017</a:t>
             </a:fld>
             <a:endParaRPr lang="fr-BE"/>
           </a:p>
@@ -1345,7 +1346,7 @@
           <a:p>
             <a:fld id="{AA309A6D-C09C-4548-B29A-6CF363A7E532}" type="datetimeFigureOut">
               <a:rPr lang="fr-FR" smtClean="0"/>
-              <a:t>16/06/2017</a:t>
+              <a:t>26/06/2017</a:t>
             </a:fld>
             <a:endParaRPr lang="fr-BE"/>
           </a:p>
@@ -1762,7 +1763,7 @@
           <a:p>
             <a:fld id="{AA309A6D-C09C-4548-B29A-6CF363A7E532}" type="datetimeFigureOut">
               <a:rPr lang="fr-FR" smtClean="0"/>
-              <a:t>16/06/2017</a:t>
+              <a:t>26/06/2017</a:t>
             </a:fld>
             <a:endParaRPr lang="fr-BE"/>
           </a:p>
@@ -1875,7 +1876,7 @@
           <a:p>
             <a:fld id="{AA309A6D-C09C-4548-B29A-6CF363A7E532}" type="datetimeFigureOut">
               <a:rPr lang="fr-FR" smtClean="0"/>
-              <a:t>16/06/2017</a:t>
+              <a:t>26/06/2017</a:t>
             </a:fld>
             <a:endParaRPr lang="fr-BE"/>
           </a:p>
@@ -1965,7 +1966,7 @@
           <a:p>
             <a:fld id="{AA309A6D-C09C-4548-B29A-6CF363A7E532}" type="datetimeFigureOut">
               <a:rPr lang="fr-FR" smtClean="0"/>
-              <a:t>16/06/2017</a:t>
+              <a:t>26/06/2017</a:t>
             </a:fld>
             <a:endParaRPr lang="fr-BE"/>
           </a:p>
@@ -2237,7 +2238,7 @@
           <a:p>
             <a:fld id="{AA309A6D-C09C-4548-B29A-6CF363A7E532}" type="datetimeFigureOut">
               <a:rPr lang="fr-FR" smtClean="0"/>
-              <a:t>16/06/2017</a:t>
+              <a:t>26/06/2017</a:t>
             </a:fld>
             <a:endParaRPr lang="fr-BE"/>
           </a:p>
@@ -2485,7 +2486,7 @@
           <a:p>
             <a:fld id="{AA309A6D-C09C-4548-B29A-6CF363A7E532}" type="datetimeFigureOut">
               <a:rPr lang="fr-FR" smtClean="0"/>
-              <a:t>16/06/2017</a:t>
+              <a:t>26/06/2017</a:t>
             </a:fld>
             <a:endParaRPr lang="fr-BE"/>
           </a:p>
@@ -2693,7 +2694,7 @@
           <a:p>
             <a:fld id="{AA309A6D-C09C-4548-B29A-6CF363A7E532}" type="datetimeFigureOut">
               <a:rPr lang="fr-FR" smtClean="0"/>
-              <a:t>16/06/2017</a:t>
+              <a:t>26/06/2017</a:t>
             </a:fld>
             <a:endParaRPr lang="fr-BE"/>
           </a:p>
@@ -3682,7 +3683,380 @@
 </p:sld>
 </file>
 
+<file path=ppt/slides/slide10.xml><?xml version="1.0" encoding="utf-8"?>
+<p:sld xmlns:a="http://schemas.openxmlformats.org/drawingml/2006/main" xmlns:r="http://schemas.openxmlformats.org/officeDocument/2006/relationships" xmlns:p="http://schemas.openxmlformats.org/presentationml/2006/main">
+  <p:cSld>
+    <p:spTree>
+      <p:nvGrpSpPr>
+        <p:cNvPr id="1" name=""/>
+        <p:cNvGrpSpPr/>
+        <p:nvPr/>
+      </p:nvGrpSpPr>
+      <p:grpSpPr>
+        <a:xfrm>
+          <a:off x="0" y="0"/>
+          <a:ext cx="0" cy="0"/>
+          <a:chOff x="0" y="0"/>
+          <a:chExt cx="0" cy="0"/>
+        </a:xfrm>
+      </p:grpSpPr>
+    </p:spTree>
+    <p:extLst>
+      <p:ext uri="{BB962C8B-B14F-4D97-AF65-F5344CB8AC3E}">
+        <p14:creationId xmlns:p14="http://schemas.microsoft.com/office/powerpoint/2010/main" val="519818362"/>
+      </p:ext>
+    </p:extLst>
+  </p:cSld>
+  <p:clrMapOvr>
+    <a:masterClrMapping/>
+  </p:clrMapOvr>
+</p:sld>
+</file>
+
 <file path=ppt/slides/slide2.xml><?xml version="1.0" encoding="utf-8"?>
+<p:sld xmlns:a="http://schemas.openxmlformats.org/drawingml/2006/main" xmlns:r="http://schemas.openxmlformats.org/officeDocument/2006/relationships" xmlns:p="http://schemas.openxmlformats.org/presentationml/2006/main">
+  <p:cSld>
+    <p:spTree>
+      <p:nvGrpSpPr>
+        <p:cNvPr id="1" name=""/>
+        <p:cNvGrpSpPr/>
+        <p:nvPr/>
+      </p:nvGrpSpPr>
+      <p:grpSpPr>
+        <a:xfrm>
+          <a:off x="0" y="0"/>
+          <a:ext cx="0" cy="0"/>
+          <a:chOff x="0" y="0"/>
+          <a:chExt cx="0" cy="0"/>
+        </a:xfrm>
+      </p:grpSpPr>
+      <p:pic>
+        <p:nvPicPr>
+          <p:cNvPr id="4" name="Image 3">
+            <a:extLst>
+              <a:ext uri="{FF2B5EF4-FFF2-40B4-BE49-F238E27FC236}">
+                <a16:creationId xmlns:a16="http://schemas.microsoft.com/office/drawing/2014/main" id="{99A3372F-3E00-4C26-8064-DAB24C5B7558}"/>
+              </a:ext>
+            </a:extLst>
+          </p:cNvPr>
+          <p:cNvPicPr>
+            <a:picLocks noChangeAspect="1"/>
+          </p:cNvPicPr>
+          <p:nvPr/>
+        </p:nvPicPr>
+        <p:blipFill>
+          <a:blip r:embed="rId2"/>
+          <a:stretch>
+            <a:fillRect/>
+          </a:stretch>
+        </p:blipFill>
+        <p:spPr>
+          <a:xfrm>
+            <a:off x="1259632" y="2182468"/>
+            <a:ext cx="7161710" cy="2398659"/>
+          </a:xfrm>
+          <a:prstGeom prst="rect">
+            <a:avLst/>
+          </a:prstGeom>
+        </p:spPr>
+      </p:pic>
+      <p:sp>
+        <p:nvSpPr>
+          <p:cNvPr id="5" name="Rectangle 4">
+            <a:extLst>
+              <a:ext uri="{FF2B5EF4-FFF2-40B4-BE49-F238E27FC236}">
+                <a16:creationId xmlns:a16="http://schemas.microsoft.com/office/drawing/2014/main" id="{8757B672-D4F5-49E3-A457-55F3AB304C24}"/>
+              </a:ext>
+            </a:extLst>
+          </p:cNvPr>
+          <p:cNvSpPr/>
+          <p:nvPr/>
+        </p:nvSpPr>
+        <p:spPr>
+          <a:xfrm>
+            <a:off x="5436096" y="2564904"/>
+            <a:ext cx="720079" cy="648072"/>
+          </a:xfrm>
+          <a:prstGeom prst="rect">
+            <a:avLst/>
+          </a:prstGeom>
+          <a:noFill/>
+          <a:ln w="28575">
+            <a:solidFill>
+              <a:srgbClr val="FF0000"/>
+            </a:solidFill>
+            <a:prstDash val="sysDash"/>
+          </a:ln>
+        </p:spPr>
+        <p:style>
+          <a:lnRef idx="2">
+            <a:schemeClr val="accent1">
+              <a:shade val="50000"/>
+            </a:schemeClr>
+          </a:lnRef>
+          <a:fillRef idx="1">
+            <a:schemeClr val="accent1"/>
+          </a:fillRef>
+          <a:effectRef idx="0">
+            <a:schemeClr val="accent1"/>
+          </a:effectRef>
+          <a:fontRef idx="minor">
+            <a:schemeClr val="lt1"/>
+          </a:fontRef>
+        </p:style>
+        <p:txBody>
+          <a:bodyPr rtlCol="0" anchor="ctr"/>
+          <a:lstStyle/>
+          <a:p>
+            <a:pPr algn="ctr"/>
+            <a:endParaRPr lang="fr-FR"/>
+          </a:p>
+        </p:txBody>
+      </p:sp>
+      <p:sp>
+        <p:nvSpPr>
+          <p:cNvPr id="6" name="Rectangle 5">
+            <a:extLst>
+              <a:ext uri="{FF2B5EF4-FFF2-40B4-BE49-F238E27FC236}">
+                <a16:creationId xmlns:a16="http://schemas.microsoft.com/office/drawing/2014/main" id="{3B2275EF-DD7F-481C-A5A0-28B3D81D99F2}"/>
+              </a:ext>
+            </a:extLst>
+          </p:cNvPr>
+          <p:cNvSpPr/>
+          <p:nvPr/>
+        </p:nvSpPr>
+        <p:spPr>
+          <a:xfrm>
+            <a:off x="4716017" y="3717032"/>
+            <a:ext cx="720079" cy="648072"/>
+          </a:xfrm>
+          <a:prstGeom prst="rect">
+            <a:avLst/>
+          </a:prstGeom>
+          <a:noFill/>
+          <a:ln w="28575">
+            <a:solidFill>
+              <a:srgbClr val="FF0000"/>
+            </a:solidFill>
+            <a:prstDash val="sysDash"/>
+          </a:ln>
+        </p:spPr>
+        <p:style>
+          <a:lnRef idx="2">
+            <a:schemeClr val="accent1">
+              <a:shade val="50000"/>
+            </a:schemeClr>
+          </a:lnRef>
+          <a:fillRef idx="1">
+            <a:schemeClr val="accent1"/>
+          </a:fillRef>
+          <a:effectRef idx="0">
+            <a:schemeClr val="accent1"/>
+          </a:effectRef>
+          <a:fontRef idx="minor">
+            <a:schemeClr val="lt1"/>
+          </a:fontRef>
+        </p:style>
+        <p:txBody>
+          <a:bodyPr rtlCol="0" anchor="ctr"/>
+          <a:lstStyle/>
+          <a:p>
+            <a:pPr algn="ctr"/>
+            <a:endParaRPr lang="fr-FR"/>
+          </a:p>
+        </p:txBody>
+      </p:sp>
+      <p:sp>
+        <p:nvSpPr>
+          <p:cNvPr id="7" name="Rectangle 6">
+            <a:extLst>
+              <a:ext uri="{FF2B5EF4-FFF2-40B4-BE49-F238E27FC236}">
+                <a16:creationId xmlns:a16="http://schemas.microsoft.com/office/drawing/2014/main" id="{54052788-0681-44AC-AAF8-5EDE04A58C38}"/>
+              </a:ext>
+            </a:extLst>
+          </p:cNvPr>
+          <p:cNvSpPr/>
+          <p:nvPr/>
+        </p:nvSpPr>
+        <p:spPr>
+          <a:xfrm>
+            <a:off x="4731043" y="2564904"/>
+            <a:ext cx="633045" cy="648072"/>
+          </a:xfrm>
+          <a:prstGeom prst="rect">
+            <a:avLst/>
+          </a:prstGeom>
+          <a:noFill/>
+          <a:ln w="28575">
+            <a:solidFill>
+              <a:srgbClr val="FF0000"/>
+            </a:solidFill>
+            <a:prstDash val="sysDash"/>
+          </a:ln>
+        </p:spPr>
+        <p:style>
+          <a:lnRef idx="2">
+            <a:schemeClr val="accent1">
+              <a:shade val="50000"/>
+            </a:schemeClr>
+          </a:lnRef>
+          <a:fillRef idx="1">
+            <a:schemeClr val="accent1"/>
+          </a:fillRef>
+          <a:effectRef idx="0">
+            <a:schemeClr val="accent1"/>
+          </a:effectRef>
+          <a:fontRef idx="minor">
+            <a:schemeClr val="lt1"/>
+          </a:fontRef>
+        </p:style>
+        <p:txBody>
+          <a:bodyPr rtlCol="0" anchor="ctr"/>
+          <a:lstStyle/>
+          <a:p>
+            <a:pPr algn="ctr"/>
+            <a:endParaRPr lang="fr-FR"/>
+          </a:p>
+        </p:txBody>
+      </p:sp>
+      <p:sp>
+        <p:nvSpPr>
+          <p:cNvPr id="8" name="ZoneTexte 7">
+            <a:extLst>
+              <a:ext uri="{FF2B5EF4-FFF2-40B4-BE49-F238E27FC236}">
+                <a16:creationId xmlns:a16="http://schemas.microsoft.com/office/drawing/2014/main" id="{9F86AC58-BE8B-4C37-9247-4E66CA97E1C1}"/>
+              </a:ext>
+            </a:extLst>
+          </p:cNvPr>
+          <p:cNvSpPr txBox="1"/>
+          <p:nvPr/>
+        </p:nvSpPr>
+        <p:spPr>
+          <a:xfrm>
+            <a:off x="3597742" y="1964740"/>
+            <a:ext cx="1512169" cy="600164"/>
+          </a:xfrm>
+          <a:prstGeom prst="rect">
+            <a:avLst/>
+          </a:prstGeom>
+          <a:noFill/>
+        </p:spPr>
+        <p:txBody>
+          <a:bodyPr wrap="square" rtlCol="0">
+            <a:spAutoFit/>
+          </a:bodyPr>
+          <a:lstStyle/>
+          <a:p>
+            <a:pPr algn="just"/>
+            <a:r>
+              <a:rPr lang="fr-FR" sz="1100" dirty="0"/>
+              <a:t>Frottement dans la liaison de l’arbre par rapport au bâti.</a:t>
+            </a:r>
+          </a:p>
+        </p:txBody>
+      </p:sp>
+      <p:sp>
+        <p:nvSpPr>
+          <p:cNvPr id="9" name="ZoneTexte 8">
+            <a:extLst>
+              <a:ext uri="{FF2B5EF4-FFF2-40B4-BE49-F238E27FC236}">
+                <a16:creationId xmlns:a16="http://schemas.microsoft.com/office/drawing/2014/main" id="{543713A4-C008-47EE-84A7-782BF5BC3DDF}"/>
+              </a:ext>
+            </a:extLst>
+          </p:cNvPr>
+          <p:cNvSpPr txBox="1"/>
+          <p:nvPr/>
+        </p:nvSpPr>
+        <p:spPr>
+          <a:xfrm>
+            <a:off x="4319971" y="4363399"/>
+            <a:ext cx="1512169" cy="600164"/>
+          </a:xfrm>
+          <a:prstGeom prst="rect">
+            <a:avLst/>
+          </a:prstGeom>
+          <a:noFill/>
+        </p:spPr>
+        <p:txBody>
+          <a:bodyPr wrap="square" rtlCol="0">
+            <a:spAutoFit/>
+          </a:bodyPr>
+          <a:lstStyle/>
+          <a:p>
+            <a:pPr algn="just"/>
+            <a:r>
+              <a:rPr lang="fr-FR" sz="1100" dirty="0"/>
+              <a:t>Mesure d’une variable de type « </a:t>
+            </a:r>
+            <a:r>
+              <a:rPr lang="fr-FR" sz="1100" dirty="0" err="1"/>
+              <a:t>accross</a:t>
+            </a:r>
+            <a:r>
+              <a:rPr lang="fr-FR" sz="1100" dirty="0"/>
+              <a:t> » (en  parallèle)</a:t>
+            </a:r>
+          </a:p>
+        </p:txBody>
+      </p:sp>
+      <p:sp>
+        <p:nvSpPr>
+          <p:cNvPr id="10" name="ZoneTexte 9">
+            <a:extLst>
+              <a:ext uri="{FF2B5EF4-FFF2-40B4-BE49-F238E27FC236}">
+                <a16:creationId xmlns:a16="http://schemas.microsoft.com/office/drawing/2014/main" id="{2088A4FF-66F1-44C3-9CC9-F1B6051EBF23}"/>
+              </a:ext>
+            </a:extLst>
+          </p:cNvPr>
+          <p:cNvSpPr txBox="1"/>
+          <p:nvPr/>
+        </p:nvSpPr>
+        <p:spPr>
+          <a:xfrm>
+            <a:off x="5436096" y="1806778"/>
+            <a:ext cx="1512169" cy="600164"/>
+          </a:xfrm>
+          <a:prstGeom prst="rect">
+            <a:avLst/>
+          </a:prstGeom>
+          <a:noFill/>
+        </p:spPr>
+        <p:txBody>
+          <a:bodyPr wrap="square" rtlCol="0">
+            <a:spAutoFit/>
+          </a:bodyPr>
+          <a:lstStyle/>
+          <a:p>
+            <a:pPr algn="just"/>
+            <a:r>
+              <a:rPr lang="fr-FR" sz="1100" dirty="0"/>
+              <a:t>Mesure d’une variable de type « </a:t>
+            </a:r>
+            <a:r>
+              <a:rPr lang="fr-FR" sz="1100" dirty="0" err="1"/>
+              <a:t>through</a:t>
+            </a:r>
+            <a:r>
+              <a:rPr lang="fr-FR" sz="1100" dirty="0"/>
+              <a:t> » (en  série)</a:t>
+            </a:r>
+          </a:p>
+        </p:txBody>
+      </p:sp>
+    </p:spTree>
+    <p:extLst>
+      <p:ext uri="{BB962C8B-B14F-4D97-AF65-F5344CB8AC3E}">
+        <p14:creationId xmlns:p14="http://schemas.microsoft.com/office/powerpoint/2010/main" val="2620703909"/>
+      </p:ext>
+    </p:extLst>
+  </p:cSld>
+  <p:clrMapOvr>
+    <a:masterClrMapping/>
+  </p:clrMapOvr>
+</p:sld>
+</file>
+
+<file path=ppt/slides/slide3.xml><?xml version="1.0" encoding="utf-8"?>
 <p:sld xmlns:a="http://schemas.openxmlformats.org/drawingml/2006/main" xmlns:r="http://schemas.openxmlformats.org/officeDocument/2006/relationships" xmlns:p="http://schemas.openxmlformats.org/presentationml/2006/main">
   <p:cSld>
     <p:spTree>
@@ -4666,7 +5040,7 @@
 </p:sld>
 </file>
 
-<file path=ppt/slides/slide3.xml><?xml version="1.0" encoding="utf-8"?>
+<file path=ppt/slides/slide4.xml><?xml version="1.0" encoding="utf-8"?>
 <p:sld xmlns:a="http://schemas.openxmlformats.org/drawingml/2006/main" xmlns:r="http://schemas.openxmlformats.org/officeDocument/2006/relationships" xmlns:p="http://schemas.openxmlformats.org/presentationml/2006/main">
   <p:cSld>
     <p:spTree>
@@ -5104,7 +5478,7 @@
 </p:sld>
 </file>
 
-<file path=ppt/slides/slide4.xml><?xml version="1.0" encoding="utf-8"?>
+<file path=ppt/slides/slide5.xml><?xml version="1.0" encoding="utf-8"?>
 <p:sld xmlns:a="http://schemas.openxmlformats.org/drawingml/2006/main" xmlns:r="http://schemas.openxmlformats.org/officeDocument/2006/relationships" xmlns:p="http://schemas.openxmlformats.org/presentationml/2006/main">
   <p:cSld>
     <p:spTree>
@@ -5829,187 +6203,6 @@
     <p:extLst>
       <p:ext uri="{BB962C8B-B14F-4D97-AF65-F5344CB8AC3E}">
         <p14:creationId xmlns:p14="http://schemas.microsoft.com/office/powerpoint/2010/main" val="3305074751"/>
-      </p:ext>
-    </p:extLst>
-  </p:cSld>
-  <p:clrMapOvr>
-    <a:masterClrMapping/>
-  </p:clrMapOvr>
-</p:sld>
-</file>
-
-<file path=ppt/slides/slide5.xml><?xml version="1.0" encoding="utf-8"?>
-<p:sld xmlns:a="http://schemas.openxmlformats.org/drawingml/2006/main" xmlns:r="http://schemas.openxmlformats.org/officeDocument/2006/relationships" xmlns:p="http://schemas.openxmlformats.org/presentationml/2006/main">
-  <p:cSld>
-    <p:spTree>
-      <p:nvGrpSpPr>
-        <p:cNvPr id="1" name=""/>
-        <p:cNvGrpSpPr/>
-        <p:nvPr/>
-      </p:nvGrpSpPr>
-      <p:grpSpPr>
-        <a:xfrm>
-          <a:off x="0" y="0"/>
-          <a:ext cx="0" cy="0"/>
-          <a:chOff x="0" y="0"/>
-          <a:chExt cx="0" cy="0"/>
-        </a:xfrm>
-      </p:grpSpPr>
-      <p:pic>
-        <p:nvPicPr>
-          <p:cNvPr id="2" name="Image 1"/>
-          <p:cNvPicPr>
-            <a:picLocks noChangeAspect="1"/>
-          </p:cNvPicPr>
-          <p:nvPr/>
-        </p:nvPicPr>
-        <p:blipFill rotWithShape="1">
-          <a:blip r:embed="rId2"/>
-          <a:srcRect l="4553" t="24565" r="1057" b="6195"/>
-          <a:stretch/>
-        </p:blipFill>
-        <p:spPr>
-          <a:xfrm>
-            <a:off x="179512" y="2072848"/>
-            <a:ext cx="6480720" cy="2940327"/>
-          </a:xfrm>
-          <a:prstGeom prst="rect">
-            <a:avLst/>
-          </a:prstGeom>
-        </p:spPr>
-      </p:pic>
-      <p:pic>
-        <p:nvPicPr>
-          <p:cNvPr id="4" name="Image 3"/>
-          <p:cNvPicPr>
-            <a:picLocks noChangeAspect="1"/>
-          </p:cNvPicPr>
-          <p:nvPr/>
-        </p:nvPicPr>
-        <p:blipFill>
-          <a:blip r:embed="rId3">
-            <a:extLst>
-              <a:ext uri="{28A0092B-C50C-407E-A947-70E740481C1C}">
-                <a14:useLocalDpi xmlns:a14="http://schemas.microsoft.com/office/drawing/2010/main" val="0"/>
-              </a:ext>
-            </a:extLst>
-          </a:blip>
-          <a:stretch>
-            <a:fillRect/>
-          </a:stretch>
-        </p:blipFill>
-        <p:spPr>
-          <a:xfrm>
-            <a:off x="5973790" y="836712"/>
-            <a:ext cx="2880000" cy="2036571"/>
-          </a:xfrm>
-          <a:prstGeom prst="rect">
-            <a:avLst/>
-          </a:prstGeom>
-        </p:spPr>
-      </p:pic>
-      <p:pic>
-        <p:nvPicPr>
-          <p:cNvPr id="6" name="Image 5"/>
-          <p:cNvPicPr>
-            <a:picLocks noChangeAspect="1"/>
-          </p:cNvPicPr>
-          <p:nvPr/>
-        </p:nvPicPr>
-        <p:blipFill>
-          <a:blip r:embed="rId4">
-            <a:extLst>
-              <a:ext uri="{28A0092B-C50C-407E-A947-70E740481C1C}">
-                <a14:useLocalDpi xmlns:a14="http://schemas.microsoft.com/office/drawing/2010/main" val="0"/>
-              </a:ext>
-            </a:extLst>
-          </a:blip>
-          <a:stretch>
-            <a:fillRect/>
-          </a:stretch>
-        </p:blipFill>
-        <p:spPr>
-          <a:xfrm>
-            <a:off x="5973790" y="2924943"/>
-            <a:ext cx="2880000" cy="2036572"/>
-          </a:xfrm>
-          <a:prstGeom prst="rect">
-            <a:avLst/>
-          </a:prstGeom>
-        </p:spPr>
-      </p:pic>
-      <p:sp>
-        <p:nvSpPr>
-          <p:cNvPr id="7" name="ZoneTexte 6"/>
-          <p:cNvSpPr txBox="1"/>
-          <p:nvPr/>
-        </p:nvSpPr>
-        <p:spPr>
-          <a:xfrm>
-            <a:off x="7197606" y="836712"/>
-            <a:ext cx="1656184" cy="369332"/>
-          </a:xfrm>
-          <a:prstGeom prst="rect">
-            <a:avLst/>
-          </a:prstGeom>
-          <a:noFill/>
-        </p:spPr>
-        <p:txBody>
-          <a:bodyPr wrap="square" rtlCol="0">
-            <a:spAutoFit/>
-          </a:bodyPr>
-          <a:lstStyle/>
-          <a:p>
-            <a:pPr algn="ctr"/>
-            <a:r>
-              <a:rPr lang="fr-FR" b="1" dirty="0"/>
-              <a:t>Courant (A)</a:t>
-            </a:r>
-          </a:p>
-        </p:txBody>
-      </p:sp>
-      <p:sp>
-        <p:nvSpPr>
-          <p:cNvPr id="8" name="ZoneTexte 7"/>
-          <p:cNvSpPr txBox="1"/>
-          <p:nvPr/>
-        </p:nvSpPr>
-        <p:spPr>
-          <a:xfrm>
-            <a:off x="7084862" y="4031027"/>
-            <a:ext cx="1768928" cy="646331"/>
-          </a:xfrm>
-          <a:prstGeom prst="rect">
-            <a:avLst/>
-          </a:prstGeom>
-          <a:noFill/>
-        </p:spPr>
-        <p:txBody>
-          <a:bodyPr wrap="square" rtlCol="0">
-            <a:spAutoFit/>
-          </a:bodyPr>
-          <a:lstStyle/>
-          <a:p>
-            <a:pPr algn="ctr"/>
-            <a:r>
-              <a:rPr lang="fr-FR" b="1" dirty="0"/>
-              <a:t>Fréquence de rotation (rad s</a:t>
-            </a:r>
-            <a:r>
-              <a:rPr lang="fr-FR" b="1" baseline="30000" dirty="0"/>
-              <a:t>-1</a:t>
-            </a:r>
-            <a:r>
-              <a:rPr lang="fr-FR" b="1" dirty="0"/>
-              <a:t>)</a:t>
-            </a:r>
-          </a:p>
-        </p:txBody>
-      </p:sp>
-    </p:spTree>
-    <p:extLst>
-      <p:ext uri="{BB962C8B-B14F-4D97-AF65-F5344CB8AC3E}">
-        <p14:creationId xmlns:p14="http://schemas.microsoft.com/office/powerpoint/2010/main" val="3183704375"/>
       </p:ext>
     </p:extLst>
   </p:cSld>
@@ -6044,16 +6237,15 @@
           </p:cNvPicPr>
           <p:nvPr/>
         </p:nvPicPr>
-        <p:blipFill>
+        <p:blipFill rotWithShape="1">
           <a:blip r:embed="rId2"/>
-          <a:stretch>
-            <a:fillRect/>
-          </a:stretch>
+          <a:srcRect l="4553" t="24565" r="1057" b="6195"/>
+          <a:stretch/>
         </p:blipFill>
         <p:spPr>
           <a:xfrm>
-            <a:off x="251520" y="1724026"/>
-            <a:ext cx="6480000" cy="2892569"/>
+            <a:off x="179512" y="2072848"/>
+            <a:ext cx="6480720" cy="2940327"/>
           </a:xfrm>
           <a:prstGeom prst="rect">
             <a:avLst/>
@@ -6082,8 +6274,8 @@
         </p:blipFill>
         <p:spPr>
           <a:xfrm>
-            <a:off x="6084168" y="648801"/>
-            <a:ext cx="2880000" cy="2036572"/>
+            <a:off x="5973790" y="836712"/>
+            <a:ext cx="2880000" cy="2036571"/>
           </a:xfrm>
           <a:prstGeom prst="rect">
             <a:avLst/>
@@ -6112,7 +6304,7 @@
         </p:blipFill>
         <p:spPr>
           <a:xfrm>
-            <a:off x="6104667" y="2632698"/>
+            <a:off x="5973790" y="2924943"/>
             <a:ext cx="2880000" cy="2036572"/>
           </a:xfrm>
           <a:prstGeom prst="rect">
@@ -6122,154 +6314,14 @@
       </p:pic>
       <p:sp>
         <p:nvSpPr>
-          <p:cNvPr id="7" name="Rectangle 6"/>
-          <p:cNvSpPr/>
-          <p:nvPr/>
-        </p:nvSpPr>
-        <p:spPr>
-          <a:xfrm>
-            <a:off x="6063668" y="726906"/>
-            <a:ext cx="956603" cy="1261933"/>
-          </a:xfrm>
-          <a:prstGeom prst="rect">
-            <a:avLst/>
-          </a:prstGeom>
-          <a:noFill/>
-          <a:ln w="28575">
-            <a:solidFill>
-              <a:srgbClr val="FF0000"/>
-            </a:solidFill>
-            <a:prstDash val="sysDash"/>
-          </a:ln>
-        </p:spPr>
-        <p:style>
-          <a:lnRef idx="2">
-            <a:schemeClr val="accent1">
-              <a:shade val="50000"/>
-            </a:schemeClr>
-          </a:lnRef>
-          <a:fillRef idx="1">
-            <a:schemeClr val="accent1"/>
-          </a:fillRef>
-          <a:effectRef idx="0">
-            <a:schemeClr val="accent1"/>
-          </a:effectRef>
-          <a:fontRef idx="minor">
-            <a:schemeClr val="lt1"/>
-          </a:fontRef>
-        </p:style>
-        <p:txBody>
-          <a:bodyPr rtlCol="0" anchor="ctr"/>
-          <a:lstStyle/>
-          <a:p>
-            <a:pPr algn="ctr"/>
-            <a:endParaRPr lang="fr-FR"/>
-          </a:p>
-        </p:txBody>
-      </p:sp>
-      <p:sp>
-        <p:nvSpPr>
-          <p:cNvPr id="8" name="Rectangle 7"/>
-          <p:cNvSpPr/>
-          <p:nvPr/>
-        </p:nvSpPr>
-        <p:spPr>
-          <a:xfrm>
-            <a:off x="6084168" y="3051526"/>
-            <a:ext cx="936103" cy="1261933"/>
-          </a:xfrm>
-          <a:prstGeom prst="rect">
-            <a:avLst/>
-          </a:prstGeom>
-          <a:noFill/>
-          <a:ln w="28575">
-            <a:solidFill>
-              <a:srgbClr val="FF0000"/>
-            </a:solidFill>
-            <a:prstDash val="sysDash"/>
-          </a:ln>
-        </p:spPr>
-        <p:style>
-          <a:lnRef idx="2">
-            <a:schemeClr val="accent1">
-              <a:shade val="50000"/>
-            </a:schemeClr>
-          </a:lnRef>
-          <a:fillRef idx="1">
-            <a:schemeClr val="accent1"/>
-          </a:fillRef>
-          <a:effectRef idx="0">
-            <a:schemeClr val="accent1"/>
-          </a:effectRef>
-          <a:fontRef idx="minor">
-            <a:schemeClr val="lt1"/>
-          </a:fontRef>
-        </p:style>
-        <p:txBody>
-          <a:bodyPr rtlCol="0" anchor="ctr"/>
-          <a:lstStyle/>
-          <a:p>
-            <a:pPr algn="ctr"/>
-            <a:endParaRPr lang="fr-FR"/>
-          </a:p>
-        </p:txBody>
-      </p:sp>
-      <p:sp>
-        <p:nvSpPr>
-          <p:cNvPr id="9" name="Flèche : bas 8"/>
-          <p:cNvSpPr/>
-          <p:nvPr/>
-        </p:nvSpPr>
-        <p:spPr>
-          <a:xfrm>
-            <a:off x="6372200" y="2148999"/>
-            <a:ext cx="359320" cy="643859"/>
-          </a:xfrm>
-          <a:prstGeom prst="downArrow">
-            <a:avLst/>
-          </a:prstGeom>
-          <a:noFill/>
-          <a:ln>
-            <a:solidFill>
-              <a:srgbClr val="FF0000"/>
-            </a:solidFill>
-          </a:ln>
-        </p:spPr>
-        <p:style>
-          <a:lnRef idx="2">
-            <a:schemeClr val="accent1">
-              <a:shade val="50000"/>
-            </a:schemeClr>
-          </a:lnRef>
-          <a:fillRef idx="1">
-            <a:schemeClr val="accent1"/>
-          </a:fillRef>
-          <a:effectRef idx="0">
-            <a:schemeClr val="accent1"/>
-          </a:effectRef>
-          <a:fontRef idx="minor">
-            <a:schemeClr val="lt1"/>
-          </a:fontRef>
-        </p:style>
-        <p:txBody>
-          <a:bodyPr rtlCol="0" anchor="ctr"/>
-          <a:lstStyle/>
-          <a:p>
-            <a:pPr algn="ctr"/>
-            <a:endParaRPr lang="fr-FR"/>
-          </a:p>
-        </p:txBody>
-      </p:sp>
-      <p:sp>
-        <p:nvSpPr>
-          <p:cNvPr id="10" name="ZoneTexte 9"/>
+          <p:cNvPr id="7" name="ZoneTexte 6"/>
           <p:cNvSpPr txBox="1"/>
           <p:nvPr/>
         </p:nvSpPr>
         <p:spPr>
           <a:xfrm>
-            <a:off x="7040771" y="1123969"/>
-            <a:ext cx="1923397" cy="646331"/>
+            <a:off x="7197606" y="836712"/>
+            <a:ext cx="1656184" cy="369332"/>
           </a:xfrm>
           <a:prstGeom prst="rect">
             <a:avLst/>
@@ -6282,23 +6334,24 @@
           </a:bodyPr>
           <a:lstStyle/>
           <a:p>
-            <a:r>
-              <a:rPr lang="fr-FR" dirty="0"/>
-              <a:t>Saturation en courant</a:t>
-            </a:r>
-          </a:p>
-        </p:txBody>
-      </p:sp>
-      <p:sp>
-        <p:nvSpPr>
-          <p:cNvPr id="11" name="ZoneTexte 10"/>
+            <a:pPr algn="ctr"/>
+            <a:r>
+              <a:rPr lang="fr-FR" b="1" dirty="0"/>
+              <a:t>Courant (A)</a:t>
+            </a:r>
+          </a:p>
+        </p:txBody>
+      </p:sp>
+      <p:sp>
+        <p:nvSpPr>
+          <p:cNvPr id="8" name="ZoneTexte 7"/>
           <p:cNvSpPr txBox="1"/>
           <p:nvPr/>
         </p:nvSpPr>
         <p:spPr>
           <a:xfrm>
-            <a:off x="7053436" y="2245468"/>
-            <a:ext cx="1882719" cy="1200329"/>
+            <a:off x="7084862" y="4031027"/>
+            <a:ext cx="1768928" cy="646331"/>
           </a:xfrm>
           <a:prstGeom prst="rect">
             <a:avLst/>
@@ -6311,9 +6364,18 @@
           </a:bodyPr>
           <a:lstStyle/>
           <a:p>
-            <a:r>
-              <a:rPr lang="fr-FR" dirty="0"/>
-              <a:t>Influence sur la vitesse du moteur (accélération moins forte)</a:t>
+            <a:pPr algn="ctr"/>
+            <a:r>
+              <a:rPr lang="fr-FR" b="1" dirty="0"/>
+              <a:t>Fréquence de rotation (rad s</a:t>
+            </a:r>
+            <a:r>
+              <a:rPr lang="fr-FR" b="1" baseline="30000" dirty="0"/>
+              <a:t>-1</a:t>
+            </a:r>
+            <a:r>
+              <a:rPr lang="fr-FR" b="1" dirty="0"/>
+              <a:t>)</a:t>
             </a:r>
           </a:p>
         </p:txBody>
@@ -6321,7 +6383,7 @@
     </p:spTree>
     <p:extLst>
       <p:ext uri="{BB962C8B-B14F-4D97-AF65-F5344CB8AC3E}">
-        <p14:creationId xmlns:p14="http://schemas.microsoft.com/office/powerpoint/2010/main" val="463819712"/>
+        <p14:creationId xmlns:p14="http://schemas.microsoft.com/office/powerpoint/2010/main" val="3183704375"/>
       </p:ext>
     </p:extLst>
   </p:cSld>
@@ -6350,14 +6412,38 @@
       </p:grpSpPr>
       <p:pic>
         <p:nvPicPr>
-          <p:cNvPr id="3" name="Image 2"/>
+          <p:cNvPr id="2" name="Image 1"/>
           <p:cNvPicPr>
             <a:picLocks noChangeAspect="1"/>
           </p:cNvPicPr>
           <p:nvPr/>
         </p:nvPicPr>
         <p:blipFill>
-          <a:blip r:embed="rId2" cstate="print">
+          <a:blip r:embed="rId2"/>
+          <a:stretch>
+            <a:fillRect/>
+          </a:stretch>
+        </p:blipFill>
+        <p:spPr>
+          <a:xfrm>
+            <a:off x="251520" y="1724026"/>
+            <a:ext cx="6480000" cy="2892569"/>
+          </a:xfrm>
+          <a:prstGeom prst="rect">
+            <a:avLst/>
+          </a:prstGeom>
+        </p:spPr>
+      </p:pic>
+      <p:pic>
+        <p:nvPicPr>
+          <p:cNvPr id="4" name="Image 3"/>
+          <p:cNvPicPr>
+            <a:picLocks noChangeAspect="1"/>
+          </p:cNvPicPr>
+          <p:nvPr/>
+        </p:nvPicPr>
+        <p:blipFill>
+          <a:blip r:embed="rId3">
             <a:extLst>
               <a:ext uri="{28A0092B-C50C-407E-A947-70E740481C1C}">
                 <a14:useLocalDpi xmlns:a14="http://schemas.microsoft.com/office/drawing/2010/main" val="0"/>
@@ -6370,8 +6456,8 @@
         </p:blipFill>
         <p:spPr>
           <a:xfrm>
-            <a:off x="0" y="3429001"/>
-            <a:ext cx="4320000" cy="2105727"/>
+            <a:off x="6084168" y="648801"/>
+            <a:ext cx="2880000" cy="2036572"/>
           </a:xfrm>
           <a:prstGeom prst="rect">
             <a:avLst/>
@@ -6380,14 +6466,14 @@
       </p:pic>
       <p:pic>
         <p:nvPicPr>
-          <p:cNvPr id="5" name="Image 4"/>
+          <p:cNvPr id="6" name="Image 5"/>
           <p:cNvPicPr>
             <a:picLocks noChangeAspect="1"/>
           </p:cNvPicPr>
           <p:nvPr/>
         </p:nvPicPr>
         <p:blipFill>
-          <a:blip r:embed="rId3" cstate="print">
+          <a:blip r:embed="rId4">
             <a:extLst>
               <a:ext uri="{28A0092B-C50C-407E-A947-70E740481C1C}">
                 <a14:useLocalDpi xmlns:a14="http://schemas.microsoft.com/office/drawing/2010/main" val="0"/>
@@ -6400,250 +6486,164 @@
         </p:blipFill>
         <p:spPr>
           <a:xfrm>
-            <a:off x="4320000" y="3429000"/>
-            <a:ext cx="4320000" cy="2105727"/>
+            <a:off x="6104667" y="2632698"/>
+            <a:ext cx="2880000" cy="2036572"/>
           </a:xfrm>
           <a:prstGeom prst="rect">
             <a:avLst/>
           </a:prstGeom>
         </p:spPr>
       </p:pic>
-      <p:cxnSp>
-        <p:nvCxnSpPr>
-          <p:cNvPr id="7" name="Connecteur droit 6"/>
-          <p:cNvCxnSpPr>
-            <a:cxnSpLocks/>
-          </p:cNvCxnSpPr>
-          <p:nvPr/>
-        </p:nvCxnSpPr>
-        <p:spPr>
-          <a:xfrm>
-            <a:off x="5652120" y="4005064"/>
-            <a:ext cx="0" cy="216024"/>
-          </a:xfrm>
-          <a:prstGeom prst="line">
-            <a:avLst/>
-          </a:prstGeom>
+      <p:sp>
+        <p:nvSpPr>
+          <p:cNvPr id="7" name="Rectangle 6"/>
+          <p:cNvSpPr/>
+          <p:nvPr/>
+        </p:nvSpPr>
+        <p:spPr>
+          <a:xfrm>
+            <a:off x="6063668" y="726906"/>
+            <a:ext cx="956603" cy="1261933"/>
+          </a:xfrm>
+          <a:prstGeom prst="rect">
+            <a:avLst/>
+          </a:prstGeom>
+          <a:noFill/>
+          <a:ln w="28575">
+            <a:solidFill>
+              <a:srgbClr val="FF0000"/>
+            </a:solidFill>
+            <a:prstDash val="sysDash"/>
+          </a:ln>
+        </p:spPr>
+        <p:style>
+          <a:lnRef idx="2">
+            <a:schemeClr val="accent1">
+              <a:shade val="50000"/>
+            </a:schemeClr>
+          </a:lnRef>
+          <a:fillRef idx="1">
+            <a:schemeClr val="accent1"/>
+          </a:fillRef>
+          <a:effectRef idx="0">
+            <a:schemeClr val="accent1"/>
+          </a:effectRef>
+          <a:fontRef idx="minor">
+            <a:schemeClr val="lt1"/>
+          </a:fontRef>
+        </p:style>
+        <p:txBody>
+          <a:bodyPr rtlCol="0" anchor="ctr"/>
+          <a:lstStyle/>
+          <a:p>
+            <a:pPr algn="ctr"/>
+            <a:endParaRPr lang="fr-FR"/>
+          </a:p>
+        </p:txBody>
+      </p:sp>
+      <p:sp>
+        <p:nvSpPr>
+          <p:cNvPr id="8" name="Rectangle 7"/>
+          <p:cNvSpPr/>
+          <p:nvPr/>
+        </p:nvSpPr>
+        <p:spPr>
+          <a:xfrm>
+            <a:off x="6084168" y="3051526"/>
+            <a:ext cx="936103" cy="1261933"/>
+          </a:xfrm>
+          <a:prstGeom prst="rect">
+            <a:avLst/>
+          </a:prstGeom>
+          <a:noFill/>
+          <a:ln w="28575">
+            <a:solidFill>
+              <a:srgbClr val="FF0000"/>
+            </a:solidFill>
+            <a:prstDash val="sysDash"/>
+          </a:ln>
+        </p:spPr>
+        <p:style>
+          <a:lnRef idx="2">
+            <a:schemeClr val="accent1">
+              <a:shade val="50000"/>
+            </a:schemeClr>
+          </a:lnRef>
+          <a:fillRef idx="1">
+            <a:schemeClr val="accent1"/>
+          </a:fillRef>
+          <a:effectRef idx="0">
+            <a:schemeClr val="accent1"/>
+          </a:effectRef>
+          <a:fontRef idx="minor">
+            <a:schemeClr val="lt1"/>
+          </a:fontRef>
+        </p:style>
+        <p:txBody>
+          <a:bodyPr rtlCol="0" anchor="ctr"/>
+          <a:lstStyle/>
+          <a:p>
+            <a:pPr algn="ctr"/>
+            <a:endParaRPr lang="fr-FR"/>
+          </a:p>
+        </p:txBody>
+      </p:sp>
+      <p:sp>
+        <p:nvSpPr>
+          <p:cNvPr id="9" name="Flèche : bas 8"/>
+          <p:cNvSpPr/>
+          <p:nvPr/>
+        </p:nvSpPr>
+        <p:spPr>
+          <a:xfrm>
+            <a:off x="6372200" y="2148999"/>
+            <a:ext cx="359320" cy="643859"/>
+          </a:xfrm>
+          <a:prstGeom prst="downArrow">
+            <a:avLst/>
+          </a:prstGeom>
+          <a:noFill/>
           <a:ln>
             <a:solidFill>
-              <a:srgbClr val="7030A0"/>
+              <a:srgbClr val="FF0000"/>
             </a:solidFill>
           </a:ln>
         </p:spPr>
         <p:style>
-          <a:lnRef idx="1">
-            <a:schemeClr val="accent1"/>
+          <a:lnRef idx="2">
+            <a:schemeClr val="accent1">
+              <a:shade val="50000"/>
+            </a:schemeClr>
           </a:lnRef>
-          <a:fillRef idx="0">
+          <a:fillRef idx="1">
             <a:schemeClr val="accent1"/>
           </a:fillRef>
           <a:effectRef idx="0">
             <a:schemeClr val="accent1"/>
           </a:effectRef>
           <a:fontRef idx="minor">
-            <a:schemeClr val="tx1"/>
+            <a:schemeClr val="lt1"/>
           </a:fontRef>
         </p:style>
-      </p:cxnSp>
-      <p:cxnSp>
-        <p:nvCxnSpPr>
-          <p:cNvPr id="8" name="Connecteur droit 7"/>
-          <p:cNvCxnSpPr>
-            <a:cxnSpLocks/>
-          </p:cNvCxnSpPr>
-          <p:nvPr/>
-        </p:nvCxnSpPr>
-        <p:spPr>
-          <a:xfrm>
-            <a:off x="6876256" y="4005064"/>
-            <a:ext cx="0" cy="792088"/>
-          </a:xfrm>
-          <a:prstGeom prst="line">
-            <a:avLst/>
-          </a:prstGeom>
-          <a:ln>
-            <a:solidFill>
-              <a:srgbClr val="7030A0"/>
-            </a:solidFill>
-          </a:ln>
-        </p:spPr>
-        <p:style>
-          <a:lnRef idx="1">
-            <a:schemeClr val="accent1"/>
-          </a:lnRef>
-          <a:fillRef idx="0">
-            <a:schemeClr val="accent1"/>
-          </a:fillRef>
-          <a:effectRef idx="0">
-            <a:schemeClr val="accent1"/>
-          </a:effectRef>
-          <a:fontRef idx="minor">
-            <a:schemeClr val="tx1"/>
-          </a:fontRef>
-        </p:style>
-      </p:cxnSp>
-      <p:cxnSp>
-        <p:nvCxnSpPr>
-          <p:cNvPr id="9" name="Connecteur droit 8"/>
-          <p:cNvCxnSpPr>
-            <a:cxnSpLocks/>
-          </p:cNvCxnSpPr>
-          <p:nvPr/>
-        </p:nvCxnSpPr>
-        <p:spPr>
-          <a:xfrm>
-            <a:off x="4644008" y="4149080"/>
-            <a:ext cx="0" cy="504056"/>
-          </a:xfrm>
-          <a:prstGeom prst="line">
-            <a:avLst/>
-          </a:prstGeom>
-          <a:ln>
-            <a:solidFill>
-              <a:srgbClr val="7030A0"/>
-            </a:solidFill>
-            <a:headEnd type="stealth" w="sm" len="med"/>
-            <a:tailEnd type="stealth" w="sm" len="med"/>
-          </a:ln>
-        </p:spPr>
-        <p:style>
-          <a:lnRef idx="1">
-            <a:schemeClr val="accent1"/>
-          </a:lnRef>
-          <a:fillRef idx="0">
-            <a:schemeClr val="accent1"/>
-          </a:fillRef>
-          <a:effectRef idx="0">
-            <a:schemeClr val="accent1"/>
-          </a:effectRef>
-          <a:fontRef idx="minor">
-            <a:schemeClr val="tx1"/>
-          </a:fontRef>
-        </p:style>
-      </p:cxnSp>
-      <p:cxnSp>
-        <p:nvCxnSpPr>
-          <p:cNvPr id="13" name="Connecteur droit 12"/>
-          <p:cNvCxnSpPr>
-            <a:cxnSpLocks/>
-          </p:cNvCxnSpPr>
-          <p:nvPr/>
-        </p:nvCxnSpPr>
-        <p:spPr>
-          <a:xfrm flipH="1">
-            <a:off x="4427985" y="4149080"/>
-            <a:ext cx="1224135" cy="0"/>
-          </a:xfrm>
-          <a:prstGeom prst="line">
-            <a:avLst/>
-          </a:prstGeom>
-          <a:ln>
-            <a:solidFill>
-              <a:srgbClr val="7030A0"/>
-            </a:solidFill>
-          </a:ln>
-        </p:spPr>
-        <p:style>
-          <a:lnRef idx="1">
-            <a:schemeClr val="accent1"/>
-          </a:lnRef>
-          <a:fillRef idx="0">
-            <a:schemeClr val="accent1"/>
-          </a:fillRef>
-          <a:effectRef idx="0">
-            <a:schemeClr val="accent1"/>
-          </a:effectRef>
-          <a:fontRef idx="minor">
-            <a:schemeClr val="tx1"/>
-          </a:fontRef>
-        </p:style>
-      </p:cxnSp>
-      <p:cxnSp>
-        <p:nvCxnSpPr>
-          <p:cNvPr id="16" name="Connecteur droit 15"/>
-          <p:cNvCxnSpPr>
-            <a:cxnSpLocks/>
-          </p:cNvCxnSpPr>
-          <p:nvPr/>
-        </p:nvCxnSpPr>
-        <p:spPr>
-          <a:xfrm flipH="1">
-            <a:off x="4427985" y="4653136"/>
-            <a:ext cx="2448271" cy="0"/>
-          </a:xfrm>
-          <a:prstGeom prst="line">
-            <a:avLst/>
-          </a:prstGeom>
-          <a:ln>
-            <a:solidFill>
-              <a:srgbClr val="7030A0"/>
-            </a:solidFill>
-          </a:ln>
-        </p:spPr>
-        <p:style>
-          <a:lnRef idx="1">
-            <a:schemeClr val="accent1"/>
-          </a:lnRef>
-          <a:fillRef idx="0">
-            <a:schemeClr val="accent1"/>
-          </a:fillRef>
-          <a:effectRef idx="0">
-            <a:schemeClr val="accent1"/>
-          </a:effectRef>
-          <a:fontRef idx="minor">
-            <a:schemeClr val="tx1"/>
-          </a:fontRef>
-        </p:style>
-      </p:cxnSp>
-      <p:cxnSp>
-        <p:nvCxnSpPr>
-          <p:cNvPr id="21" name="Connecteur droit 20"/>
-          <p:cNvCxnSpPr>
-            <a:cxnSpLocks/>
-          </p:cNvCxnSpPr>
-          <p:nvPr/>
-        </p:nvCxnSpPr>
-        <p:spPr>
-          <a:xfrm>
-            <a:off x="5652120" y="4068489"/>
-            <a:ext cx="1224136" cy="0"/>
-          </a:xfrm>
-          <a:prstGeom prst="line">
-            <a:avLst/>
-          </a:prstGeom>
-          <a:ln>
-            <a:solidFill>
-              <a:srgbClr val="7030A0"/>
-            </a:solidFill>
-            <a:headEnd type="stealth" w="sm" len="med"/>
-            <a:tailEnd type="stealth" w="sm" len="med"/>
-          </a:ln>
-        </p:spPr>
-        <p:style>
-          <a:lnRef idx="1">
-            <a:schemeClr val="accent1"/>
-          </a:lnRef>
-          <a:fillRef idx="0">
-            <a:schemeClr val="accent1"/>
-          </a:fillRef>
-          <a:effectRef idx="0">
-            <a:schemeClr val="accent1"/>
-          </a:effectRef>
-          <a:fontRef idx="minor">
-            <a:schemeClr val="tx1"/>
-          </a:fontRef>
-        </p:style>
-      </p:cxnSp>
-      <p:sp>
-        <p:nvSpPr>
-          <p:cNvPr id="24" name="ZoneTexte 23"/>
+        <p:txBody>
+          <a:bodyPr rtlCol="0" anchor="ctr"/>
+          <a:lstStyle/>
+          <a:p>
+            <a:pPr algn="ctr"/>
+            <a:endParaRPr lang="fr-FR"/>
+          </a:p>
+        </p:txBody>
+      </p:sp>
+      <p:sp>
+        <p:nvSpPr>
+          <p:cNvPr id="10" name="ZoneTexte 9"/>
           <p:cNvSpPr txBox="1"/>
           <p:nvPr/>
         </p:nvSpPr>
         <p:spPr>
           <a:xfrm>
-            <a:off x="4512755" y="4683169"/>
-            <a:ext cx="2196244" cy="276999"/>
+            <a:off x="7040771" y="1123969"/>
+            <a:ext cx="1923397" cy="646331"/>
           </a:xfrm>
           <a:prstGeom prst="rect">
             <a:avLst/>
@@ -6657,12 +6657,37 @@
           <a:lstStyle/>
           <a:p>
             <a:r>
-              <a:rPr lang="fr-FR" sz="1200" b="1" dirty="0">
-                <a:solidFill>
-                  <a:srgbClr val="FF0000"/>
-                </a:solidFill>
-              </a:rPr>
-              <a:t>Linéarisation entre -35° et -60°.</a:t>
+              <a:rPr lang="fr-FR" dirty="0"/>
+              <a:t>Saturation en courant</a:t>
+            </a:r>
+          </a:p>
+        </p:txBody>
+      </p:sp>
+      <p:sp>
+        <p:nvSpPr>
+          <p:cNvPr id="11" name="ZoneTexte 10"/>
+          <p:cNvSpPr txBox="1"/>
+          <p:nvPr/>
+        </p:nvSpPr>
+        <p:spPr>
+          <a:xfrm>
+            <a:off x="7053436" y="2245468"/>
+            <a:ext cx="1882719" cy="1200329"/>
+          </a:xfrm>
+          <a:prstGeom prst="rect">
+            <a:avLst/>
+          </a:prstGeom>
+          <a:noFill/>
+        </p:spPr>
+        <p:txBody>
+          <a:bodyPr wrap="square" rtlCol="0">
+            <a:spAutoFit/>
+          </a:bodyPr>
+          <a:lstStyle/>
+          <a:p>
+            <a:r>
+              <a:rPr lang="fr-FR" dirty="0"/>
+              <a:t>Influence sur la vitesse du moteur (accélération moins forte)</a:t>
             </a:r>
           </a:p>
         </p:txBody>
@@ -6670,7 +6695,7 @@
     </p:spTree>
     <p:extLst>
       <p:ext uri="{BB962C8B-B14F-4D97-AF65-F5344CB8AC3E}">
-        <p14:creationId xmlns:p14="http://schemas.microsoft.com/office/powerpoint/2010/main" val="485639388"/>
+        <p14:creationId xmlns:p14="http://schemas.microsoft.com/office/powerpoint/2010/main" val="463819712"/>
       </p:ext>
     </p:extLst>
   </p:cSld>
@@ -6697,10 +6722,329 @@
           <a:chExt cx="0" cy="0"/>
         </a:xfrm>
       </p:grpSpPr>
+      <p:pic>
+        <p:nvPicPr>
+          <p:cNvPr id="3" name="Image 2"/>
+          <p:cNvPicPr>
+            <a:picLocks noChangeAspect="1"/>
+          </p:cNvPicPr>
+          <p:nvPr/>
+        </p:nvPicPr>
+        <p:blipFill>
+          <a:blip r:embed="rId2" cstate="print">
+            <a:extLst>
+              <a:ext uri="{28A0092B-C50C-407E-A947-70E740481C1C}">
+                <a14:useLocalDpi xmlns:a14="http://schemas.microsoft.com/office/drawing/2010/main" val="0"/>
+              </a:ext>
+            </a:extLst>
+          </a:blip>
+          <a:stretch>
+            <a:fillRect/>
+          </a:stretch>
+        </p:blipFill>
+        <p:spPr>
+          <a:xfrm>
+            <a:off x="0" y="3429001"/>
+            <a:ext cx="4320000" cy="2105727"/>
+          </a:xfrm>
+          <a:prstGeom prst="rect">
+            <a:avLst/>
+          </a:prstGeom>
+        </p:spPr>
+      </p:pic>
+      <p:pic>
+        <p:nvPicPr>
+          <p:cNvPr id="5" name="Image 4"/>
+          <p:cNvPicPr>
+            <a:picLocks noChangeAspect="1"/>
+          </p:cNvPicPr>
+          <p:nvPr/>
+        </p:nvPicPr>
+        <p:blipFill>
+          <a:blip r:embed="rId3" cstate="print">
+            <a:extLst>
+              <a:ext uri="{28A0092B-C50C-407E-A947-70E740481C1C}">
+                <a14:useLocalDpi xmlns:a14="http://schemas.microsoft.com/office/drawing/2010/main" val="0"/>
+              </a:ext>
+            </a:extLst>
+          </a:blip>
+          <a:stretch>
+            <a:fillRect/>
+          </a:stretch>
+        </p:blipFill>
+        <p:spPr>
+          <a:xfrm>
+            <a:off x="4320000" y="3429000"/>
+            <a:ext cx="4320000" cy="2105727"/>
+          </a:xfrm>
+          <a:prstGeom prst="rect">
+            <a:avLst/>
+          </a:prstGeom>
+        </p:spPr>
+      </p:pic>
+      <p:cxnSp>
+        <p:nvCxnSpPr>
+          <p:cNvPr id="7" name="Connecteur droit 6"/>
+          <p:cNvCxnSpPr>
+            <a:cxnSpLocks/>
+          </p:cNvCxnSpPr>
+          <p:nvPr/>
+        </p:nvCxnSpPr>
+        <p:spPr>
+          <a:xfrm>
+            <a:off x="5652120" y="4005064"/>
+            <a:ext cx="0" cy="216024"/>
+          </a:xfrm>
+          <a:prstGeom prst="line">
+            <a:avLst/>
+          </a:prstGeom>
+          <a:ln>
+            <a:solidFill>
+              <a:srgbClr val="7030A0"/>
+            </a:solidFill>
+          </a:ln>
+        </p:spPr>
+        <p:style>
+          <a:lnRef idx="1">
+            <a:schemeClr val="accent1"/>
+          </a:lnRef>
+          <a:fillRef idx="0">
+            <a:schemeClr val="accent1"/>
+          </a:fillRef>
+          <a:effectRef idx="0">
+            <a:schemeClr val="accent1"/>
+          </a:effectRef>
+          <a:fontRef idx="minor">
+            <a:schemeClr val="tx1"/>
+          </a:fontRef>
+        </p:style>
+      </p:cxnSp>
+      <p:cxnSp>
+        <p:nvCxnSpPr>
+          <p:cNvPr id="8" name="Connecteur droit 7"/>
+          <p:cNvCxnSpPr>
+            <a:cxnSpLocks/>
+          </p:cNvCxnSpPr>
+          <p:nvPr/>
+        </p:nvCxnSpPr>
+        <p:spPr>
+          <a:xfrm>
+            <a:off x="6876256" y="4005064"/>
+            <a:ext cx="0" cy="792088"/>
+          </a:xfrm>
+          <a:prstGeom prst="line">
+            <a:avLst/>
+          </a:prstGeom>
+          <a:ln>
+            <a:solidFill>
+              <a:srgbClr val="7030A0"/>
+            </a:solidFill>
+          </a:ln>
+        </p:spPr>
+        <p:style>
+          <a:lnRef idx="1">
+            <a:schemeClr val="accent1"/>
+          </a:lnRef>
+          <a:fillRef idx="0">
+            <a:schemeClr val="accent1"/>
+          </a:fillRef>
+          <a:effectRef idx="0">
+            <a:schemeClr val="accent1"/>
+          </a:effectRef>
+          <a:fontRef idx="minor">
+            <a:schemeClr val="tx1"/>
+          </a:fontRef>
+        </p:style>
+      </p:cxnSp>
+      <p:cxnSp>
+        <p:nvCxnSpPr>
+          <p:cNvPr id="9" name="Connecteur droit 8"/>
+          <p:cNvCxnSpPr>
+            <a:cxnSpLocks/>
+          </p:cNvCxnSpPr>
+          <p:nvPr/>
+        </p:nvCxnSpPr>
+        <p:spPr>
+          <a:xfrm>
+            <a:off x="4644008" y="4149080"/>
+            <a:ext cx="0" cy="504056"/>
+          </a:xfrm>
+          <a:prstGeom prst="line">
+            <a:avLst/>
+          </a:prstGeom>
+          <a:ln>
+            <a:solidFill>
+              <a:srgbClr val="7030A0"/>
+            </a:solidFill>
+            <a:headEnd type="stealth" w="sm" len="med"/>
+            <a:tailEnd type="stealth" w="sm" len="med"/>
+          </a:ln>
+        </p:spPr>
+        <p:style>
+          <a:lnRef idx="1">
+            <a:schemeClr val="accent1"/>
+          </a:lnRef>
+          <a:fillRef idx="0">
+            <a:schemeClr val="accent1"/>
+          </a:fillRef>
+          <a:effectRef idx="0">
+            <a:schemeClr val="accent1"/>
+          </a:effectRef>
+          <a:fontRef idx="minor">
+            <a:schemeClr val="tx1"/>
+          </a:fontRef>
+        </p:style>
+      </p:cxnSp>
+      <p:cxnSp>
+        <p:nvCxnSpPr>
+          <p:cNvPr id="13" name="Connecteur droit 12"/>
+          <p:cNvCxnSpPr>
+            <a:cxnSpLocks/>
+          </p:cNvCxnSpPr>
+          <p:nvPr/>
+        </p:nvCxnSpPr>
+        <p:spPr>
+          <a:xfrm flipH="1">
+            <a:off x="4427985" y="4149080"/>
+            <a:ext cx="1224135" cy="0"/>
+          </a:xfrm>
+          <a:prstGeom prst="line">
+            <a:avLst/>
+          </a:prstGeom>
+          <a:ln>
+            <a:solidFill>
+              <a:srgbClr val="7030A0"/>
+            </a:solidFill>
+          </a:ln>
+        </p:spPr>
+        <p:style>
+          <a:lnRef idx="1">
+            <a:schemeClr val="accent1"/>
+          </a:lnRef>
+          <a:fillRef idx="0">
+            <a:schemeClr val="accent1"/>
+          </a:fillRef>
+          <a:effectRef idx="0">
+            <a:schemeClr val="accent1"/>
+          </a:effectRef>
+          <a:fontRef idx="minor">
+            <a:schemeClr val="tx1"/>
+          </a:fontRef>
+        </p:style>
+      </p:cxnSp>
+      <p:cxnSp>
+        <p:nvCxnSpPr>
+          <p:cNvPr id="16" name="Connecteur droit 15"/>
+          <p:cNvCxnSpPr>
+            <a:cxnSpLocks/>
+          </p:cNvCxnSpPr>
+          <p:nvPr/>
+        </p:nvCxnSpPr>
+        <p:spPr>
+          <a:xfrm flipH="1">
+            <a:off x="4427985" y="4653136"/>
+            <a:ext cx="2448271" cy="0"/>
+          </a:xfrm>
+          <a:prstGeom prst="line">
+            <a:avLst/>
+          </a:prstGeom>
+          <a:ln>
+            <a:solidFill>
+              <a:srgbClr val="7030A0"/>
+            </a:solidFill>
+          </a:ln>
+        </p:spPr>
+        <p:style>
+          <a:lnRef idx="1">
+            <a:schemeClr val="accent1"/>
+          </a:lnRef>
+          <a:fillRef idx="0">
+            <a:schemeClr val="accent1"/>
+          </a:fillRef>
+          <a:effectRef idx="0">
+            <a:schemeClr val="accent1"/>
+          </a:effectRef>
+          <a:fontRef idx="minor">
+            <a:schemeClr val="tx1"/>
+          </a:fontRef>
+        </p:style>
+      </p:cxnSp>
+      <p:cxnSp>
+        <p:nvCxnSpPr>
+          <p:cNvPr id="21" name="Connecteur droit 20"/>
+          <p:cNvCxnSpPr>
+            <a:cxnSpLocks/>
+          </p:cNvCxnSpPr>
+          <p:nvPr/>
+        </p:nvCxnSpPr>
+        <p:spPr>
+          <a:xfrm>
+            <a:off x="5652120" y="4068489"/>
+            <a:ext cx="1224136" cy="0"/>
+          </a:xfrm>
+          <a:prstGeom prst="line">
+            <a:avLst/>
+          </a:prstGeom>
+          <a:ln>
+            <a:solidFill>
+              <a:srgbClr val="7030A0"/>
+            </a:solidFill>
+            <a:headEnd type="stealth" w="sm" len="med"/>
+            <a:tailEnd type="stealth" w="sm" len="med"/>
+          </a:ln>
+        </p:spPr>
+        <p:style>
+          <a:lnRef idx="1">
+            <a:schemeClr val="accent1"/>
+          </a:lnRef>
+          <a:fillRef idx="0">
+            <a:schemeClr val="accent1"/>
+          </a:fillRef>
+          <a:effectRef idx="0">
+            <a:schemeClr val="accent1"/>
+          </a:effectRef>
+          <a:fontRef idx="minor">
+            <a:schemeClr val="tx1"/>
+          </a:fontRef>
+        </p:style>
+      </p:cxnSp>
+      <p:sp>
+        <p:nvSpPr>
+          <p:cNvPr id="24" name="ZoneTexte 23"/>
+          <p:cNvSpPr txBox="1"/>
+          <p:nvPr/>
+        </p:nvSpPr>
+        <p:spPr>
+          <a:xfrm>
+            <a:off x="4512755" y="4683169"/>
+            <a:ext cx="2196244" cy="276999"/>
+          </a:xfrm>
+          <a:prstGeom prst="rect">
+            <a:avLst/>
+          </a:prstGeom>
+          <a:noFill/>
+        </p:spPr>
+        <p:txBody>
+          <a:bodyPr wrap="square" rtlCol="0">
+            <a:spAutoFit/>
+          </a:bodyPr>
+          <a:lstStyle/>
+          <a:p>
+            <a:r>
+              <a:rPr lang="fr-FR" sz="1200" b="1" dirty="0">
+                <a:solidFill>
+                  <a:srgbClr val="FF0000"/>
+                </a:solidFill>
+              </a:rPr>
+              <a:t>Linéarisation entre -35° et -60°.</a:t>
+            </a:r>
+          </a:p>
+        </p:txBody>
+      </p:sp>
     </p:spTree>
     <p:extLst>
       <p:ext uri="{BB962C8B-B14F-4D97-AF65-F5344CB8AC3E}">
-        <p14:creationId xmlns:p14="http://schemas.microsoft.com/office/powerpoint/2010/main" val="963655669"/>
+        <p14:creationId xmlns:p14="http://schemas.microsoft.com/office/powerpoint/2010/main" val="485639388"/>
       </p:ext>
     </p:extLst>
   </p:cSld>
@@ -6730,7 +7074,7 @@
     </p:spTree>
     <p:extLst>
       <p:ext uri="{BB962C8B-B14F-4D97-AF65-F5344CB8AC3E}">
-        <p14:creationId xmlns:p14="http://schemas.microsoft.com/office/powerpoint/2010/main" val="519818362"/>
+        <p14:creationId xmlns:p14="http://schemas.microsoft.com/office/powerpoint/2010/main" val="963655669"/>
       </p:ext>
     </p:extLst>
   </p:cSld>

--- a/Cours/01_Modelisation_Multiphysique/images/Figures.pptx
+++ b/Cours/01_Modelisation_Multiphysique/images/Figures.pptx
@@ -317,7 +317,7 @@
           <a:p>
             <a:fld id="{AA309A6D-C09C-4548-B29A-6CF363A7E532}" type="datetimeFigureOut">
               <a:rPr lang="fr-FR" smtClean="0"/>
-              <a:t>26/06/2017</a:t>
+              <a:t>27/06/2017</a:t>
             </a:fld>
             <a:endParaRPr lang="fr-BE"/>
           </a:p>
@@ -482,7 +482,7 @@
           <a:p>
             <a:fld id="{AA309A6D-C09C-4548-B29A-6CF363A7E532}" type="datetimeFigureOut">
               <a:rPr lang="fr-FR" smtClean="0"/>
-              <a:t>26/06/2017</a:t>
+              <a:t>27/06/2017</a:t>
             </a:fld>
             <a:endParaRPr lang="fr-BE"/>
           </a:p>
@@ -657,7 +657,7 @@
           <a:p>
             <a:fld id="{AA309A6D-C09C-4548-B29A-6CF363A7E532}" type="datetimeFigureOut">
               <a:rPr lang="fr-FR" smtClean="0"/>
-              <a:t>26/06/2017</a:t>
+              <a:t>27/06/2017</a:t>
             </a:fld>
             <a:endParaRPr lang="fr-BE"/>
           </a:p>
@@ -822,7 +822,7 @@
           <a:p>
             <a:fld id="{AA309A6D-C09C-4548-B29A-6CF363A7E532}" type="datetimeFigureOut">
               <a:rPr lang="fr-FR" smtClean="0"/>
-              <a:t>26/06/2017</a:t>
+              <a:t>27/06/2017</a:t>
             </a:fld>
             <a:endParaRPr lang="fr-BE"/>
           </a:p>
@@ -1063,7 +1063,7 @@
           <a:p>
             <a:fld id="{AA309A6D-C09C-4548-B29A-6CF363A7E532}" type="datetimeFigureOut">
               <a:rPr lang="fr-FR" smtClean="0"/>
-              <a:t>26/06/2017</a:t>
+              <a:t>27/06/2017</a:t>
             </a:fld>
             <a:endParaRPr lang="fr-BE"/>
           </a:p>
@@ -1346,7 +1346,7 @@
           <a:p>
             <a:fld id="{AA309A6D-C09C-4548-B29A-6CF363A7E532}" type="datetimeFigureOut">
               <a:rPr lang="fr-FR" smtClean="0"/>
-              <a:t>26/06/2017</a:t>
+              <a:t>27/06/2017</a:t>
             </a:fld>
             <a:endParaRPr lang="fr-BE"/>
           </a:p>
@@ -1763,7 +1763,7 @@
           <a:p>
             <a:fld id="{AA309A6D-C09C-4548-B29A-6CF363A7E532}" type="datetimeFigureOut">
               <a:rPr lang="fr-FR" smtClean="0"/>
-              <a:t>26/06/2017</a:t>
+              <a:t>27/06/2017</a:t>
             </a:fld>
             <a:endParaRPr lang="fr-BE"/>
           </a:p>
@@ -1876,7 +1876,7 @@
           <a:p>
             <a:fld id="{AA309A6D-C09C-4548-B29A-6CF363A7E532}" type="datetimeFigureOut">
               <a:rPr lang="fr-FR" smtClean="0"/>
-              <a:t>26/06/2017</a:t>
+              <a:t>27/06/2017</a:t>
             </a:fld>
             <a:endParaRPr lang="fr-BE"/>
           </a:p>
@@ -1966,7 +1966,7 @@
           <a:p>
             <a:fld id="{AA309A6D-C09C-4548-B29A-6CF363A7E532}" type="datetimeFigureOut">
               <a:rPr lang="fr-FR" smtClean="0"/>
-              <a:t>26/06/2017</a:t>
+              <a:t>27/06/2017</a:t>
             </a:fld>
             <a:endParaRPr lang="fr-BE"/>
           </a:p>
@@ -2238,7 +2238,7 @@
           <a:p>
             <a:fld id="{AA309A6D-C09C-4548-B29A-6CF363A7E532}" type="datetimeFigureOut">
               <a:rPr lang="fr-FR" smtClean="0"/>
-              <a:t>26/06/2017</a:t>
+              <a:t>27/06/2017</a:t>
             </a:fld>
             <a:endParaRPr lang="fr-BE"/>
           </a:p>
@@ -2486,7 +2486,7 @@
           <a:p>
             <a:fld id="{AA309A6D-C09C-4548-B29A-6CF363A7E532}" type="datetimeFigureOut">
               <a:rPr lang="fr-FR" smtClean="0"/>
-              <a:t>26/06/2017</a:t>
+              <a:t>27/06/2017</a:t>
             </a:fld>
             <a:endParaRPr lang="fr-BE"/>
           </a:p>
@@ -2694,7 +2694,7 @@
           <a:p>
             <a:fld id="{AA309A6D-C09C-4548-B29A-6CF363A7E532}" type="datetimeFigureOut">
               <a:rPr lang="fr-FR" smtClean="0"/>
-              <a:t>26/06/2017</a:t>
+              <a:t>27/06/2017</a:t>
             </a:fld>
             <a:endParaRPr lang="fr-BE"/>
           </a:p>
@@ -3933,7 +3933,7 @@
         </p:nvSpPr>
         <p:spPr>
           <a:xfrm>
-            <a:off x="3597742" y="1964740"/>
+            <a:off x="3563886" y="1688978"/>
             <a:ext cx="1512169" cy="600164"/>
           </a:xfrm>
           <a:prstGeom prst="rect">
@@ -3969,7 +3969,7 @@
         </p:nvSpPr>
         <p:spPr>
           <a:xfrm>
-            <a:off x="4319971" y="4363399"/>
+            <a:off x="3087974" y="4223554"/>
             <a:ext cx="1512169" cy="600164"/>
           </a:xfrm>
           <a:prstGeom prst="rect">
@@ -4013,7 +4013,7 @@
         </p:nvSpPr>
         <p:spPr>
           <a:xfrm>
-            <a:off x="5436096" y="1806778"/>
+            <a:off x="5467106" y="1800032"/>
             <a:ext cx="1512169" cy="600164"/>
           </a:xfrm>
           <a:prstGeom prst="rect">
@@ -4040,6 +4040,162 @@
               <a:rPr lang="fr-FR" sz="1100" dirty="0"/>
               <a:t> » (en  série)</a:t>
             </a:r>
+          </a:p>
+        </p:txBody>
+      </p:sp>
+      <p:sp>
+        <p:nvSpPr>
+          <p:cNvPr id="2" name="Éclair 1">
+            <a:extLst>
+              <a:ext uri="{FF2B5EF4-FFF2-40B4-BE49-F238E27FC236}">
+                <a16:creationId xmlns:a16="http://schemas.microsoft.com/office/drawing/2014/main" id="{25212AEC-7665-4343-A8F2-B15F63D6E1FC}"/>
+              </a:ext>
+            </a:extLst>
+          </p:cNvPr>
+          <p:cNvSpPr/>
+          <p:nvPr/>
+        </p:nvSpPr>
+        <p:spPr>
+          <a:xfrm>
+            <a:off x="4465896" y="2285432"/>
+            <a:ext cx="268487" cy="238419"/>
+          </a:xfrm>
+          <a:prstGeom prst="lightningBolt">
+            <a:avLst/>
+          </a:prstGeom>
+          <a:solidFill>
+            <a:srgbClr val="FF0000"/>
+          </a:solidFill>
+          <a:ln>
+            <a:noFill/>
+          </a:ln>
+        </p:spPr>
+        <p:style>
+          <a:lnRef idx="2">
+            <a:schemeClr val="accent1">
+              <a:shade val="50000"/>
+            </a:schemeClr>
+          </a:lnRef>
+          <a:fillRef idx="1">
+            <a:schemeClr val="accent1"/>
+          </a:fillRef>
+          <a:effectRef idx="0">
+            <a:schemeClr val="accent1"/>
+          </a:effectRef>
+          <a:fontRef idx="minor">
+            <a:schemeClr val="lt1"/>
+          </a:fontRef>
+        </p:style>
+        <p:txBody>
+          <a:bodyPr rtlCol="0" anchor="ctr"/>
+          <a:lstStyle/>
+          <a:p>
+            <a:pPr algn="ctr"/>
+            <a:endParaRPr lang="fr-FR"/>
+          </a:p>
+        </p:txBody>
+      </p:sp>
+      <p:sp>
+        <p:nvSpPr>
+          <p:cNvPr id="11" name="Éclair 10">
+            <a:extLst>
+              <a:ext uri="{FF2B5EF4-FFF2-40B4-BE49-F238E27FC236}">
+                <a16:creationId xmlns:a16="http://schemas.microsoft.com/office/drawing/2014/main" id="{166B83DF-758E-46CD-B5CC-8FA5910A3D6E}"/>
+              </a:ext>
+            </a:extLst>
+          </p:cNvPr>
+          <p:cNvSpPr/>
+          <p:nvPr/>
+        </p:nvSpPr>
+        <p:spPr>
+          <a:xfrm flipH="1">
+            <a:off x="6156175" y="2237500"/>
+            <a:ext cx="341672" cy="245050"/>
+          </a:xfrm>
+          <a:prstGeom prst="lightningBolt">
+            <a:avLst/>
+          </a:prstGeom>
+          <a:solidFill>
+            <a:srgbClr val="FF0000"/>
+          </a:solidFill>
+          <a:ln>
+            <a:noFill/>
+          </a:ln>
+        </p:spPr>
+        <p:style>
+          <a:lnRef idx="2">
+            <a:schemeClr val="accent1">
+              <a:shade val="50000"/>
+            </a:schemeClr>
+          </a:lnRef>
+          <a:fillRef idx="1">
+            <a:schemeClr val="accent1"/>
+          </a:fillRef>
+          <a:effectRef idx="0">
+            <a:schemeClr val="accent1"/>
+          </a:effectRef>
+          <a:fontRef idx="minor">
+            <a:schemeClr val="lt1"/>
+          </a:fontRef>
+        </p:style>
+        <p:txBody>
+          <a:bodyPr rtlCol="0" anchor="ctr"/>
+          <a:lstStyle/>
+          <a:p>
+            <a:pPr algn="ctr"/>
+            <a:endParaRPr lang="fr-FR"/>
+          </a:p>
+        </p:txBody>
+      </p:sp>
+      <p:sp>
+        <p:nvSpPr>
+          <p:cNvPr id="12" name="Éclair 11">
+            <a:extLst>
+              <a:ext uri="{FF2B5EF4-FFF2-40B4-BE49-F238E27FC236}">
+                <a16:creationId xmlns:a16="http://schemas.microsoft.com/office/drawing/2014/main" id="{0B89E536-59CC-4A24-A217-21D9741786E0}"/>
+              </a:ext>
+            </a:extLst>
+          </p:cNvPr>
+          <p:cNvSpPr/>
+          <p:nvPr/>
+        </p:nvSpPr>
+        <p:spPr>
+          <a:xfrm rot="10800000" flipH="1">
+            <a:off x="4357169" y="3988845"/>
+            <a:ext cx="341672" cy="245050"/>
+          </a:xfrm>
+          <a:prstGeom prst="lightningBolt">
+            <a:avLst/>
+          </a:prstGeom>
+          <a:solidFill>
+            <a:srgbClr val="FF0000"/>
+          </a:solidFill>
+          <a:ln>
+            <a:noFill/>
+          </a:ln>
+        </p:spPr>
+        <p:style>
+          <a:lnRef idx="2">
+            <a:schemeClr val="accent1">
+              <a:shade val="50000"/>
+            </a:schemeClr>
+          </a:lnRef>
+          <a:fillRef idx="1">
+            <a:schemeClr val="accent1"/>
+          </a:fillRef>
+          <a:effectRef idx="0">
+            <a:schemeClr val="accent1"/>
+          </a:effectRef>
+          <a:fontRef idx="minor">
+            <a:schemeClr val="lt1"/>
+          </a:fontRef>
+        </p:style>
+        <p:txBody>
+          <a:bodyPr rtlCol="0" anchor="ctr"/>
+          <a:lstStyle/>
+          <a:p>
+            <a:pPr algn="ctr"/>
+            <a:endParaRPr lang="fr-FR"/>
           </a:p>
         </p:txBody>
       </p:sp>
